--- a/PPT/Module 3 - Reducing Dimensions Numeric Vars.pptx
+++ b/PPT/Module 3 - Reducing Dimensions Numeric Vars.pptx
@@ -5,60 +5,67 @@
     <p:sldMasterId id="2147483648" r:id="rId1"/>
   </p:sldMasterIdLst>
   <p:notesMasterIdLst>
-    <p:notesMasterId r:id="rId24"/>
+    <p:notesMasterId r:id="rId31"/>
   </p:notesMasterIdLst>
   <p:sldIdLst>
     <p:sldId id="301" r:id="rId2"/>
     <p:sldId id="265" r:id="rId3"/>
     <p:sldId id="417" r:id="rId4"/>
     <p:sldId id="441" r:id="rId5"/>
-    <p:sldId id="442" r:id="rId6"/>
-    <p:sldId id="443" r:id="rId7"/>
-    <p:sldId id="444" r:id="rId8"/>
-    <p:sldId id="446" r:id="rId9"/>
-    <p:sldId id="445" r:id="rId10"/>
-    <p:sldId id="447" r:id="rId11"/>
-    <p:sldId id="448" r:id="rId12"/>
-    <p:sldId id="449" r:id="rId13"/>
-    <p:sldId id="450" r:id="rId14"/>
-    <p:sldId id="451" r:id="rId15"/>
-    <p:sldId id="452" r:id="rId16"/>
-    <p:sldId id="453" r:id="rId17"/>
-    <p:sldId id="407" r:id="rId18"/>
-    <p:sldId id="454" r:id="rId19"/>
-    <p:sldId id="456" r:id="rId20"/>
-    <p:sldId id="457" r:id="rId21"/>
-    <p:sldId id="455" r:id="rId22"/>
-    <p:sldId id="458" r:id="rId23"/>
+    <p:sldId id="459" r:id="rId6"/>
+    <p:sldId id="460" r:id="rId7"/>
+    <p:sldId id="461" r:id="rId8"/>
+    <p:sldId id="462" r:id="rId9"/>
+    <p:sldId id="463" r:id="rId10"/>
+    <p:sldId id="443" r:id="rId11"/>
+    <p:sldId id="444" r:id="rId12"/>
+    <p:sldId id="465" r:id="rId13"/>
+    <p:sldId id="464" r:id="rId14"/>
+    <p:sldId id="442" r:id="rId15"/>
+    <p:sldId id="446" r:id="rId16"/>
+    <p:sldId id="445" r:id="rId17"/>
+    <p:sldId id="447" r:id="rId18"/>
+    <p:sldId id="448" r:id="rId19"/>
+    <p:sldId id="449" r:id="rId20"/>
+    <p:sldId id="450" r:id="rId21"/>
+    <p:sldId id="451" r:id="rId22"/>
+    <p:sldId id="452" r:id="rId23"/>
+    <p:sldId id="453" r:id="rId24"/>
+    <p:sldId id="407" r:id="rId25"/>
+    <p:sldId id="454" r:id="rId26"/>
+    <p:sldId id="456" r:id="rId27"/>
+    <p:sldId id="457" r:id="rId28"/>
+    <p:sldId id="455" r:id="rId29"/>
+    <p:sldId id="458" r:id="rId30"/>
   </p:sldIdLst>
   <p:sldSz cx="12192000" cy="6858000"/>
   <p:notesSz cx="6858000" cy="9144000"/>
   <p:embeddedFontLst>
     <p:embeddedFont>
       <p:font typeface="Lato" panose="020F0502020204030203" pitchFamily="34" charset="0"/>
-      <p:regular r:id="rId25"/>
-      <p:bold r:id="rId26"/>
-      <p:italic r:id="rId27"/>
-      <p:boldItalic r:id="rId28"/>
+      <p:regular r:id="rId32"/>
+      <p:bold r:id="rId33"/>
+      <p:italic r:id="rId34"/>
+      <p:boldItalic r:id="rId35"/>
     </p:embeddedFont>
     <p:embeddedFont>
-      <p:font typeface="Lato Light" panose="020F0302020204030204" pitchFamily="34" charset="0"/>
-      <p:regular r:id="rId29"/>
-      <p:bold r:id="rId30"/>
-      <p:italic r:id="rId31"/>
-      <p:boldItalic r:id="rId32"/>
+      <p:font typeface="Lato Light" panose="020F0302020204030203" pitchFamily="34" charset="0"/>
+      <p:regular r:id="rId36"/>
+      <p:bold r:id="rId37"/>
+      <p:italic r:id="rId38"/>
+      <p:boldItalic r:id="rId39"/>
     </p:embeddedFont>
     <p:embeddedFont>
       <p:font typeface="Roboto" panose="02000000000000000000" pitchFamily="2" charset="0"/>
-      <p:regular r:id="rId33"/>
-      <p:bold r:id="rId34"/>
-      <p:italic r:id="rId35"/>
-      <p:boldItalic r:id="rId36"/>
+      <p:regular r:id="rId40"/>
+      <p:bold r:id="rId41"/>
+      <p:italic r:id="rId42"/>
+      <p:boldItalic r:id="rId43"/>
     </p:embeddedFont>
     <p:embeddedFont>
       <p:font typeface="Roboto Slab" pitchFamily="2" charset="0"/>
-      <p:regular r:id="rId37"/>
-      <p:bold r:id="rId38"/>
+      <p:regular r:id="rId44"/>
+      <p:bold r:id="rId45"/>
     </p:embeddedFont>
   </p:embeddedFontLst>
   <p:defaultTextStyle>
@@ -295,7 +302,7 @@
       <p15:sldGuideLst xmlns:p15="http://schemas.microsoft.com/office/powerpoint/2012/main"/>
     </p:ext>
     <p:ext uri="http://customooxmlschemas.google.com/">
-      <go:slidesCustomData xmlns:go="http://customooxmlschemas.google.com/" xmlns:ahyp="http://schemas.microsoft.com/office/drawing/2018/hyperlinkcolor" xmlns:p15="http://schemas.microsoft.com/office/powerpoint/2012/main" xmlns:p14="http://schemas.microsoft.com/office/powerpoint/2010/main" xmlns:com="http://schemas.openxmlformats.org/drawingml/2006/compatibility" xmlns:pvml="urn:schemas-microsoft-com:office:powerpoint" xmlns:v="urn:schemas-microsoft-com:vml" xmlns:o="urn:schemas-microsoft-com:office:office" xmlns:dgm="http://schemas.openxmlformats.org/drawingml/2006/diagram" xmlns:c="http://schemas.openxmlformats.org/drawingml/2006/chart" xmlns:mv="urn:schemas-microsoft-com:mac:vml" xmlns:mc="http://schemas.openxmlformats.org/markup-compatibility/2006" xmlns="" r:id="rId61" roundtripDataSignature="AMtx7mh8+V1nZDCJuCgwzr3Qy4UygyySmw=="/>
+      <go:slidesCustomData xmlns="" xmlns:mc="http://schemas.openxmlformats.org/markup-compatibility/2006" xmlns:mv="urn:schemas-microsoft-com:mac:vml" xmlns:c="http://schemas.openxmlformats.org/drawingml/2006/chart" xmlns:dgm="http://schemas.openxmlformats.org/drawingml/2006/diagram" xmlns:o="urn:schemas-microsoft-com:office:office" xmlns:v="urn:schemas-microsoft-com:vml" xmlns:pvml="urn:schemas-microsoft-com:office:powerpoint" xmlns:com="http://schemas.openxmlformats.org/drawingml/2006/compatibility" xmlns:p14="http://schemas.microsoft.com/office/powerpoint/2010/main" xmlns:p15="http://schemas.microsoft.com/office/powerpoint/2012/main" xmlns:ahyp="http://schemas.microsoft.com/office/drawing/2018/hyperlinkcolor" xmlns:go="http://customooxmlschemas.google.com/" r:id="rId61" roundtripDataSignature="AMtx7mh8+V1nZDCJuCgwzr3Qy4UygyySmw=="/>
     </p:ext>
   </p:extLst>
 </p:presentation>
@@ -1130,7 +1137,7 @@
     </p:spTree>
     <p:extLst>
       <p:ext uri="{BB962C8B-B14F-4D97-AF65-F5344CB8AC3E}">
-        <p14:creationId xmlns:p14="http://schemas.microsoft.com/office/powerpoint/2010/main" val="2032735519"/>
+        <p14:creationId xmlns:p14="http://schemas.microsoft.com/office/powerpoint/2010/main" val="1585450022"/>
       </p:ext>
     </p:extLst>
   </p:cSld>
@@ -1239,7 +1246,7 @@
     </p:spTree>
     <p:extLst>
       <p:ext uri="{BB962C8B-B14F-4D97-AF65-F5344CB8AC3E}">
-        <p14:creationId xmlns:p14="http://schemas.microsoft.com/office/powerpoint/2010/main" val="460894300"/>
+        <p14:creationId xmlns:p14="http://schemas.microsoft.com/office/powerpoint/2010/main" val="1992605736"/>
       </p:ext>
     </p:extLst>
   </p:cSld>
@@ -1348,7 +1355,7 @@
     </p:spTree>
     <p:extLst>
       <p:ext uri="{BB962C8B-B14F-4D97-AF65-F5344CB8AC3E}">
-        <p14:creationId xmlns:p14="http://schemas.microsoft.com/office/powerpoint/2010/main" val="4173025462"/>
+        <p14:creationId xmlns:p14="http://schemas.microsoft.com/office/powerpoint/2010/main" val="1334593106"/>
       </p:ext>
     </p:extLst>
   </p:cSld>
@@ -1457,7 +1464,7 @@
     </p:spTree>
     <p:extLst>
       <p:ext uri="{BB962C8B-B14F-4D97-AF65-F5344CB8AC3E}">
-        <p14:creationId xmlns:p14="http://schemas.microsoft.com/office/powerpoint/2010/main" val="2616590261"/>
+        <p14:creationId xmlns:p14="http://schemas.microsoft.com/office/powerpoint/2010/main" val="3593750383"/>
       </p:ext>
     </p:extLst>
   </p:cSld>
@@ -1566,7 +1573,7 @@
     </p:spTree>
     <p:extLst>
       <p:ext uri="{BB962C8B-B14F-4D97-AF65-F5344CB8AC3E}">
-        <p14:creationId xmlns:p14="http://schemas.microsoft.com/office/powerpoint/2010/main" val="1256457590"/>
+        <p14:creationId xmlns:p14="http://schemas.microsoft.com/office/powerpoint/2010/main" val="1009274529"/>
       </p:ext>
     </p:extLst>
   </p:cSld>
@@ -1675,7 +1682,7 @@
     </p:spTree>
     <p:extLst>
       <p:ext uri="{BB962C8B-B14F-4D97-AF65-F5344CB8AC3E}">
-        <p14:creationId xmlns:p14="http://schemas.microsoft.com/office/powerpoint/2010/main" val="3164902677"/>
+        <p14:creationId xmlns:p14="http://schemas.microsoft.com/office/powerpoint/2010/main" val="2032735519"/>
       </p:ext>
     </p:extLst>
   </p:cSld>
@@ -1784,7 +1791,7 @@
     </p:spTree>
     <p:extLst>
       <p:ext uri="{BB962C8B-B14F-4D97-AF65-F5344CB8AC3E}">
-        <p14:creationId xmlns:p14="http://schemas.microsoft.com/office/powerpoint/2010/main" val="862793553"/>
+        <p14:creationId xmlns:p14="http://schemas.microsoft.com/office/powerpoint/2010/main" val="460894300"/>
       </p:ext>
     </p:extLst>
   </p:cSld>
@@ -1799,7 +1806,7 @@
   <p:cSld>
     <p:spTree>
       <p:nvGrpSpPr>
-        <p:cNvPr id="1" name="Shape 312"/>
+        <p:cNvPr id="1" name="Shape 246"/>
         <p:cNvGrpSpPr/>
         <p:nvPr/>
       </p:nvGrpSpPr>
@@ -1813,7 +1820,45 @@
       </p:grpSpPr>
       <p:sp>
         <p:nvSpPr>
-          <p:cNvPr id="313" name="Google Shape;313;p11:notes"/>
+          <p:cNvPr id="247" name="Google Shape;247;p1:notes"/>
+          <p:cNvSpPr txBox="1">
+            <a:spLocks noGrp="1"/>
+          </p:cNvSpPr>
+          <p:nvPr>
+            <p:ph type="body" idx="1"/>
+          </p:nvPr>
+        </p:nvSpPr>
+        <p:spPr>
+          <a:xfrm>
+            <a:off x="685800" y="4343400"/>
+            <a:ext cx="5486400" cy="4114800"/>
+          </a:xfrm>
+          <a:prstGeom prst="rect">
+            <a:avLst/>
+          </a:prstGeom>
+        </p:spPr>
+        <p:txBody>
+          <a:bodyPr spcFirstLastPara="1" wrap="square" lIns="91425" tIns="91425" rIns="91425" bIns="91425" anchor="t" anchorCtr="0">
+            <a:noAutofit/>
+          </a:bodyPr>
+          <a:lstStyle/>
+          <a:p>
+            <a:pPr marL="0" lvl="0" indent="0" algn="l" rtl="0">
+              <a:spcBef>
+                <a:spcPts val="0"/>
+              </a:spcBef>
+              <a:spcAft>
+                <a:spcPts val="0"/>
+              </a:spcAft>
+              <a:buNone/>
+            </a:pPr>
+            <a:endParaRPr/>
+          </a:p>
+        </p:txBody>
+      </p:sp>
+      <p:sp>
+        <p:nvSpPr>
+          <p:cNvPr id="248" name="Google Shape;248;p1:notes"/>
           <p:cNvSpPr>
             <a:spLocks noGrp="1" noRot="1" noChangeAspect="1"/>
           </p:cNvSpPr>
@@ -1850,152 +1895,12 @@
               </a:path>
             </a:pathLst>
           </a:custGeom>
-          <a:noFill/>
-          <a:ln w="9525" cap="flat" cmpd="sng">
-            <a:solidFill>
-              <a:srgbClr val="000000"/>
-            </a:solidFill>
-            <a:prstDash val="solid"/>
-            <a:round/>
-            <a:headEnd type="none" w="sm" len="sm"/>
-            <a:tailEnd type="none" w="sm" len="sm"/>
-          </a:ln>
-        </p:spPr>
-      </p:sp>
-      <p:sp>
-        <p:nvSpPr>
-          <p:cNvPr id="314" name="Google Shape;314;p11:notes"/>
-          <p:cNvSpPr txBox="1">
-            <a:spLocks noGrp="1"/>
-          </p:cNvSpPr>
-          <p:nvPr>
-            <p:ph type="body" idx="1"/>
-          </p:nvPr>
-        </p:nvSpPr>
-        <p:spPr>
-          <a:xfrm>
-            <a:off x="685800" y="4343400"/>
-            <a:ext cx="5486400" cy="4114800"/>
-          </a:xfrm>
-          <a:prstGeom prst="rect">
-            <a:avLst/>
-          </a:prstGeom>
-          <a:noFill/>
-          <a:ln>
-            <a:noFill/>
-          </a:ln>
-        </p:spPr>
-        <p:txBody>
-          <a:bodyPr spcFirstLastPara="1" wrap="square" lIns="91425" tIns="91425" rIns="91425" bIns="91425" anchor="t" anchorCtr="0">
-            <a:noAutofit/>
-          </a:bodyPr>
-          <a:lstStyle/>
-          <a:p>
-            <a:pPr marL="0" lvl="0" indent="0" algn="l" rtl="0">
-              <a:spcBef>
-                <a:spcPts val="0"/>
-              </a:spcBef>
-              <a:spcAft>
-                <a:spcPts val="0"/>
-              </a:spcAft>
-              <a:buNone/>
-            </a:pPr>
-            <a:r>
-              <a:rPr lang="en-US"/>
-              <a:t>Guidelines</a:t>
-            </a:r>
-            <a:endParaRPr/>
-          </a:p>
-          <a:p>
-            <a:pPr marL="228600" lvl="0" indent="-228600" algn="l" rtl="0">
-              <a:spcBef>
-                <a:spcPts val="0"/>
-              </a:spcBef>
-              <a:spcAft>
-                <a:spcPts val="0"/>
-              </a:spcAft>
-              <a:buClr>
-                <a:schemeClr val="dk1"/>
-              </a:buClr>
-              <a:buSzPts val="1100"/>
-              <a:buFont typeface="Arial"/>
-              <a:buAutoNum type="arabicPeriod"/>
-            </a:pPr>
-            <a:r>
-              <a:rPr lang="en-US"/>
-              <a:t>Use a title slide at the beginning of your presentation. There are 9 variations of title slides to choose from. </a:t>
-            </a:r>
-            <a:endParaRPr/>
-          </a:p>
-          <a:p>
-            <a:pPr marL="228600" lvl="0" indent="-228600" algn="l" rtl="0">
-              <a:spcBef>
-                <a:spcPts val="0"/>
-              </a:spcBef>
-              <a:spcAft>
-                <a:spcPts val="0"/>
-              </a:spcAft>
-              <a:buClr>
-                <a:schemeClr val="dk1"/>
-              </a:buClr>
-              <a:buSzPts val="1100"/>
-              <a:buFont typeface="Arial"/>
-              <a:buAutoNum type="arabicPeriod"/>
-            </a:pPr>
-            <a:r>
-              <a:rPr lang="en-US"/>
-              <a:t>If you will have a series of slideshows, we recommend using the same style of title slide for each presentation.</a:t>
-            </a:r>
-            <a:endParaRPr/>
-          </a:p>
-          <a:p>
-            <a:pPr marL="228600" lvl="0" indent="-228600" algn="l" rtl="0">
-              <a:spcBef>
-                <a:spcPts val="0"/>
-              </a:spcBef>
-              <a:spcAft>
-                <a:spcPts val="0"/>
-              </a:spcAft>
-              <a:buClr>
-                <a:schemeClr val="dk1"/>
-              </a:buClr>
-              <a:buSzPts val="1100"/>
-              <a:buFont typeface="Arial"/>
-              <a:buAutoNum type="arabicPeriod"/>
-            </a:pPr>
-            <a:r>
-              <a:rPr lang="en-US"/>
-              <a:t>Keep your title to no more than 2 lines.</a:t>
-            </a:r>
-            <a:endParaRPr/>
-          </a:p>
-          <a:p>
-            <a:pPr marL="228600" lvl="0" indent="-228600" algn="l" rtl="0">
-              <a:spcBef>
-                <a:spcPts val="0"/>
-              </a:spcBef>
-              <a:spcAft>
-                <a:spcPts val="0"/>
-              </a:spcAft>
-              <a:buClr>
-                <a:schemeClr val="dk1"/>
-              </a:buClr>
-              <a:buSzPts val="1100"/>
-              <a:buFont typeface="Arial"/>
-              <a:buAutoNum type="arabicPeriod"/>
-            </a:pPr>
-            <a:r>
-              <a:rPr lang="en-US"/>
-              <a:t>Do not change the font style or font size of the title or subtitle.</a:t>
-            </a:r>
-            <a:endParaRPr/>
-          </a:p>
-        </p:txBody>
+        </p:spPr>
       </p:sp>
     </p:spTree>
     <p:extLst>
       <p:ext uri="{BB962C8B-B14F-4D97-AF65-F5344CB8AC3E}">
-        <p14:creationId xmlns:p14="http://schemas.microsoft.com/office/powerpoint/2010/main" val="395434183"/>
+        <p14:creationId xmlns:p14="http://schemas.microsoft.com/office/powerpoint/2010/main" val="4173025462"/>
       </p:ext>
     </p:extLst>
   </p:cSld>
@@ -2104,7 +2009,7 @@
     </p:spTree>
     <p:extLst>
       <p:ext uri="{BB962C8B-B14F-4D97-AF65-F5344CB8AC3E}">
-        <p14:creationId xmlns:p14="http://schemas.microsoft.com/office/powerpoint/2010/main" val="2069089870"/>
+        <p14:creationId xmlns:p14="http://schemas.microsoft.com/office/powerpoint/2010/main" val="2616590261"/>
       </p:ext>
     </p:extLst>
   </p:cSld>
@@ -2119,7 +2024,7 @@
   <p:cSld>
     <p:spTree>
       <p:nvGrpSpPr>
-        <p:cNvPr id="1" name="Shape 312"/>
+        <p:cNvPr id="1" name="Shape 246"/>
         <p:cNvGrpSpPr/>
         <p:nvPr/>
       </p:nvGrpSpPr>
@@ -2133,7 +2038,45 @@
       </p:grpSpPr>
       <p:sp>
         <p:nvSpPr>
-          <p:cNvPr id="313" name="Google Shape;313;p11:notes"/>
+          <p:cNvPr id="247" name="Google Shape;247;p1:notes"/>
+          <p:cNvSpPr txBox="1">
+            <a:spLocks noGrp="1"/>
+          </p:cNvSpPr>
+          <p:nvPr>
+            <p:ph type="body" idx="1"/>
+          </p:nvPr>
+        </p:nvSpPr>
+        <p:spPr>
+          <a:xfrm>
+            <a:off x="685800" y="4343400"/>
+            <a:ext cx="5486400" cy="4114800"/>
+          </a:xfrm>
+          <a:prstGeom prst="rect">
+            <a:avLst/>
+          </a:prstGeom>
+        </p:spPr>
+        <p:txBody>
+          <a:bodyPr spcFirstLastPara="1" wrap="square" lIns="91425" tIns="91425" rIns="91425" bIns="91425" anchor="t" anchorCtr="0">
+            <a:noAutofit/>
+          </a:bodyPr>
+          <a:lstStyle/>
+          <a:p>
+            <a:pPr marL="0" lvl="0" indent="0" algn="l" rtl="0">
+              <a:spcBef>
+                <a:spcPts val="0"/>
+              </a:spcBef>
+              <a:spcAft>
+                <a:spcPts val="0"/>
+              </a:spcAft>
+              <a:buNone/>
+            </a:pPr>
+            <a:endParaRPr/>
+          </a:p>
+        </p:txBody>
+      </p:sp>
+      <p:sp>
+        <p:nvSpPr>
+          <p:cNvPr id="248" name="Google Shape;248;p1:notes"/>
           <p:cNvSpPr>
             <a:spLocks noGrp="1" noRot="1" noChangeAspect="1"/>
           </p:cNvSpPr>
@@ -2170,152 +2113,12 @@
               </a:path>
             </a:pathLst>
           </a:custGeom>
-          <a:noFill/>
-          <a:ln w="9525" cap="flat" cmpd="sng">
-            <a:solidFill>
-              <a:srgbClr val="000000"/>
-            </a:solidFill>
-            <a:prstDash val="solid"/>
-            <a:round/>
-            <a:headEnd type="none" w="sm" len="sm"/>
-            <a:tailEnd type="none" w="sm" len="sm"/>
-          </a:ln>
-        </p:spPr>
-      </p:sp>
-      <p:sp>
-        <p:nvSpPr>
-          <p:cNvPr id="314" name="Google Shape;314;p11:notes"/>
-          <p:cNvSpPr txBox="1">
-            <a:spLocks noGrp="1"/>
-          </p:cNvSpPr>
-          <p:nvPr>
-            <p:ph type="body" idx="1"/>
-          </p:nvPr>
-        </p:nvSpPr>
-        <p:spPr>
-          <a:xfrm>
-            <a:off x="685800" y="4343400"/>
-            <a:ext cx="5486400" cy="4114800"/>
-          </a:xfrm>
-          <a:prstGeom prst="rect">
-            <a:avLst/>
-          </a:prstGeom>
-          <a:noFill/>
-          <a:ln>
-            <a:noFill/>
-          </a:ln>
-        </p:spPr>
-        <p:txBody>
-          <a:bodyPr spcFirstLastPara="1" wrap="square" lIns="91425" tIns="91425" rIns="91425" bIns="91425" anchor="t" anchorCtr="0">
-            <a:noAutofit/>
-          </a:bodyPr>
-          <a:lstStyle/>
-          <a:p>
-            <a:pPr marL="0" lvl="0" indent="0" algn="l" rtl="0">
-              <a:spcBef>
-                <a:spcPts val="0"/>
-              </a:spcBef>
-              <a:spcAft>
-                <a:spcPts val="0"/>
-              </a:spcAft>
-              <a:buNone/>
-            </a:pPr>
-            <a:r>
-              <a:rPr lang="en-US"/>
-              <a:t>Guidelines</a:t>
-            </a:r>
-            <a:endParaRPr/>
-          </a:p>
-          <a:p>
-            <a:pPr marL="228600" lvl="0" indent="-228600" algn="l" rtl="0">
-              <a:spcBef>
-                <a:spcPts val="0"/>
-              </a:spcBef>
-              <a:spcAft>
-                <a:spcPts val="0"/>
-              </a:spcAft>
-              <a:buClr>
-                <a:schemeClr val="dk1"/>
-              </a:buClr>
-              <a:buSzPts val="1100"/>
-              <a:buFont typeface="Arial"/>
-              <a:buAutoNum type="arabicPeriod"/>
-            </a:pPr>
-            <a:r>
-              <a:rPr lang="en-US"/>
-              <a:t>Use a title slide at the beginning of your presentation. There are 9 variations of title slides to choose from. </a:t>
-            </a:r>
-            <a:endParaRPr/>
-          </a:p>
-          <a:p>
-            <a:pPr marL="228600" lvl="0" indent="-228600" algn="l" rtl="0">
-              <a:spcBef>
-                <a:spcPts val="0"/>
-              </a:spcBef>
-              <a:spcAft>
-                <a:spcPts val="0"/>
-              </a:spcAft>
-              <a:buClr>
-                <a:schemeClr val="dk1"/>
-              </a:buClr>
-              <a:buSzPts val="1100"/>
-              <a:buFont typeface="Arial"/>
-              <a:buAutoNum type="arabicPeriod"/>
-            </a:pPr>
-            <a:r>
-              <a:rPr lang="en-US"/>
-              <a:t>If you will have a series of slideshows, we recommend using the same style of title slide for each presentation.</a:t>
-            </a:r>
-            <a:endParaRPr/>
-          </a:p>
-          <a:p>
-            <a:pPr marL="228600" lvl="0" indent="-228600" algn="l" rtl="0">
-              <a:spcBef>
-                <a:spcPts val="0"/>
-              </a:spcBef>
-              <a:spcAft>
-                <a:spcPts val="0"/>
-              </a:spcAft>
-              <a:buClr>
-                <a:schemeClr val="dk1"/>
-              </a:buClr>
-              <a:buSzPts val="1100"/>
-              <a:buFont typeface="Arial"/>
-              <a:buAutoNum type="arabicPeriod"/>
-            </a:pPr>
-            <a:r>
-              <a:rPr lang="en-US"/>
-              <a:t>Keep your title to no more than 2 lines.</a:t>
-            </a:r>
-            <a:endParaRPr/>
-          </a:p>
-          <a:p>
-            <a:pPr marL="228600" lvl="0" indent="-228600" algn="l" rtl="0">
-              <a:spcBef>
-                <a:spcPts val="0"/>
-              </a:spcBef>
-              <a:spcAft>
-                <a:spcPts val="0"/>
-              </a:spcAft>
-              <a:buClr>
-                <a:schemeClr val="dk1"/>
-              </a:buClr>
-              <a:buSzPts val="1100"/>
-              <a:buFont typeface="Arial"/>
-              <a:buAutoNum type="arabicPeriod"/>
-            </a:pPr>
-            <a:r>
-              <a:rPr lang="en-US"/>
-              <a:t>Do not change the font style or font size of the title or subtitle.</a:t>
-            </a:r>
-            <a:endParaRPr/>
-          </a:p>
-        </p:txBody>
+        </p:spPr>
       </p:sp>
     </p:spTree>
     <p:extLst>
       <p:ext uri="{BB962C8B-B14F-4D97-AF65-F5344CB8AC3E}">
-        <p14:creationId xmlns:p14="http://schemas.microsoft.com/office/powerpoint/2010/main" val="3607286099"/>
+        <p14:creationId xmlns:p14="http://schemas.microsoft.com/office/powerpoint/2010/main" val="1256457590"/>
       </p:ext>
     </p:extLst>
   </p:cSld>
@@ -2642,7 +2445,7 @@
     </p:spTree>
     <p:extLst>
       <p:ext uri="{BB962C8B-B14F-4D97-AF65-F5344CB8AC3E}">
-        <p14:creationId xmlns:p14="http://schemas.microsoft.com/office/powerpoint/2010/main" val="1130298084"/>
+        <p14:creationId xmlns:p14="http://schemas.microsoft.com/office/powerpoint/2010/main" val="3164902677"/>
       </p:ext>
     </p:extLst>
   </p:cSld>
@@ -2751,6 +2554,755 @@
     </p:spTree>
     <p:extLst>
       <p:ext uri="{BB962C8B-B14F-4D97-AF65-F5344CB8AC3E}">
+        <p14:creationId xmlns:p14="http://schemas.microsoft.com/office/powerpoint/2010/main" val="862793553"/>
+      </p:ext>
+    </p:extLst>
+  </p:cSld>
+  <p:clrMapOvr>
+    <a:masterClrMapping/>
+  </p:clrMapOvr>
+</p:notes>
+</file>
+
+<file path=ppt/notesSlides/notesSlide22.xml><?xml version="1.0" encoding="utf-8"?>
+<p:notes xmlns:a="http://schemas.openxmlformats.org/drawingml/2006/main" xmlns:r="http://schemas.openxmlformats.org/officeDocument/2006/relationships" xmlns:p="http://schemas.openxmlformats.org/presentationml/2006/main" showMasterSp="0" showMasterPhAnim="0">
+  <p:cSld>
+    <p:spTree>
+      <p:nvGrpSpPr>
+        <p:cNvPr id="1" name="Shape 312"/>
+        <p:cNvGrpSpPr/>
+        <p:nvPr/>
+      </p:nvGrpSpPr>
+      <p:grpSpPr>
+        <a:xfrm>
+          <a:off x="0" y="0"/>
+          <a:ext cx="0" cy="0"/>
+          <a:chOff x="0" y="0"/>
+          <a:chExt cx="0" cy="0"/>
+        </a:xfrm>
+      </p:grpSpPr>
+      <p:sp>
+        <p:nvSpPr>
+          <p:cNvPr id="313" name="Google Shape;313;p11:notes"/>
+          <p:cNvSpPr>
+            <a:spLocks noGrp="1" noRot="1" noChangeAspect="1"/>
+          </p:cNvSpPr>
+          <p:nvPr>
+            <p:ph type="sldImg" idx="2"/>
+          </p:nvPr>
+        </p:nvSpPr>
+        <p:spPr>
+          <a:xfrm>
+            <a:off x="381000" y="685800"/>
+            <a:ext cx="6096000" cy="3429000"/>
+          </a:xfrm>
+          <a:custGeom>
+            <a:avLst/>
+            <a:gdLst/>
+            <a:ahLst/>
+            <a:cxnLst/>
+            <a:rect l="l" t="t" r="r" b="b"/>
+            <a:pathLst>
+              <a:path w="120000" h="120000" extrusionOk="0">
+                <a:moveTo>
+                  <a:pt x="0" y="0"/>
+                </a:moveTo>
+                <a:lnTo>
+                  <a:pt x="120000" y="0"/>
+                </a:lnTo>
+                <a:lnTo>
+                  <a:pt x="120000" y="120000"/>
+                </a:lnTo>
+                <a:lnTo>
+                  <a:pt x="0" y="120000"/>
+                </a:lnTo>
+                <a:close/>
+              </a:path>
+            </a:pathLst>
+          </a:custGeom>
+          <a:noFill/>
+          <a:ln w="9525" cap="flat" cmpd="sng">
+            <a:solidFill>
+              <a:srgbClr val="000000"/>
+            </a:solidFill>
+            <a:prstDash val="solid"/>
+            <a:round/>
+            <a:headEnd type="none" w="sm" len="sm"/>
+            <a:tailEnd type="none" w="sm" len="sm"/>
+          </a:ln>
+        </p:spPr>
+      </p:sp>
+      <p:sp>
+        <p:nvSpPr>
+          <p:cNvPr id="314" name="Google Shape;314;p11:notes"/>
+          <p:cNvSpPr txBox="1">
+            <a:spLocks noGrp="1"/>
+          </p:cNvSpPr>
+          <p:nvPr>
+            <p:ph type="body" idx="1"/>
+          </p:nvPr>
+        </p:nvSpPr>
+        <p:spPr>
+          <a:xfrm>
+            <a:off x="685800" y="4343400"/>
+            <a:ext cx="5486400" cy="4114800"/>
+          </a:xfrm>
+          <a:prstGeom prst="rect">
+            <a:avLst/>
+          </a:prstGeom>
+          <a:noFill/>
+          <a:ln>
+            <a:noFill/>
+          </a:ln>
+        </p:spPr>
+        <p:txBody>
+          <a:bodyPr spcFirstLastPara="1" wrap="square" lIns="91425" tIns="91425" rIns="91425" bIns="91425" anchor="t" anchorCtr="0">
+            <a:noAutofit/>
+          </a:bodyPr>
+          <a:lstStyle/>
+          <a:p>
+            <a:pPr marL="0" lvl="0" indent="0" algn="l" rtl="0">
+              <a:spcBef>
+                <a:spcPts val="0"/>
+              </a:spcBef>
+              <a:spcAft>
+                <a:spcPts val="0"/>
+              </a:spcAft>
+              <a:buNone/>
+            </a:pPr>
+            <a:r>
+              <a:rPr lang="en-US"/>
+              <a:t>Guidelines</a:t>
+            </a:r>
+            <a:endParaRPr/>
+          </a:p>
+          <a:p>
+            <a:pPr marL="228600" lvl="0" indent="-228600" algn="l" rtl="0">
+              <a:spcBef>
+                <a:spcPts val="0"/>
+              </a:spcBef>
+              <a:spcAft>
+                <a:spcPts val="0"/>
+              </a:spcAft>
+              <a:buClr>
+                <a:schemeClr val="dk1"/>
+              </a:buClr>
+              <a:buSzPts val="1100"/>
+              <a:buFont typeface="Arial"/>
+              <a:buAutoNum type="arabicPeriod"/>
+            </a:pPr>
+            <a:r>
+              <a:rPr lang="en-US"/>
+              <a:t>Use a title slide at the beginning of your presentation. There are 9 variations of title slides to choose from. </a:t>
+            </a:r>
+            <a:endParaRPr/>
+          </a:p>
+          <a:p>
+            <a:pPr marL="228600" lvl="0" indent="-228600" algn="l" rtl="0">
+              <a:spcBef>
+                <a:spcPts val="0"/>
+              </a:spcBef>
+              <a:spcAft>
+                <a:spcPts val="0"/>
+              </a:spcAft>
+              <a:buClr>
+                <a:schemeClr val="dk1"/>
+              </a:buClr>
+              <a:buSzPts val="1100"/>
+              <a:buFont typeface="Arial"/>
+              <a:buAutoNum type="arabicPeriod"/>
+            </a:pPr>
+            <a:r>
+              <a:rPr lang="en-US"/>
+              <a:t>If you will have a series of slideshows, we recommend using the same style of title slide for each presentation.</a:t>
+            </a:r>
+            <a:endParaRPr/>
+          </a:p>
+          <a:p>
+            <a:pPr marL="228600" lvl="0" indent="-228600" algn="l" rtl="0">
+              <a:spcBef>
+                <a:spcPts val="0"/>
+              </a:spcBef>
+              <a:spcAft>
+                <a:spcPts val="0"/>
+              </a:spcAft>
+              <a:buClr>
+                <a:schemeClr val="dk1"/>
+              </a:buClr>
+              <a:buSzPts val="1100"/>
+              <a:buFont typeface="Arial"/>
+              <a:buAutoNum type="arabicPeriod"/>
+            </a:pPr>
+            <a:r>
+              <a:rPr lang="en-US"/>
+              <a:t>Keep your title to no more than 2 lines.</a:t>
+            </a:r>
+            <a:endParaRPr/>
+          </a:p>
+          <a:p>
+            <a:pPr marL="228600" lvl="0" indent="-228600" algn="l" rtl="0">
+              <a:spcBef>
+                <a:spcPts val="0"/>
+              </a:spcBef>
+              <a:spcAft>
+                <a:spcPts val="0"/>
+              </a:spcAft>
+              <a:buClr>
+                <a:schemeClr val="dk1"/>
+              </a:buClr>
+              <a:buSzPts val="1100"/>
+              <a:buFont typeface="Arial"/>
+              <a:buAutoNum type="arabicPeriod"/>
+            </a:pPr>
+            <a:r>
+              <a:rPr lang="en-US"/>
+              <a:t>Do not change the font style or font size of the title or subtitle.</a:t>
+            </a:r>
+            <a:endParaRPr/>
+          </a:p>
+        </p:txBody>
+      </p:sp>
+    </p:spTree>
+    <p:extLst>
+      <p:ext uri="{BB962C8B-B14F-4D97-AF65-F5344CB8AC3E}">
+        <p14:creationId xmlns:p14="http://schemas.microsoft.com/office/powerpoint/2010/main" val="395434183"/>
+      </p:ext>
+    </p:extLst>
+  </p:cSld>
+  <p:clrMapOvr>
+    <a:masterClrMapping/>
+  </p:clrMapOvr>
+</p:notes>
+</file>
+
+<file path=ppt/notesSlides/notesSlide23.xml><?xml version="1.0" encoding="utf-8"?>
+<p:notes xmlns:a="http://schemas.openxmlformats.org/drawingml/2006/main" xmlns:r="http://schemas.openxmlformats.org/officeDocument/2006/relationships" xmlns:p="http://schemas.openxmlformats.org/presentationml/2006/main" showMasterSp="0" showMasterPhAnim="0">
+  <p:cSld>
+    <p:spTree>
+      <p:nvGrpSpPr>
+        <p:cNvPr id="1" name="Shape 246"/>
+        <p:cNvGrpSpPr/>
+        <p:nvPr/>
+      </p:nvGrpSpPr>
+      <p:grpSpPr>
+        <a:xfrm>
+          <a:off x="0" y="0"/>
+          <a:ext cx="0" cy="0"/>
+          <a:chOff x="0" y="0"/>
+          <a:chExt cx="0" cy="0"/>
+        </a:xfrm>
+      </p:grpSpPr>
+      <p:sp>
+        <p:nvSpPr>
+          <p:cNvPr id="247" name="Google Shape;247;p1:notes"/>
+          <p:cNvSpPr txBox="1">
+            <a:spLocks noGrp="1"/>
+          </p:cNvSpPr>
+          <p:nvPr>
+            <p:ph type="body" idx="1"/>
+          </p:nvPr>
+        </p:nvSpPr>
+        <p:spPr>
+          <a:xfrm>
+            <a:off x="685800" y="4343400"/>
+            <a:ext cx="5486400" cy="4114800"/>
+          </a:xfrm>
+          <a:prstGeom prst="rect">
+            <a:avLst/>
+          </a:prstGeom>
+        </p:spPr>
+        <p:txBody>
+          <a:bodyPr spcFirstLastPara="1" wrap="square" lIns="91425" tIns="91425" rIns="91425" bIns="91425" anchor="t" anchorCtr="0">
+            <a:noAutofit/>
+          </a:bodyPr>
+          <a:lstStyle/>
+          <a:p>
+            <a:pPr marL="0" lvl="0" indent="0" algn="l" rtl="0">
+              <a:spcBef>
+                <a:spcPts val="0"/>
+              </a:spcBef>
+              <a:spcAft>
+                <a:spcPts val="0"/>
+              </a:spcAft>
+              <a:buNone/>
+            </a:pPr>
+            <a:endParaRPr/>
+          </a:p>
+        </p:txBody>
+      </p:sp>
+      <p:sp>
+        <p:nvSpPr>
+          <p:cNvPr id="248" name="Google Shape;248;p1:notes"/>
+          <p:cNvSpPr>
+            <a:spLocks noGrp="1" noRot="1" noChangeAspect="1"/>
+          </p:cNvSpPr>
+          <p:nvPr>
+            <p:ph type="sldImg" idx="2"/>
+          </p:nvPr>
+        </p:nvSpPr>
+        <p:spPr>
+          <a:xfrm>
+            <a:off x="381000" y="685800"/>
+            <a:ext cx="6096000" cy="3429000"/>
+          </a:xfrm>
+          <a:custGeom>
+            <a:avLst/>
+            <a:gdLst/>
+            <a:ahLst/>
+            <a:cxnLst/>
+            <a:rect l="l" t="t" r="r" b="b"/>
+            <a:pathLst>
+              <a:path w="120000" h="120000" extrusionOk="0">
+                <a:moveTo>
+                  <a:pt x="0" y="0"/>
+                </a:moveTo>
+                <a:lnTo>
+                  <a:pt x="120000" y="0"/>
+                </a:lnTo>
+                <a:lnTo>
+                  <a:pt x="120000" y="120000"/>
+                </a:lnTo>
+                <a:lnTo>
+                  <a:pt x="0" y="120000"/>
+                </a:lnTo>
+                <a:close/>
+              </a:path>
+            </a:pathLst>
+          </a:custGeom>
+        </p:spPr>
+      </p:sp>
+    </p:spTree>
+    <p:extLst>
+      <p:ext uri="{BB962C8B-B14F-4D97-AF65-F5344CB8AC3E}">
+        <p14:creationId xmlns:p14="http://schemas.microsoft.com/office/powerpoint/2010/main" val="2069089870"/>
+      </p:ext>
+    </p:extLst>
+  </p:cSld>
+  <p:clrMapOvr>
+    <a:masterClrMapping/>
+  </p:clrMapOvr>
+</p:notes>
+</file>
+
+<file path=ppt/notesSlides/notesSlide24.xml><?xml version="1.0" encoding="utf-8"?>
+<p:notes xmlns:a="http://schemas.openxmlformats.org/drawingml/2006/main" xmlns:r="http://schemas.openxmlformats.org/officeDocument/2006/relationships" xmlns:p="http://schemas.openxmlformats.org/presentationml/2006/main" showMasterSp="0" showMasterPhAnim="0">
+  <p:cSld>
+    <p:spTree>
+      <p:nvGrpSpPr>
+        <p:cNvPr id="1" name="Shape 312"/>
+        <p:cNvGrpSpPr/>
+        <p:nvPr/>
+      </p:nvGrpSpPr>
+      <p:grpSpPr>
+        <a:xfrm>
+          <a:off x="0" y="0"/>
+          <a:ext cx="0" cy="0"/>
+          <a:chOff x="0" y="0"/>
+          <a:chExt cx="0" cy="0"/>
+        </a:xfrm>
+      </p:grpSpPr>
+      <p:sp>
+        <p:nvSpPr>
+          <p:cNvPr id="313" name="Google Shape;313;p11:notes"/>
+          <p:cNvSpPr>
+            <a:spLocks noGrp="1" noRot="1" noChangeAspect="1"/>
+          </p:cNvSpPr>
+          <p:nvPr>
+            <p:ph type="sldImg" idx="2"/>
+          </p:nvPr>
+        </p:nvSpPr>
+        <p:spPr>
+          <a:xfrm>
+            <a:off x="381000" y="685800"/>
+            <a:ext cx="6096000" cy="3429000"/>
+          </a:xfrm>
+          <a:custGeom>
+            <a:avLst/>
+            <a:gdLst/>
+            <a:ahLst/>
+            <a:cxnLst/>
+            <a:rect l="l" t="t" r="r" b="b"/>
+            <a:pathLst>
+              <a:path w="120000" h="120000" extrusionOk="0">
+                <a:moveTo>
+                  <a:pt x="0" y="0"/>
+                </a:moveTo>
+                <a:lnTo>
+                  <a:pt x="120000" y="0"/>
+                </a:lnTo>
+                <a:lnTo>
+                  <a:pt x="120000" y="120000"/>
+                </a:lnTo>
+                <a:lnTo>
+                  <a:pt x="0" y="120000"/>
+                </a:lnTo>
+                <a:close/>
+              </a:path>
+            </a:pathLst>
+          </a:custGeom>
+          <a:noFill/>
+          <a:ln w="9525" cap="flat" cmpd="sng">
+            <a:solidFill>
+              <a:srgbClr val="000000"/>
+            </a:solidFill>
+            <a:prstDash val="solid"/>
+            <a:round/>
+            <a:headEnd type="none" w="sm" len="sm"/>
+            <a:tailEnd type="none" w="sm" len="sm"/>
+          </a:ln>
+        </p:spPr>
+      </p:sp>
+      <p:sp>
+        <p:nvSpPr>
+          <p:cNvPr id="314" name="Google Shape;314;p11:notes"/>
+          <p:cNvSpPr txBox="1">
+            <a:spLocks noGrp="1"/>
+          </p:cNvSpPr>
+          <p:nvPr>
+            <p:ph type="body" idx="1"/>
+          </p:nvPr>
+        </p:nvSpPr>
+        <p:spPr>
+          <a:xfrm>
+            <a:off x="685800" y="4343400"/>
+            <a:ext cx="5486400" cy="4114800"/>
+          </a:xfrm>
+          <a:prstGeom prst="rect">
+            <a:avLst/>
+          </a:prstGeom>
+          <a:noFill/>
+          <a:ln>
+            <a:noFill/>
+          </a:ln>
+        </p:spPr>
+        <p:txBody>
+          <a:bodyPr spcFirstLastPara="1" wrap="square" lIns="91425" tIns="91425" rIns="91425" bIns="91425" anchor="t" anchorCtr="0">
+            <a:noAutofit/>
+          </a:bodyPr>
+          <a:lstStyle/>
+          <a:p>
+            <a:pPr marL="0" lvl="0" indent="0" algn="l" rtl="0">
+              <a:spcBef>
+                <a:spcPts val="0"/>
+              </a:spcBef>
+              <a:spcAft>
+                <a:spcPts val="0"/>
+              </a:spcAft>
+              <a:buNone/>
+            </a:pPr>
+            <a:r>
+              <a:rPr lang="en-US"/>
+              <a:t>Guidelines</a:t>
+            </a:r>
+            <a:endParaRPr/>
+          </a:p>
+          <a:p>
+            <a:pPr marL="228600" lvl="0" indent="-228600" algn="l" rtl="0">
+              <a:spcBef>
+                <a:spcPts val="0"/>
+              </a:spcBef>
+              <a:spcAft>
+                <a:spcPts val="0"/>
+              </a:spcAft>
+              <a:buClr>
+                <a:schemeClr val="dk1"/>
+              </a:buClr>
+              <a:buSzPts val="1100"/>
+              <a:buFont typeface="Arial"/>
+              <a:buAutoNum type="arabicPeriod"/>
+            </a:pPr>
+            <a:r>
+              <a:rPr lang="en-US"/>
+              <a:t>Use a title slide at the beginning of your presentation. There are 9 variations of title slides to choose from. </a:t>
+            </a:r>
+            <a:endParaRPr/>
+          </a:p>
+          <a:p>
+            <a:pPr marL="228600" lvl="0" indent="-228600" algn="l" rtl="0">
+              <a:spcBef>
+                <a:spcPts val="0"/>
+              </a:spcBef>
+              <a:spcAft>
+                <a:spcPts val="0"/>
+              </a:spcAft>
+              <a:buClr>
+                <a:schemeClr val="dk1"/>
+              </a:buClr>
+              <a:buSzPts val="1100"/>
+              <a:buFont typeface="Arial"/>
+              <a:buAutoNum type="arabicPeriod"/>
+            </a:pPr>
+            <a:r>
+              <a:rPr lang="en-US"/>
+              <a:t>If you will have a series of slideshows, we recommend using the same style of title slide for each presentation.</a:t>
+            </a:r>
+            <a:endParaRPr/>
+          </a:p>
+          <a:p>
+            <a:pPr marL="228600" lvl="0" indent="-228600" algn="l" rtl="0">
+              <a:spcBef>
+                <a:spcPts val="0"/>
+              </a:spcBef>
+              <a:spcAft>
+                <a:spcPts val="0"/>
+              </a:spcAft>
+              <a:buClr>
+                <a:schemeClr val="dk1"/>
+              </a:buClr>
+              <a:buSzPts val="1100"/>
+              <a:buFont typeface="Arial"/>
+              <a:buAutoNum type="arabicPeriod"/>
+            </a:pPr>
+            <a:r>
+              <a:rPr lang="en-US"/>
+              <a:t>Keep your title to no more than 2 lines.</a:t>
+            </a:r>
+            <a:endParaRPr/>
+          </a:p>
+          <a:p>
+            <a:pPr marL="228600" lvl="0" indent="-228600" algn="l" rtl="0">
+              <a:spcBef>
+                <a:spcPts val="0"/>
+              </a:spcBef>
+              <a:spcAft>
+                <a:spcPts val="0"/>
+              </a:spcAft>
+              <a:buClr>
+                <a:schemeClr val="dk1"/>
+              </a:buClr>
+              <a:buSzPts val="1100"/>
+              <a:buFont typeface="Arial"/>
+              <a:buAutoNum type="arabicPeriod"/>
+            </a:pPr>
+            <a:r>
+              <a:rPr lang="en-US"/>
+              <a:t>Do not change the font style or font size of the title or subtitle.</a:t>
+            </a:r>
+            <a:endParaRPr/>
+          </a:p>
+        </p:txBody>
+      </p:sp>
+    </p:spTree>
+    <p:extLst>
+      <p:ext uri="{BB962C8B-B14F-4D97-AF65-F5344CB8AC3E}">
+        <p14:creationId xmlns:p14="http://schemas.microsoft.com/office/powerpoint/2010/main" val="3607286099"/>
+      </p:ext>
+    </p:extLst>
+  </p:cSld>
+  <p:clrMapOvr>
+    <a:masterClrMapping/>
+  </p:clrMapOvr>
+</p:notes>
+</file>
+
+<file path=ppt/notesSlides/notesSlide25.xml><?xml version="1.0" encoding="utf-8"?>
+<p:notes xmlns:a="http://schemas.openxmlformats.org/drawingml/2006/main" xmlns:r="http://schemas.openxmlformats.org/officeDocument/2006/relationships" xmlns:p="http://schemas.openxmlformats.org/presentationml/2006/main" showMasterSp="0" showMasterPhAnim="0">
+  <p:cSld>
+    <p:spTree>
+      <p:nvGrpSpPr>
+        <p:cNvPr id="1" name="Shape 246"/>
+        <p:cNvGrpSpPr/>
+        <p:nvPr/>
+      </p:nvGrpSpPr>
+      <p:grpSpPr>
+        <a:xfrm>
+          <a:off x="0" y="0"/>
+          <a:ext cx="0" cy="0"/>
+          <a:chOff x="0" y="0"/>
+          <a:chExt cx="0" cy="0"/>
+        </a:xfrm>
+      </p:grpSpPr>
+      <p:sp>
+        <p:nvSpPr>
+          <p:cNvPr id="247" name="Google Shape;247;p1:notes"/>
+          <p:cNvSpPr txBox="1">
+            <a:spLocks noGrp="1"/>
+          </p:cNvSpPr>
+          <p:nvPr>
+            <p:ph type="body" idx="1"/>
+          </p:nvPr>
+        </p:nvSpPr>
+        <p:spPr>
+          <a:xfrm>
+            <a:off x="685800" y="4343400"/>
+            <a:ext cx="5486400" cy="4114800"/>
+          </a:xfrm>
+          <a:prstGeom prst="rect">
+            <a:avLst/>
+          </a:prstGeom>
+        </p:spPr>
+        <p:txBody>
+          <a:bodyPr spcFirstLastPara="1" wrap="square" lIns="91425" tIns="91425" rIns="91425" bIns="91425" anchor="t" anchorCtr="0">
+            <a:noAutofit/>
+          </a:bodyPr>
+          <a:lstStyle/>
+          <a:p>
+            <a:pPr marL="0" lvl="0" indent="0" algn="l" rtl="0">
+              <a:spcBef>
+                <a:spcPts val="0"/>
+              </a:spcBef>
+              <a:spcAft>
+                <a:spcPts val="0"/>
+              </a:spcAft>
+              <a:buNone/>
+            </a:pPr>
+            <a:endParaRPr/>
+          </a:p>
+        </p:txBody>
+      </p:sp>
+      <p:sp>
+        <p:nvSpPr>
+          <p:cNvPr id="248" name="Google Shape;248;p1:notes"/>
+          <p:cNvSpPr>
+            <a:spLocks noGrp="1" noRot="1" noChangeAspect="1"/>
+          </p:cNvSpPr>
+          <p:nvPr>
+            <p:ph type="sldImg" idx="2"/>
+          </p:nvPr>
+        </p:nvSpPr>
+        <p:spPr>
+          <a:xfrm>
+            <a:off x="381000" y="685800"/>
+            <a:ext cx="6096000" cy="3429000"/>
+          </a:xfrm>
+          <a:custGeom>
+            <a:avLst/>
+            <a:gdLst/>
+            <a:ahLst/>
+            <a:cxnLst/>
+            <a:rect l="l" t="t" r="r" b="b"/>
+            <a:pathLst>
+              <a:path w="120000" h="120000" extrusionOk="0">
+                <a:moveTo>
+                  <a:pt x="0" y="0"/>
+                </a:moveTo>
+                <a:lnTo>
+                  <a:pt x="120000" y="0"/>
+                </a:lnTo>
+                <a:lnTo>
+                  <a:pt x="120000" y="120000"/>
+                </a:lnTo>
+                <a:lnTo>
+                  <a:pt x="0" y="120000"/>
+                </a:lnTo>
+                <a:close/>
+              </a:path>
+            </a:pathLst>
+          </a:custGeom>
+        </p:spPr>
+      </p:sp>
+    </p:spTree>
+    <p:extLst>
+      <p:ext uri="{BB962C8B-B14F-4D97-AF65-F5344CB8AC3E}">
+        <p14:creationId xmlns:p14="http://schemas.microsoft.com/office/powerpoint/2010/main" val="1130298084"/>
+      </p:ext>
+    </p:extLst>
+  </p:cSld>
+  <p:clrMapOvr>
+    <a:masterClrMapping/>
+  </p:clrMapOvr>
+</p:notes>
+</file>
+
+<file path=ppt/notesSlides/notesSlide26.xml><?xml version="1.0" encoding="utf-8"?>
+<p:notes xmlns:a="http://schemas.openxmlformats.org/drawingml/2006/main" xmlns:r="http://schemas.openxmlformats.org/officeDocument/2006/relationships" xmlns:p="http://schemas.openxmlformats.org/presentationml/2006/main" showMasterSp="0" showMasterPhAnim="0">
+  <p:cSld>
+    <p:spTree>
+      <p:nvGrpSpPr>
+        <p:cNvPr id="1" name="Shape 246"/>
+        <p:cNvGrpSpPr/>
+        <p:nvPr/>
+      </p:nvGrpSpPr>
+      <p:grpSpPr>
+        <a:xfrm>
+          <a:off x="0" y="0"/>
+          <a:ext cx="0" cy="0"/>
+          <a:chOff x="0" y="0"/>
+          <a:chExt cx="0" cy="0"/>
+        </a:xfrm>
+      </p:grpSpPr>
+      <p:sp>
+        <p:nvSpPr>
+          <p:cNvPr id="247" name="Google Shape;247;p1:notes"/>
+          <p:cNvSpPr txBox="1">
+            <a:spLocks noGrp="1"/>
+          </p:cNvSpPr>
+          <p:nvPr>
+            <p:ph type="body" idx="1"/>
+          </p:nvPr>
+        </p:nvSpPr>
+        <p:spPr>
+          <a:xfrm>
+            <a:off x="685800" y="4343400"/>
+            <a:ext cx="5486400" cy="4114800"/>
+          </a:xfrm>
+          <a:prstGeom prst="rect">
+            <a:avLst/>
+          </a:prstGeom>
+        </p:spPr>
+        <p:txBody>
+          <a:bodyPr spcFirstLastPara="1" wrap="square" lIns="91425" tIns="91425" rIns="91425" bIns="91425" anchor="t" anchorCtr="0">
+            <a:noAutofit/>
+          </a:bodyPr>
+          <a:lstStyle/>
+          <a:p>
+            <a:pPr marL="0" lvl="0" indent="0" algn="l" rtl="0">
+              <a:spcBef>
+                <a:spcPts val="0"/>
+              </a:spcBef>
+              <a:spcAft>
+                <a:spcPts val="0"/>
+              </a:spcAft>
+              <a:buNone/>
+            </a:pPr>
+            <a:endParaRPr/>
+          </a:p>
+        </p:txBody>
+      </p:sp>
+      <p:sp>
+        <p:nvSpPr>
+          <p:cNvPr id="248" name="Google Shape;248;p1:notes"/>
+          <p:cNvSpPr>
+            <a:spLocks noGrp="1" noRot="1" noChangeAspect="1"/>
+          </p:cNvSpPr>
+          <p:nvPr>
+            <p:ph type="sldImg" idx="2"/>
+          </p:nvPr>
+        </p:nvSpPr>
+        <p:spPr>
+          <a:xfrm>
+            <a:off x="381000" y="685800"/>
+            <a:ext cx="6096000" cy="3429000"/>
+          </a:xfrm>
+          <a:custGeom>
+            <a:avLst/>
+            <a:gdLst/>
+            <a:ahLst/>
+            <a:cxnLst/>
+            <a:rect l="l" t="t" r="r" b="b"/>
+            <a:pathLst>
+              <a:path w="120000" h="120000" extrusionOk="0">
+                <a:moveTo>
+                  <a:pt x="0" y="0"/>
+                </a:moveTo>
+                <a:lnTo>
+                  <a:pt x="120000" y="0"/>
+                </a:lnTo>
+                <a:lnTo>
+                  <a:pt x="120000" y="120000"/>
+                </a:lnTo>
+                <a:lnTo>
+                  <a:pt x="0" y="120000"/>
+                </a:lnTo>
+                <a:close/>
+              </a:path>
+            </a:pathLst>
+          </a:custGeom>
+        </p:spPr>
+      </p:sp>
+    </p:spTree>
+    <p:extLst>
+      <p:ext uri="{BB962C8B-B14F-4D97-AF65-F5344CB8AC3E}">
         <p14:creationId xmlns:p14="http://schemas.microsoft.com/office/powerpoint/2010/main" val="2310866690"/>
       </p:ext>
     </p:extLst>
@@ -2761,7 +3313,7 @@
 </p:notes>
 </file>
 
-<file path=ppt/notesSlides/notesSlide22.xml><?xml version="1.0" encoding="utf-8"?>
+<file path=ppt/notesSlides/notesSlide27.xml><?xml version="1.0" encoding="utf-8"?>
 <p:notes xmlns:a="http://schemas.openxmlformats.org/drawingml/2006/main" xmlns:r="http://schemas.openxmlformats.org/officeDocument/2006/relationships" xmlns:p="http://schemas.openxmlformats.org/presentationml/2006/main" showMasterSp="0" showMasterPhAnim="0">
   <p:cSld>
     <p:spTree>
@@ -3195,7 +3747,7 @@
   <p:cSld>
     <p:spTree>
       <p:nvGrpSpPr>
-        <p:cNvPr id="1" name="Shape 246"/>
+        <p:cNvPr id="1" name="Shape 312"/>
         <p:cNvGrpSpPr/>
         <p:nvPr/>
       </p:nvGrpSpPr>
@@ -3209,45 +3761,7 @@
       </p:grpSpPr>
       <p:sp>
         <p:nvSpPr>
-          <p:cNvPr id="247" name="Google Shape;247;p1:notes"/>
-          <p:cNvSpPr txBox="1">
-            <a:spLocks noGrp="1"/>
-          </p:cNvSpPr>
-          <p:nvPr>
-            <p:ph type="body" idx="1"/>
-          </p:nvPr>
-        </p:nvSpPr>
-        <p:spPr>
-          <a:xfrm>
-            <a:off x="685800" y="4343400"/>
-            <a:ext cx="5486400" cy="4114800"/>
-          </a:xfrm>
-          <a:prstGeom prst="rect">
-            <a:avLst/>
-          </a:prstGeom>
-        </p:spPr>
-        <p:txBody>
-          <a:bodyPr spcFirstLastPara="1" wrap="square" lIns="91425" tIns="91425" rIns="91425" bIns="91425" anchor="t" anchorCtr="0">
-            <a:noAutofit/>
-          </a:bodyPr>
-          <a:lstStyle/>
-          <a:p>
-            <a:pPr marL="0" lvl="0" indent="0" algn="l" rtl="0">
-              <a:spcBef>
-                <a:spcPts val="0"/>
-              </a:spcBef>
-              <a:spcAft>
-                <a:spcPts val="0"/>
-              </a:spcAft>
-              <a:buNone/>
-            </a:pPr>
-            <a:endParaRPr/>
-          </a:p>
-        </p:txBody>
-      </p:sp>
-      <p:sp>
-        <p:nvSpPr>
-          <p:cNvPr id="248" name="Google Shape;248;p1:notes"/>
+          <p:cNvPr id="313" name="Google Shape;313;p11:notes"/>
           <p:cNvSpPr>
             <a:spLocks noGrp="1" noRot="1" noChangeAspect="1"/>
           </p:cNvSpPr>
@@ -3284,12 +3798,152 @@
               </a:path>
             </a:pathLst>
           </a:custGeom>
-        </p:spPr>
+          <a:noFill/>
+          <a:ln w="9525" cap="flat" cmpd="sng">
+            <a:solidFill>
+              <a:srgbClr val="000000"/>
+            </a:solidFill>
+            <a:prstDash val="solid"/>
+            <a:round/>
+            <a:headEnd type="none" w="sm" len="sm"/>
+            <a:tailEnd type="none" w="sm" len="sm"/>
+          </a:ln>
+        </p:spPr>
+      </p:sp>
+      <p:sp>
+        <p:nvSpPr>
+          <p:cNvPr id="314" name="Google Shape;314;p11:notes"/>
+          <p:cNvSpPr txBox="1">
+            <a:spLocks noGrp="1"/>
+          </p:cNvSpPr>
+          <p:nvPr>
+            <p:ph type="body" idx="1"/>
+          </p:nvPr>
+        </p:nvSpPr>
+        <p:spPr>
+          <a:xfrm>
+            <a:off x="685800" y="4343400"/>
+            <a:ext cx="5486400" cy="4114800"/>
+          </a:xfrm>
+          <a:prstGeom prst="rect">
+            <a:avLst/>
+          </a:prstGeom>
+          <a:noFill/>
+          <a:ln>
+            <a:noFill/>
+          </a:ln>
+        </p:spPr>
+        <p:txBody>
+          <a:bodyPr spcFirstLastPara="1" wrap="square" lIns="91425" tIns="91425" rIns="91425" bIns="91425" anchor="t" anchorCtr="0">
+            <a:noAutofit/>
+          </a:bodyPr>
+          <a:lstStyle/>
+          <a:p>
+            <a:pPr marL="0" lvl="0" indent="0" algn="l" rtl="0">
+              <a:spcBef>
+                <a:spcPts val="0"/>
+              </a:spcBef>
+              <a:spcAft>
+                <a:spcPts val="0"/>
+              </a:spcAft>
+              <a:buNone/>
+            </a:pPr>
+            <a:r>
+              <a:rPr lang="en-US"/>
+              <a:t>Guidelines</a:t>
+            </a:r>
+            <a:endParaRPr/>
+          </a:p>
+          <a:p>
+            <a:pPr marL="228600" lvl="0" indent="-228600" algn="l" rtl="0">
+              <a:spcBef>
+                <a:spcPts val="0"/>
+              </a:spcBef>
+              <a:spcAft>
+                <a:spcPts val="0"/>
+              </a:spcAft>
+              <a:buClr>
+                <a:schemeClr val="dk1"/>
+              </a:buClr>
+              <a:buSzPts val="1100"/>
+              <a:buFont typeface="Arial"/>
+              <a:buAutoNum type="arabicPeriod"/>
+            </a:pPr>
+            <a:r>
+              <a:rPr lang="en-US"/>
+              <a:t>Use a title slide at the beginning of your presentation. There are 9 variations of title slides to choose from. </a:t>
+            </a:r>
+            <a:endParaRPr/>
+          </a:p>
+          <a:p>
+            <a:pPr marL="228600" lvl="0" indent="-228600" algn="l" rtl="0">
+              <a:spcBef>
+                <a:spcPts val="0"/>
+              </a:spcBef>
+              <a:spcAft>
+                <a:spcPts val="0"/>
+              </a:spcAft>
+              <a:buClr>
+                <a:schemeClr val="dk1"/>
+              </a:buClr>
+              <a:buSzPts val="1100"/>
+              <a:buFont typeface="Arial"/>
+              <a:buAutoNum type="arabicPeriod"/>
+            </a:pPr>
+            <a:r>
+              <a:rPr lang="en-US"/>
+              <a:t>If you will have a series of slideshows, we recommend using the same style of title slide for each presentation.</a:t>
+            </a:r>
+            <a:endParaRPr/>
+          </a:p>
+          <a:p>
+            <a:pPr marL="228600" lvl="0" indent="-228600" algn="l" rtl="0">
+              <a:spcBef>
+                <a:spcPts val="0"/>
+              </a:spcBef>
+              <a:spcAft>
+                <a:spcPts val="0"/>
+              </a:spcAft>
+              <a:buClr>
+                <a:schemeClr val="dk1"/>
+              </a:buClr>
+              <a:buSzPts val="1100"/>
+              <a:buFont typeface="Arial"/>
+              <a:buAutoNum type="arabicPeriod"/>
+            </a:pPr>
+            <a:r>
+              <a:rPr lang="en-US"/>
+              <a:t>Keep your title to no more than 2 lines.</a:t>
+            </a:r>
+            <a:endParaRPr/>
+          </a:p>
+          <a:p>
+            <a:pPr marL="228600" lvl="0" indent="-228600" algn="l" rtl="0">
+              <a:spcBef>
+                <a:spcPts val="0"/>
+              </a:spcBef>
+              <a:spcAft>
+                <a:spcPts val="0"/>
+              </a:spcAft>
+              <a:buClr>
+                <a:schemeClr val="dk1"/>
+              </a:buClr>
+              <a:buSzPts val="1100"/>
+              <a:buFont typeface="Arial"/>
+              <a:buAutoNum type="arabicPeriod"/>
+            </a:pPr>
+            <a:r>
+              <a:rPr lang="en-US"/>
+              <a:t>Do not change the font style or font size of the title or subtitle.</a:t>
+            </a:r>
+            <a:endParaRPr/>
+          </a:p>
+        </p:txBody>
       </p:sp>
     </p:spTree>
     <p:extLst>
       <p:ext uri="{BB962C8B-B14F-4D97-AF65-F5344CB8AC3E}">
-        <p14:creationId xmlns:p14="http://schemas.microsoft.com/office/powerpoint/2010/main" val="1334593106"/>
+        <p14:creationId xmlns:p14="http://schemas.microsoft.com/office/powerpoint/2010/main" val="2127665001"/>
       </p:ext>
     </p:extLst>
   </p:cSld>
@@ -3398,7 +4052,7 @@
     </p:spTree>
     <p:extLst>
       <p:ext uri="{BB962C8B-B14F-4D97-AF65-F5344CB8AC3E}">
-        <p14:creationId xmlns:p14="http://schemas.microsoft.com/office/powerpoint/2010/main" val="1585450022"/>
+        <p14:creationId xmlns:p14="http://schemas.microsoft.com/office/powerpoint/2010/main" val="1332491188"/>
       </p:ext>
     </p:extLst>
   </p:cSld>
@@ -3507,7 +4161,7 @@
     </p:spTree>
     <p:extLst>
       <p:ext uri="{BB962C8B-B14F-4D97-AF65-F5344CB8AC3E}">
-        <p14:creationId xmlns:p14="http://schemas.microsoft.com/office/powerpoint/2010/main" val="1992605736"/>
+        <p14:creationId xmlns:p14="http://schemas.microsoft.com/office/powerpoint/2010/main" val="2248424987"/>
       </p:ext>
     </p:extLst>
   </p:cSld>
@@ -3616,7 +4270,7 @@
     </p:spTree>
     <p:extLst>
       <p:ext uri="{BB962C8B-B14F-4D97-AF65-F5344CB8AC3E}">
-        <p14:creationId xmlns:p14="http://schemas.microsoft.com/office/powerpoint/2010/main" val="3593750383"/>
+        <p14:creationId xmlns:p14="http://schemas.microsoft.com/office/powerpoint/2010/main" val="928889553"/>
       </p:ext>
     </p:extLst>
   </p:cSld>
@@ -3725,7 +4379,7 @@
     </p:spTree>
     <p:extLst>
       <p:ext uri="{BB962C8B-B14F-4D97-AF65-F5344CB8AC3E}">
-        <p14:creationId xmlns:p14="http://schemas.microsoft.com/office/powerpoint/2010/main" val="1009274529"/>
+        <p14:creationId xmlns:p14="http://schemas.microsoft.com/office/powerpoint/2010/main" val="125544235"/>
       </p:ext>
     </p:extLst>
   </p:cSld>
@@ -7787,7 +8441,7 @@
             </a:pPr>
             <a:r>
               <a:rPr lang="en-US" dirty="0"/>
-              <a:t>Principal Component Analysis</a:t>
+              <a:t>Variation as Information</a:t>
             </a:r>
             <a:endParaRPr dirty="0"/>
           </a:p>
@@ -7832,7 +8486,7 @@
             </a:pPr>
             <a:r>
               <a:rPr lang="en-US" dirty="0"/>
-              <a:t>Create new variables (PCs) that keep high variance (information)</a:t>
+              <a:t>Variance is an estimate of variability</a:t>
             </a:r>
           </a:p>
           <a:p>
@@ -7848,23 +8502,7 @@
               <a:rPr lang="en-US" dirty="0">
                 <a:sym typeface="Libre Franklin"/>
               </a:rPr>
-              <a:t>PCs are linear combinations of variables (keep info about all)</a:t>
-            </a:r>
-          </a:p>
-          <a:p>
-            <a:pPr indent="-457200">
-              <a:spcBef>
-                <a:spcPts val="0"/>
-              </a:spcBef>
-              <a:buSzPts val="2800"/>
-              <a:buFont typeface="Wingdings" panose="05000000000000000000" pitchFamily="2" charset="2"/>
-              <a:buChar char="q"/>
-            </a:pPr>
-            <a:r>
-              <a:rPr lang="en-US" dirty="0">
-                <a:sym typeface="Libre Franklin"/>
-              </a:rPr>
-              <a:t>PCs must have covariances equal to zero </a:t>
+              <a:t>More variability implies more information</a:t>
             </a:r>
           </a:p>
           <a:p>
@@ -7895,10 +8533,10 @@
       </p:sp>
       <p:pic>
         <p:nvPicPr>
-          <p:cNvPr id="2" name="Picture 2" descr="Interpretation of Covariance, Covariance Matrix and Eigenvalues | Towards  Data Science">
+          <p:cNvPr id="6146" name="Picture 2" descr="Interpretation of Covariance, Covariance Matrix and Eigenvalues | Towards  Data Science">
             <a:extLst>
               <a:ext uri="{FF2B5EF4-FFF2-40B4-BE49-F238E27FC236}">
-                <a16:creationId xmlns:a16="http://schemas.microsoft.com/office/drawing/2014/main" id="{75A71AC9-4521-BE94-5CB6-D1E9B197EF78}"/>
+                <a16:creationId xmlns:a16="http://schemas.microsoft.com/office/drawing/2014/main" id="{548D850D-C323-5A0B-19B5-815BDEEF7371}"/>
               </a:ext>
             </a:extLst>
           </p:cNvPr>
@@ -7915,13 +8553,13 @@
               </a:ext>
             </a:extLst>
           </a:blip>
-          <a:srcRect l="48128" t="24884" r="7206" b="33166"/>
+          <a:srcRect l="54341" t="35697" r="3215" b="25192"/>
           <a:stretch/>
         </p:blipFill>
         <p:spPr bwMode="auto">
           <a:xfrm>
-            <a:off x="1398814" y="3368040"/>
-            <a:ext cx="5390606" cy="1826044"/>
+            <a:off x="940411" y="2969624"/>
+            <a:ext cx="4437724" cy="1445622"/>
           </a:xfrm>
           <a:prstGeom prst="rect">
             <a:avLst/>
@@ -7941,7 +8579,7 @@
     </p:spTree>
     <p:extLst>
       <p:ext uri="{BB962C8B-B14F-4D97-AF65-F5344CB8AC3E}">
-        <p14:creationId xmlns:p14="http://schemas.microsoft.com/office/powerpoint/2010/main" val="2939223604"/>
+        <p14:creationId xmlns:p14="http://schemas.microsoft.com/office/powerpoint/2010/main" val="1396921207"/>
       </p:ext>
     </p:extLst>
   </p:cSld>
@@ -8016,7 +8654,7 @@
             </a:pPr>
             <a:r>
               <a:rPr lang="en-US" dirty="0"/>
-              <a:t>Principal Component Analysis</a:t>
+              <a:t>Covariance</a:t>
             </a:r>
             <a:endParaRPr dirty="0"/>
           </a:p>
@@ -8061,16 +8699,41 @@
             </a:pPr>
             <a:r>
               <a:rPr lang="en-US" dirty="0"/>
-              <a:t>Create new variables (PCs) that keep high variance (information)</a:t>
+              <a:t>Covariance is an estimate of joint variability of </a:t>
             </a:r>
-          </a:p>
-          <a:p>
-            <a:pPr marL="0" indent="0">
+            <a:r>
+              <a:rPr lang="en-US" b="1" u="sng" dirty="0"/>
+              <a:t>two</a:t>
+            </a:r>
+            <a:r>
+              <a:rPr lang="en-US" dirty="0"/>
+              <a:t> variables</a:t>
+            </a:r>
+          </a:p>
+          <a:p>
+            <a:pPr indent="-457200">
               <a:spcBef>
                 <a:spcPts val="0"/>
               </a:spcBef>
               <a:buSzPts val="2800"/>
-              <a:buNone/>
+              <a:buFont typeface="Wingdings" panose="05000000000000000000" pitchFamily="2" charset="2"/>
+              <a:buChar char="q"/>
+            </a:pPr>
+            <a:r>
+              <a:rPr lang="en-US" dirty="0">
+                <a:sym typeface="Libre Franklin"/>
+              </a:rPr>
+              <a:t>Higher covariance implies a higher relationship between vars</a:t>
+            </a:r>
+          </a:p>
+          <a:p>
+            <a:pPr indent="-457200">
+              <a:spcBef>
+                <a:spcPts val="0"/>
+              </a:spcBef>
+              <a:buSzPts val="2800"/>
+              <a:buFont typeface="Wingdings" panose="05000000000000000000" pitchFamily="2" charset="2"/>
+              <a:buChar char="q"/>
             </a:pPr>
             <a:endParaRPr lang="en-US" dirty="0">
               <a:sym typeface="Libre Franklin"/>
@@ -8091,10 +8754,145 @@
       </p:sp>
       <p:pic>
         <p:nvPicPr>
-          <p:cNvPr id="3" name="Picture 2" descr="DAY 10 :Dimensionality Reduction with PCA and t-SNE in R | by SaiGayatri  Vadali | Medium">
+          <p:cNvPr id="5" name="Picture 4">
             <a:extLst>
               <a:ext uri="{FF2B5EF4-FFF2-40B4-BE49-F238E27FC236}">
-                <a16:creationId xmlns:a16="http://schemas.microsoft.com/office/drawing/2014/main" id="{4A6745C9-9473-0F58-B413-CBF8BF010DD7}"/>
+                <a16:creationId xmlns:a16="http://schemas.microsoft.com/office/drawing/2014/main" id="{AAD82D04-B86E-BE24-0A53-9043F90FAC4F}"/>
+              </a:ext>
+            </a:extLst>
+          </p:cNvPr>
+          <p:cNvPicPr>
+            <a:picLocks noChangeAspect="1"/>
+          </p:cNvPicPr>
+          <p:nvPr/>
+        </p:nvPicPr>
+        <p:blipFill>
+          <a:blip r:embed="rId3"/>
+          <a:stretch>
+            <a:fillRect/>
+          </a:stretch>
+        </p:blipFill>
+        <p:spPr>
+          <a:xfrm>
+            <a:off x="1123587" y="3052898"/>
+            <a:ext cx="4737100" cy="1257300"/>
+          </a:xfrm>
+          <a:prstGeom prst="rect">
+            <a:avLst/>
+          </a:prstGeom>
+        </p:spPr>
+      </p:pic>
+    </p:spTree>
+    <p:extLst>
+      <p:ext uri="{BB962C8B-B14F-4D97-AF65-F5344CB8AC3E}">
+        <p14:creationId xmlns:p14="http://schemas.microsoft.com/office/powerpoint/2010/main" val="2630921567"/>
+      </p:ext>
+    </p:extLst>
+  </p:cSld>
+  <p:clrMapOvr>
+    <a:masterClrMapping/>
+  </p:clrMapOvr>
+</p:sld>
+</file>
+
+<file path=ppt/slides/slide12.xml><?xml version="1.0" encoding="utf-8"?>
+<p:sld xmlns:a="http://schemas.openxmlformats.org/drawingml/2006/main" xmlns:r="http://schemas.openxmlformats.org/officeDocument/2006/relationships" xmlns:p="http://schemas.openxmlformats.org/presentationml/2006/main">
+  <p:cSld>
+    <p:spTree>
+      <p:nvGrpSpPr>
+        <p:cNvPr id="1" name=""/>
+        <p:cNvGrpSpPr/>
+        <p:nvPr/>
+      </p:nvGrpSpPr>
+      <p:grpSpPr>
+        <a:xfrm>
+          <a:off x="0" y="0"/>
+          <a:ext cx="0" cy="0"/>
+          <a:chOff x="0" y="0"/>
+          <a:chExt cx="0" cy="0"/>
+        </a:xfrm>
+      </p:grpSpPr>
+      <p:sp>
+        <p:nvSpPr>
+          <p:cNvPr id="2" name="Title 1">
+            <a:extLst>
+              <a:ext uri="{FF2B5EF4-FFF2-40B4-BE49-F238E27FC236}">
+                <a16:creationId xmlns:a16="http://schemas.microsoft.com/office/drawing/2014/main" id="{2EE54A60-A21F-471A-8086-C260D1CF3F52}"/>
+              </a:ext>
+            </a:extLst>
+          </p:cNvPr>
+          <p:cNvSpPr>
+            <a:spLocks noGrp="1"/>
+          </p:cNvSpPr>
+          <p:nvPr>
+            <p:ph type="title"/>
+          </p:nvPr>
+        </p:nvSpPr>
+        <p:spPr/>
+        <p:txBody>
+          <a:bodyPr/>
+          <a:lstStyle/>
+          <a:p>
+            <a:r>
+              <a:rPr lang="en-US" dirty="0"/>
+              <a:t>Identifying Information (Variation)</a:t>
+            </a:r>
+          </a:p>
+        </p:txBody>
+      </p:sp>
+      <p:pic>
+        <p:nvPicPr>
+          <p:cNvPr id="4098" name="Picture 2">
+            <a:extLst>
+              <a:ext uri="{FF2B5EF4-FFF2-40B4-BE49-F238E27FC236}">
+                <a16:creationId xmlns:a16="http://schemas.microsoft.com/office/drawing/2014/main" id="{0E83D7B4-0120-436D-B7E4-71EE5538CFC4}"/>
+              </a:ext>
+            </a:extLst>
+          </p:cNvPr>
+          <p:cNvPicPr>
+            <a:picLocks noChangeAspect="1" noChangeArrowheads="1"/>
+          </p:cNvPicPr>
+          <p:nvPr/>
+        </p:nvPicPr>
+        <p:blipFill>
+          <a:blip r:embed="rId2">
+            <a:extLst>
+              <a:ext uri="{28A0092B-C50C-407E-A947-70E740481C1C}">
+                <a14:useLocalDpi xmlns:a14="http://schemas.microsoft.com/office/drawing/2010/main" val="0"/>
+              </a:ext>
+            </a:extLst>
+          </a:blip>
+          <a:srcRect/>
+          <a:stretch>
+            <a:fillRect/>
+          </a:stretch>
+        </p:blipFill>
+        <p:spPr bwMode="auto">
+          <a:xfrm>
+            <a:off x="718278" y="2196607"/>
+            <a:ext cx="4088819" cy="3109912"/>
+          </a:xfrm>
+          <a:prstGeom prst="rect">
+            <a:avLst/>
+          </a:prstGeom>
+          <a:noFill/>
+          <a:extLst>
+            <a:ext uri="{909E8E84-426E-40DD-AFC4-6F175D3DCCD1}">
+              <a14:hiddenFill xmlns:a14="http://schemas.microsoft.com/office/drawing/2010/main">
+                <a:solidFill>
+                  <a:srgbClr val="FFFFFF"/>
+                </a:solidFill>
+              </a14:hiddenFill>
+            </a:ext>
+          </a:extLst>
+        </p:spPr>
+      </p:pic>
+      <p:pic>
+        <p:nvPicPr>
+          <p:cNvPr id="4100" name="Picture 4">
+            <a:extLst>
+              <a:ext uri="{FF2B5EF4-FFF2-40B4-BE49-F238E27FC236}">
+                <a16:creationId xmlns:a16="http://schemas.microsoft.com/office/drawing/2014/main" id="{5E8C669D-E021-432C-980D-5B3DEF9C1A14}"/>
               </a:ext>
             </a:extLst>
           </p:cNvPr>
@@ -8118,8 +8916,8 @@
         </p:blipFill>
         <p:spPr bwMode="auto">
           <a:xfrm>
-            <a:off x="1149531" y="2533197"/>
-            <a:ext cx="6876358" cy="3048997"/>
+            <a:off x="5340495" y="2196606"/>
+            <a:ext cx="4171648" cy="3109911"/>
           </a:xfrm>
           <a:prstGeom prst="rect">
             <a:avLst/>
@@ -8139,224 +8937,7 @@
     </p:spTree>
     <p:extLst>
       <p:ext uri="{BB962C8B-B14F-4D97-AF65-F5344CB8AC3E}">
-        <p14:creationId xmlns:p14="http://schemas.microsoft.com/office/powerpoint/2010/main" val="538860124"/>
-      </p:ext>
-    </p:extLst>
-  </p:cSld>
-  <p:clrMapOvr>
-    <a:masterClrMapping/>
-  </p:clrMapOvr>
-</p:sld>
-</file>
-
-<file path=ppt/slides/slide12.xml><?xml version="1.0" encoding="utf-8"?>
-<p:sld xmlns:a="http://schemas.openxmlformats.org/drawingml/2006/main" xmlns:r="http://schemas.openxmlformats.org/officeDocument/2006/relationships" xmlns:p="http://schemas.openxmlformats.org/presentationml/2006/main">
-  <p:cSld>
-    <p:spTree>
-      <p:nvGrpSpPr>
-        <p:cNvPr id="1" name="Shape 249"/>
-        <p:cNvGrpSpPr/>
-        <p:nvPr/>
-      </p:nvGrpSpPr>
-      <p:grpSpPr>
-        <a:xfrm>
-          <a:off x="0" y="0"/>
-          <a:ext cx="0" cy="0"/>
-          <a:chOff x="0" y="0"/>
-          <a:chExt cx="0" cy="0"/>
-        </a:xfrm>
-      </p:grpSpPr>
-      <p:sp>
-        <p:nvSpPr>
-          <p:cNvPr id="250" name="Google Shape;250;p1"/>
-          <p:cNvSpPr txBox="1">
-            <a:spLocks noGrp="1"/>
-          </p:cNvSpPr>
-          <p:nvPr>
-            <p:ph type="title"/>
-          </p:nvPr>
-        </p:nvSpPr>
-        <p:spPr>
-          <a:xfrm>
-            <a:off x="838200" y="365125"/>
-            <a:ext cx="11014166" cy="1325563"/>
-          </a:xfrm>
-          <a:prstGeom prst="rect">
-            <a:avLst/>
-          </a:prstGeom>
-          <a:noFill/>
-          <a:ln>
-            <a:noFill/>
-          </a:ln>
-        </p:spPr>
-        <p:txBody>
-          <a:bodyPr spcFirstLastPara="1" wrap="square" lIns="91425" tIns="45700" rIns="91425" bIns="45700" anchor="ctr" anchorCtr="0">
-            <a:normAutofit/>
-          </a:bodyPr>
-          <a:lstStyle/>
-          <a:p>
-            <a:pPr marL="0" lvl="0" indent="0" algn="l" rtl="0">
-              <a:lnSpc>
-                <a:spcPct val="90000"/>
-              </a:lnSpc>
-              <a:spcBef>
-                <a:spcPts val="0"/>
-              </a:spcBef>
-              <a:spcAft>
-                <a:spcPts val="0"/>
-              </a:spcAft>
-              <a:buClr>
-                <a:schemeClr val="dk1"/>
-              </a:buClr>
-              <a:buSzPts val="4400"/>
-              <a:buFont typeface="Roboto Slab"/>
-              <a:buNone/>
-            </a:pPr>
-            <a:r>
-              <a:rPr lang="en-US" dirty="0"/>
-              <a:t>Principal Component Analysis</a:t>
-            </a:r>
-            <a:endParaRPr dirty="0"/>
-          </a:p>
-        </p:txBody>
-      </p:sp>
-      <p:sp>
-        <p:nvSpPr>
-          <p:cNvPr id="251" name="Google Shape;251;p1"/>
-          <p:cNvSpPr txBox="1">
-            <a:spLocks noGrp="1"/>
-          </p:cNvSpPr>
-          <p:nvPr>
-            <p:ph type="body" idx="1"/>
-          </p:nvPr>
-        </p:nvSpPr>
-        <p:spPr>
-          <a:xfrm>
-            <a:off x="940411" y="1805668"/>
-            <a:ext cx="11075633" cy="4351338"/>
-          </a:xfrm>
-          <a:prstGeom prst="rect">
-            <a:avLst/>
-          </a:prstGeom>
-          <a:noFill/>
-          <a:ln>
-            <a:noFill/>
-          </a:ln>
-        </p:spPr>
-        <p:txBody>
-          <a:bodyPr spcFirstLastPara="1" wrap="square" lIns="91425" tIns="45700" rIns="91425" bIns="45700" anchor="t" anchorCtr="0">
-            <a:normAutofit/>
-          </a:bodyPr>
-          <a:lstStyle/>
-          <a:p>
-            <a:pPr indent="-457200">
-              <a:spcBef>
-                <a:spcPts val="0"/>
-              </a:spcBef>
-              <a:buSzPts val="2800"/>
-              <a:buFont typeface="Wingdings" panose="05000000000000000000" pitchFamily="2" charset="2"/>
-              <a:buChar char="q"/>
-            </a:pPr>
-            <a:r>
-              <a:rPr lang="en-US" dirty="0">
-                <a:sym typeface="Libre Franklin"/>
-              </a:rPr>
-              <a:t>PCs are linear combinations of variables (keep info about all)</a:t>
-            </a:r>
-          </a:p>
-          <a:p>
-            <a:pPr marL="0" indent="0">
-              <a:spcBef>
-                <a:spcPts val="0"/>
-              </a:spcBef>
-              <a:buSzPts val="2800"/>
-              <a:buNone/>
-            </a:pPr>
-            <a:endParaRPr lang="en-US" dirty="0"/>
-          </a:p>
-        </p:txBody>
-      </p:sp>
-      <p:pic>
-        <p:nvPicPr>
-          <p:cNvPr id="3" name="Picture 2" descr="DAY 10 :Dimensionality Reduction with PCA and t-SNE in R | by SaiGayatri  Vadali | Medium">
-            <a:extLst>
-              <a:ext uri="{FF2B5EF4-FFF2-40B4-BE49-F238E27FC236}">
-                <a16:creationId xmlns:a16="http://schemas.microsoft.com/office/drawing/2014/main" id="{4A6745C9-9473-0F58-B413-CBF8BF010DD7}"/>
-              </a:ext>
-            </a:extLst>
-          </p:cNvPr>
-          <p:cNvPicPr>
-            <a:picLocks noChangeAspect="1" noChangeArrowheads="1"/>
-          </p:cNvPicPr>
-          <p:nvPr/>
-        </p:nvPicPr>
-        <p:blipFill>
-          <a:blip r:embed="rId3">
-            <a:extLst>
-              <a:ext uri="{28A0092B-C50C-407E-A947-70E740481C1C}">
-                <a14:useLocalDpi xmlns:a14="http://schemas.microsoft.com/office/drawing/2010/main" val="0"/>
-              </a:ext>
-            </a:extLst>
-          </a:blip>
-          <a:srcRect/>
-          <a:stretch>
-            <a:fillRect/>
-          </a:stretch>
-        </p:blipFill>
-        <p:spPr bwMode="auto">
-          <a:xfrm>
-            <a:off x="1105988" y="2463528"/>
-            <a:ext cx="6205798" cy="2751669"/>
-          </a:xfrm>
-          <a:prstGeom prst="rect">
-            <a:avLst/>
-          </a:prstGeom>
-          <a:noFill/>
-          <a:extLst>
-            <a:ext uri="{909E8E84-426E-40DD-AFC4-6F175D3DCCD1}">
-              <a14:hiddenFill xmlns:a14="http://schemas.microsoft.com/office/drawing/2010/main">
-                <a:solidFill>
-                  <a:srgbClr val="FFFFFF"/>
-                </a:solidFill>
-              </a14:hiddenFill>
-            </a:ext>
-          </a:extLst>
-        </p:spPr>
-      </p:pic>
-      <p:pic>
-        <p:nvPicPr>
-          <p:cNvPr id="2" name="Picture 1">
-            <a:extLst>
-              <a:ext uri="{FF2B5EF4-FFF2-40B4-BE49-F238E27FC236}">
-                <a16:creationId xmlns:a16="http://schemas.microsoft.com/office/drawing/2014/main" id="{B5389FFE-80CE-4D5E-B6B0-5563FD856CEE}"/>
-              </a:ext>
-            </a:extLst>
-          </p:cNvPr>
-          <p:cNvPicPr>
-            <a:picLocks noChangeAspect="1"/>
-          </p:cNvPicPr>
-          <p:nvPr/>
-        </p:nvPicPr>
-        <p:blipFill>
-          <a:blip r:embed="rId4"/>
-          <a:stretch>
-            <a:fillRect/>
-          </a:stretch>
-        </p:blipFill>
-        <p:spPr>
-          <a:xfrm>
-            <a:off x="1105988" y="5616971"/>
-            <a:ext cx="4248271" cy="1080069"/>
-          </a:xfrm>
-          <a:prstGeom prst="rect">
-            <a:avLst/>
-          </a:prstGeom>
-        </p:spPr>
-      </p:pic>
-    </p:spTree>
-    <p:extLst>
-      <p:ext uri="{BB962C8B-B14F-4D97-AF65-F5344CB8AC3E}">
-        <p14:creationId xmlns:p14="http://schemas.microsoft.com/office/powerpoint/2010/main" val="3584078145"/>
+        <p14:creationId xmlns:p14="http://schemas.microsoft.com/office/powerpoint/2010/main" val="2785276055"/>
       </p:ext>
     </p:extLst>
   </p:cSld>
@@ -8371,7 +8952,7 @@
   <p:cSld>
     <p:spTree>
       <p:nvGrpSpPr>
-        <p:cNvPr id="1" name="Shape 249"/>
+        <p:cNvPr id="1" name=""/>
         <p:cNvGrpSpPr/>
         <p:nvPr/>
       </p:nvGrpSpPr>
@@ -8385,148 +8966,58 @@
       </p:grpSpPr>
       <p:sp>
         <p:nvSpPr>
-          <p:cNvPr id="250" name="Google Shape;250;p1"/>
-          <p:cNvSpPr txBox="1">
+          <p:cNvPr id="2" name="Title 1">
+            <a:extLst>
+              <a:ext uri="{FF2B5EF4-FFF2-40B4-BE49-F238E27FC236}">
+                <a16:creationId xmlns:a16="http://schemas.microsoft.com/office/drawing/2014/main" id="{2EE54A60-A21F-471A-8086-C260D1CF3F52}"/>
+              </a:ext>
+            </a:extLst>
+          </p:cNvPr>
+          <p:cNvSpPr>
             <a:spLocks noGrp="1"/>
           </p:cNvSpPr>
           <p:nvPr>
             <p:ph type="title"/>
           </p:nvPr>
         </p:nvSpPr>
-        <p:spPr>
-          <a:xfrm>
-            <a:off x="838200" y="365125"/>
-            <a:ext cx="11014166" cy="1325563"/>
-          </a:xfrm>
-          <a:prstGeom prst="rect">
-            <a:avLst/>
-          </a:prstGeom>
-          <a:noFill/>
-          <a:ln>
-            <a:noFill/>
-          </a:ln>
-        </p:spPr>
+        <p:spPr/>
         <p:txBody>
-          <a:bodyPr spcFirstLastPara="1" wrap="square" lIns="91425" tIns="45700" rIns="91425" bIns="45700" anchor="ctr" anchorCtr="0">
-            <a:normAutofit/>
-          </a:bodyPr>
+          <a:bodyPr/>
           <a:lstStyle/>
           <a:p>
-            <a:pPr marL="0" lvl="0" indent="0" algn="l" rtl="0">
-              <a:lnSpc>
-                <a:spcPct val="90000"/>
-              </a:lnSpc>
-              <a:spcBef>
-                <a:spcPts val="0"/>
-              </a:spcBef>
-              <a:spcAft>
-                <a:spcPts val="0"/>
-              </a:spcAft>
-              <a:buClr>
-                <a:schemeClr val="dk1"/>
-              </a:buClr>
-              <a:buSzPts val="4400"/>
-              <a:buFont typeface="Roboto Slab"/>
-              <a:buNone/>
-            </a:pPr>
-            <a:r>
-              <a:rPr lang="en-US" dirty="0"/>
-              <a:t>Principal Component Analysis</a:t>
-            </a:r>
-            <a:endParaRPr dirty="0"/>
+            <a:endParaRPr lang="en-US"/>
           </a:p>
         </p:txBody>
       </p:sp>
       <p:sp>
         <p:nvSpPr>
-          <p:cNvPr id="251" name="Google Shape;251;p1"/>
-          <p:cNvSpPr txBox="1">
+          <p:cNvPr id="3" name="Text Placeholder 2">
+            <a:extLst>
+              <a:ext uri="{FF2B5EF4-FFF2-40B4-BE49-F238E27FC236}">
+                <a16:creationId xmlns:a16="http://schemas.microsoft.com/office/drawing/2014/main" id="{3690FC6C-BA5A-47E0-A8C9-C3C36EC3996F}"/>
+              </a:ext>
+            </a:extLst>
+          </p:cNvPr>
+          <p:cNvSpPr>
             <a:spLocks noGrp="1"/>
           </p:cNvSpPr>
           <p:nvPr>
             <p:ph type="body" idx="1"/>
           </p:nvPr>
         </p:nvSpPr>
-        <p:spPr>
-          <a:xfrm>
-            <a:off x="940411" y="1805668"/>
-            <a:ext cx="11075633" cy="4351338"/>
-          </a:xfrm>
-          <a:prstGeom prst="rect">
-            <a:avLst/>
-          </a:prstGeom>
-          <a:noFill/>
-          <a:ln>
-            <a:noFill/>
-          </a:ln>
-        </p:spPr>
+        <p:spPr/>
         <p:txBody>
-          <a:bodyPr spcFirstLastPara="1" wrap="square" lIns="91425" tIns="45700" rIns="91425" bIns="45700" anchor="t" anchorCtr="0">
-            <a:normAutofit/>
-          </a:bodyPr>
+          <a:bodyPr/>
           <a:lstStyle/>
           <a:p>
-            <a:pPr indent="-457200">
-              <a:spcBef>
-                <a:spcPts val="0"/>
-              </a:spcBef>
-              <a:buSzPts val="2800"/>
-              <a:buFont typeface="Wingdings" panose="05000000000000000000" pitchFamily="2" charset="2"/>
-              <a:buChar char="q"/>
-            </a:pPr>
-            <a:r>
-              <a:rPr lang="en-US" dirty="0">
-                <a:sym typeface="Libre Franklin"/>
-              </a:rPr>
-              <a:t>Cereals data example</a:t>
-            </a:r>
-          </a:p>
-          <a:p>
-            <a:pPr marL="0" indent="0">
-              <a:spcBef>
-                <a:spcPts val="0"/>
-              </a:spcBef>
-              <a:buSzPts val="2800"/>
-              <a:buNone/>
-            </a:pPr>
-            <a:endParaRPr lang="en-US" dirty="0"/>
+            <a:endParaRPr lang="en-US"/>
           </a:p>
         </p:txBody>
       </p:sp>
-      <p:pic>
-        <p:nvPicPr>
-          <p:cNvPr id="4" name="Picture 3">
-            <a:extLst>
-              <a:ext uri="{FF2B5EF4-FFF2-40B4-BE49-F238E27FC236}">
-                <a16:creationId xmlns:a16="http://schemas.microsoft.com/office/drawing/2014/main" id="{61BA83C6-48B8-457F-293B-88E759C0765E}"/>
-              </a:ext>
-            </a:extLst>
-          </p:cNvPr>
-          <p:cNvPicPr>
-            <a:picLocks noChangeAspect="1"/>
-          </p:cNvPicPr>
-          <p:nvPr/>
-        </p:nvPicPr>
-        <p:blipFill>
-          <a:blip r:embed="rId3"/>
-          <a:stretch>
-            <a:fillRect/>
-          </a:stretch>
-        </p:blipFill>
-        <p:spPr>
-          <a:xfrm>
-            <a:off x="1004209" y="2458752"/>
-            <a:ext cx="10098016" cy="2505134"/>
-          </a:xfrm>
-          <a:prstGeom prst="rect">
-            <a:avLst/>
-          </a:prstGeom>
-        </p:spPr>
-      </p:pic>
     </p:spTree>
     <p:extLst>
       <p:ext uri="{BB962C8B-B14F-4D97-AF65-F5344CB8AC3E}">
-        <p14:creationId xmlns:p14="http://schemas.microsoft.com/office/powerpoint/2010/main" val="2067868958"/>
+        <p14:creationId xmlns:p14="http://schemas.microsoft.com/office/powerpoint/2010/main" val="3545270055"/>
       </p:ext>
     </p:extLst>
   </p:cSld>
@@ -8645,19 +9136,47 @@
               <a:buChar char="q"/>
             </a:pPr>
             <a:r>
+              <a:rPr lang="en-US" dirty="0"/>
+              <a:t>Used to remove redundancy (high collinearity) of predictors</a:t>
+            </a:r>
+          </a:p>
+          <a:p>
+            <a:pPr indent="-457200">
+              <a:spcBef>
+                <a:spcPts val="0"/>
+              </a:spcBef>
+              <a:buSzPts val="2800"/>
+              <a:buFont typeface="Wingdings" panose="05000000000000000000" pitchFamily="2" charset="2"/>
+              <a:buChar char="q"/>
+            </a:pPr>
+            <a:r>
               <a:rPr lang="en-US" dirty="0">
                 <a:sym typeface="Libre Franklin"/>
               </a:rPr>
-              <a:t>Cereals data example</a:t>
+              <a:t>Based on covariance and variance </a:t>
             </a:r>
           </a:p>
           <a:p>
-            <a:pPr marL="0" indent="0">
+            <a:pPr indent="-457200">
               <a:spcBef>
                 <a:spcPts val="0"/>
               </a:spcBef>
               <a:buSzPts val="2800"/>
-              <a:buNone/>
+              <a:buFont typeface="Wingdings" panose="05000000000000000000" pitchFamily="2" charset="2"/>
+              <a:buChar char="q"/>
+            </a:pPr>
+            <a:endParaRPr lang="en-US" dirty="0">
+              <a:sym typeface="Libre Franklin"/>
+            </a:endParaRPr>
+          </a:p>
+          <a:p>
+            <a:pPr indent="-457200">
+              <a:spcBef>
+                <a:spcPts val="0"/>
+              </a:spcBef>
+              <a:buSzPts val="2800"/>
+              <a:buFont typeface="Wingdings" panose="05000000000000000000" pitchFamily="2" charset="2"/>
+              <a:buChar char="q"/>
             </a:pPr>
             <a:endParaRPr lang="en-US" dirty="0"/>
           </a:p>
@@ -8665,67 +9184,40 @@
       </p:sp>
       <p:pic>
         <p:nvPicPr>
-          <p:cNvPr id="4" name="Picture 3">
+          <p:cNvPr id="2" name="Picture 2" descr="Principal Component Analysis (PCA) Explained Visually with Zero Math | by  Casey Cheng | Towards Data Science">
             <a:extLst>
               <a:ext uri="{FF2B5EF4-FFF2-40B4-BE49-F238E27FC236}">
-                <a16:creationId xmlns:a16="http://schemas.microsoft.com/office/drawing/2014/main" id="{61BA83C6-48B8-457F-293B-88E759C0765E}"/>
+                <a16:creationId xmlns:a16="http://schemas.microsoft.com/office/drawing/2014/main" id="{DE8E73F1-48F5-A2C7-5590-FA04FFD4A9E3}"/>
               </a:ext>
             </a:extLst>
           </p:cNvPr>
           <p:cNvPicPr>
-            <a:picLocks noChangeAspect="1"/>
+            <a:picLocks noChangeAspect="1" noChangeArrowheads="1"/>
           </p:cNvPicPr>
           <p:nvPr/>
         </p:nvPicPr>
         <p:blipFill>
-          <a:blip r:embed="rId3"/>
+          <a:blip r:embed="rId3">
+            <a:extLst>
+              <a:ext uri="{28A0092B-C50C-407E-A947-70E740481C1C}">
+                <a14:useLocalDpi xmlns:a14="http://schemas.microsoft.com/office/drawing/2010/main" val="0"/>
+              </a:ext>
+            </a:extLst>
+          </a:blip>
+          <a:srcRect/>
           <a:stretch>
             <a:fillRect/>
           </a:stretch>
         </p:blipFill>
-        <p:spPr>
-          <a:xfrm>
-            <a:off x="1004209" y="2458752"/>
-            <a:ext cx="10098016" cy="2505134"/>
-          </a:xfrm>
-          <a:prstGeom prst="rect">
-            <a:avLst/>
-          </a:prstGeom>
-        </p:spPr>
-      </p:pic>
-      <p:pic>
-        <p:nvPicPr>
-          <p:cNvPr id="2" name="Google Shape;222;p28">
-            <a:extLst>
-              <a:ext uri="{FF2B5EF4-FFF2-40B4-BE49-F238E27FC236}">
-                <a16:creationId xmlns:a16="http://schemas.microsoft.com/office/drawing/2014/main" id="{CDF4B9B6-D3B1-63C6-3B3E-BF15AE82E577}"/>
-              </a:ext>
-            </a:extLst>
-          </p:cNvPr>
-          <p:cNvPicPr preferRelativeResize="0">
-            <a:picLocks/>
-          </p:cNvPicPr>
-          <p:nvPr/>
-        </p:nvPicPr>
-        <p:blipFill rotWithShape="1">
-          <a:blip r:embed="rId4">
-            <a:alphaModFix/>
-          </a:blip>
-          <a:srcRect/>
-          <a:stretch/>
-        </p:blipFill>
         <p:spPr bwMode="auto">
           <a:xfrm>
-            <a:off x="1301931" y="5424490"/>
-            <a:ext cx="2407920" cy="593134"/>
+            <a:off x="711807" y="2737339"/>
+            <a:ext cx="5029886" cy="3755536"/>
           </a:xfrm>
           <a:prstGeom prst="rect">
             <a:avLst/>
           </a:prstGeom>
           <a:noFill/>
-          <a:ln>
-            <a:noFill/>
-          </a:ln>
           <a:extLst>
             <a:ext uri="{909E8E84-426E-40DD-AFC4-6F175D3DCCD1}">
               <a14:hiddenFill xmlns:a14="http://schemas.microsoft.com/office/drawing/2010/main">
@@ -8734,23 +9226,13 @@
                 </a:solidFill>
               </a14:hiddenFill>
             </a:ext>
-            <a:ext uri="{91240B29-F687-4F45-9708-019B960494DF}">
-              <a14:hiddenLine xmlns:a14="http://schemas.microsoft.com/office/drawing/2010/main" w="9525">
-                <a:solidFill>
-                  <a:srgbClr val="000000"/>
-                </a:solidFill>
-                <a:miter lim="800000"/>
-                <a:headEnd/>
-                <a:tailEnd/>
-              </a14:hiddenLine>
-            </a:ext>
           </a:extLst>
         </p:spPr>
       </p:pic>
     </p:spTree>
     <p:extLst>
       <p:ext uri="{BB962C8B-B14F-4D97-AF65-F5344CB8AC3E}">
-        <p14:creationId xmlns:p14="http://schemas.microsoft.com/office/powerpoint/2010/main" val="2248871392"/>
+        <p14:creationId xmlns:p14="http://schemas.microsoft.com/office/powerpoint/2010/main" val="3294802757"/>
       </p:ext>
     </p:extLst>
   </p:cSld>
@@ -8860,7 +9342,7 @@
           </a:bodyPr>
           <a:lstStyle/>
           <a:p>
-            <a:pPr lvl="0" indent="-457200">
+            <a:pPr indent="-457200">
               <a:spcBef>
                 <a:spcPts val="0"/>
               </a:spcBef>
@@ -8869,15 +9351,15 @@
               <a:buChar char="q"/>
             </a:pPr>
             <a:r>
-              <a:rPr lang="en-US" dirty="0">
-                <a:sym typeface="Libre Franklin"/>
-              </a:rPr>
-              <a:t>Total variance (“information”) is sum of individual variances</a:t>
+              <a:rPr lang="en-US" dirty="0"/>
+              <a:t>The correlation coefficient is related to the covariance</a:t>
             </a:r>
-            <a:endParaRPr lang="en-US" dirty="0"/>
-          </a:p>
-          <a:p>
-            <a:pPr lvl="0" indent="-457200">
+            <a:endParaRPr lang="en-US" dirty="0">
+              <a:sym typeface="Libre Franklin"/>
+            </a:endParaRPr>
+          </a:p>
+          <a:p>
+            <a:pPr indent="-457200">
               <a:spcBef>
                 <a:spcPts val="0"/>
               </a:spcBef>
@@ -8885,51 +9367,18 @@
               <a:buFont typeface="Wingdings" panose="05000000000000000000" pitchFamily="2" charset="2"/>
               <a:buChar char="q"/>
             </a:pPr>
-            <a:r>
-              <a:rPr lang="en-US" dirty="0">
-                <a:sym typeface="Libre Franklin"/>
-              </a:rPr>
-              <a:t>Calories accounts for 379.63/577 = 66% of information</a:t>
-            </a:r>
-            <a:endParaRPr lang="en-US" dirty="0"/>
-          </a:p>
-          <a:p>
-            <a:pPr lvl="0" indent="-457200">
+            <a:endParaRPr lang="en-US" dirty="0">
+              <a:sym typeface="Libre Franklin"/>
+            </a:endParaRPr>
+          </a:p>
+          <a:p>
+            <a:pPr indent="-457200">
               <a:spcBef>
                 <a:spcPts val="0"/>
               </a:spcBef>
               <a:buSzPts val="2800"/>
               <a:buFont typeface="Wingdings" panose="05000000000000000000" pitchFamily="2" charset="2"/>
               <a:buChar char="q"/>
-            </a:pPr>
-            <a:r>
-              <a:rPr lang="en-US" dirty="0">
-                <a:sym typeface="Libre Franklin"/>
-              </a:rPr>
-              <a:t>34% of the variation information is contributed by Ratings</a:t>
-            </a:r>
-            <a:endParaRPr lang="en-US" dirty="0"/>
-          </a:p>
-          <a:p>
-            <a:pPr indent="-457200">
-              <a:spcBef>
-                <a:spcPts val="0"/>
-              </a:spcBef>
-              <a:buSzPts val="2800"/>
-              <a:buFont typeface="Wingdings" panose="05000000000000000000" pitchFamily="2" charset="2"/>
-              <a:buChar char="q"/>
-            </a:pPr>
-            <a:endParaRPr lang="en-US" dirty="0">
-              <a:sym typeface="Libre Franklin"/>
-            </a:endParaRPr>
-          </a:p>
-          <a:p>
-            <a:pPr marL="0" indent="0">
-              <a:spcBef>
-                <a:spcPts val="0"/>
-              </a:spcBef>
-              <a:buSzPts val="2800"/>
-              <a:buNone/>
             </a:pPr>
             <a:endParaRPr lang="en-US" dirty="0"/>
           </a:p>
@@ -8937,62 +9386,38 @@
       </p:sp>
       <p:pic>
         <p:nvPicPr>
-          <p:cNvPr id="2" name="Google Shape;222;p28">
+          <p:cNvPr id="3" name="Picture 2">
             <a:extLst>
               <a:ext uri="{FF2B5EF4-FFF2-40B4-BE49-F238E27FC236}">
-                <a16:creationId xmlns:a16="http://schemas.microsoft.com/office/drawing/2014/main" id="{CDF4B9B6-D3B1-63C6-3B3E-BF15AE82E577}"/>
+                <a16:creationId xmlns:a16="http://schemas.microsoft.com/office/drawing/2014/main" id="{54710F44-E85C-8B40-9CB6-508405CD1072}"/>
               </a:ext>
             </a:extLst>
           </p:cNvPr>
-          <p:cNvPicPr preferRelativeResize="0">
-            <a:picLocks/>
+          <p:cNvPicPr>
+            <a:picLocks noChangeAspect="1"/>
           </p:cNvPicPr>
           <p:nvPr/>
         </p:nvPicPr>
-        <p:blipFill rotWithShape="1">
-          <a:blip r:embed="rId3">
-            <a:alphaModFix/>
-          </a:blip>
-          <a:srcRect/>
-          <a:stretch/>
+        <p:blipFill>
+          <a:blip r:embed="rId3"/>
+          <a:stretch>
+            <a:fillRect/>
+          </a:stretch>
         </p:blipFill>
-        <p:spPr bwMode="auto">
-          <a:xfrm>
-            <a:off x="940411" y="3768634"/>
-            <a:ext cx="5029202" cy="1134291"/>
+        <p:spPr>
+          <a:xfrm>
+            <a:off x="618194" y="2679303"/>
+            <a:ext cx="3344802" cy="1499394"/>
           </a:xfrm>
           <a:prstGeom prst="rect">
             <a:avLst/>
           </a:prstGeom>
-          <a:noFill/>
-          <a:ln>
-            <a:noFill/>
-          </a:ln>
-          <a:extLst>
-            <a:ext uri="{909E8E84-426E-40DD-AFC4-6F175D3DCCD1}">
-              <a14:hiddenFill xmlns:a14="http://schemas.microsoft.com/office/drawing/2010/main">
-                <a:solidFill>
-                  <a:srgbClr val="FFFFFF"/>
-                </a:solidFill>
-              </a14:hiddenFill>
-            </a:ext>
-            <a:ext uri="{91240B29-F687-4F45-9708-019B960494DF}">
-              <a14:hiddenLine xmlns:a14="http://schemas.microsoft.com/office/drawing/2010/main" w="9525">
-                <a:solidFill>
-                  <a:srgbClr val="000000"/>
-                </a:solidFill>
-                <a:miter lim="800000"/>
-                <a:headEnd/>
-                <a:tailEnd/>
-              </a14:hiddenLine>
-            </a:ext>
-          </a:extLst>
         </p:spPr>
       </p:pic>
     </p:spTree>
     <p:extLst>
       <p:ext uri="{BB962C8B-B14F-4D97-AF65-F5344CB8AC3E}">
-        <p14:creationId xmlns:p14="http://schemas.microsoft.com/office/powerpoint/2010/main" val="540515327"/>
+        <p14:creationId xmlns:p14="http://schemas.microsoft.com/office/powerpoint/2010/main" val="362335725"/>
       </p:ext>
     </p:extLst>
   </p:cSld>
@@ -9111,6 +9536,1640 @@
               <a:buChar char="q"/>
             </a:pPr>
             <a:r>
+              <a:rPr lang="en-US" dirty="0"/>
+              <a:t>The covariance matrix allows us to see both variances and covariances</a:t>
+            </a:r>
+            <a:endParaRPr lang="en-US" dirty="0">
+              <a:sym typeface="Libre Franklin"/>
+            </a:endParaRPr>
+          </a:p>
+          <a:p>
+            <a:pPr indent="-457200">
+              <a:spcBef>
+                <a:spcPts val="0"/>
+              </a:spcBef>
+              <a:buSzPts val="2800"/>
+              <a:buFont typeface="Wingdings" panose="05000000000000000000" pitchFamily="2" charset="2"/>
+              <a:buChar char="q"/>
+            </a:pPr>
+            <a:endParaRPr lang="en-US" dirty="0">
+              <a:sym typeface="Libre Franklin"/>
+            </a:endParaRPr>
+          </a:p>
+          <a:p>
+            <a:pPr indent="-457200">
+              <a:spcBef>
+                <a:spcPts val="0"/>
+              </a:spcBef>
+              <a:buSzPts val="2800"/>
+              <a:buFont typeface="Wingdings" panose="05000000000000000000" pitchFamily="2" charset="2"/>
+              <a:buChar char="q"/>
+            </a:pPr>
+            <a:endParaRPr lang="en-US" dirty="0"/>
+          </a:p>
+        </p:txBody>
+      </p:sp>
+      <p:pic>
+        <p:nvPicPr>
+          <p:cNvPr id="9218" name="Picture 2" descr="Interpretation of Covariance, Covariance Matrix and Eigenvalues | Towards  Data Science">
+            <a:extLst>
+              <a:ext uri="{FF2B5EF4-FFF2-40B4-BE49-F238E27FC236}">
+                <a16:creationId xmlns:a16="http://schemas.microsoft.com/office/drawing/2014/main" id="{18ABFB3C-82C5-1004-89D8-8EC7085E735C}"/>
+              </a:ext>
+            </a:extLst>
+          </p:cNvPr>
+          <p:cNvPicPr>
+            <a:picLocks noChangeAspect="1" noChangeArrowheads="1"/>
+          </p:cNvPicPr>
+          <p:nvPr/>
+        </p:nvPicPr>
+        <p:blipFill rotWithShape="1">
+          <a:blip r:embed="rId3">
+            <a:extLst>
+              <a:ext uri="{28A0092B-C50C-407E-A947-70E740481C1C}">
+                <a14:useLocalDpi xmlns:a14="http://schemas.microsoft.com/office/drawing/2010/main" val="0"/>
+              </a:ext>
+            </a:extLst>
+          </a:blip>
+          <a:srcRect l="5215" t="27473" r="58857" b="35889"/>
+          <a:stretch/>
+        </p:blipFill>
+        <p:spPr bwMode="auto">
+          <a:xfrm>
+            <a:off x="838200" y="2804160"/>
+            <a:ext cx="4380411" cy="1611086"/>
+          </a:xfrm>
+          <a:prstGeom prst="rect">
+            <a:avLst/>
+          </a:prstGeom>
+          <a:noFill/>
+          <a:extLst>
+            <a:ext uri="{909E8E84-426E-40DD-AFC4-6F175D3DCCD1}">
+              <a14:hiddenFill xmlns:a14="http://schemas.microsoft.com/office/drawing/2010/main">
+                <a:solidFill>
+                  <a:srgbClr val="FFFFFF"/>
+                </a:solidFill>
+              </a14:hiddenFill>
+            </a:ext>
+          </a:extLst>
+        </p:spPr>
+      </p:pic>
+      <p:pic>
+        <p:nvPicPr>
+          <p:cNvPr id="2" name="Picture 2" descr="Interpretation of Covariance, Covariance Matrix and Eigenvalues | Towards  Data Science">
+            <a:extLst>
+              <a:ext uri="{FF2B5EF4-FFF2-40B4-BE49-F238E27FC236}">
+                <a16:creationId xmlns:a16="http://schemas.microsoft.com/office/drawing/2014/main" id="{75A71AC9-4521-BE94-5CB6-D1E9B197EF78}"/>
+              </a:ext>
+            </a:extLst>
+          </p:cNvPr>
+          <p:cNvPicPr>
+            <a:picLocks noChangeAspect="1" noChangeArrowheads="1"/>
+          </p:cNvPicPr>
+          <p:nvPr/>
+        </p:nvPicPr>
+        <p:blipFill rotWithShape="1">
+          <a:blip r:embed="rId3">
+            <a:extLst>
+              <a:ext uri="{28A0092B-C50C-407E-A947-70E740481C1C}">
+                <a14:useLocalDpi xmlns:a14="http://schemas.microsoft.com/office/drawing/2010/main" val="0"/>
+              </a:ext>
+            </a:extLst>
+          </a:blip>
+          <a:srcRect l="43509" t="18116" r="7206" b="33166"/>
+          <a:stretch/>
+        </p:blipFill>
+        <p:spPr bwMode="auto">
+          <a:xfrm>
+            <a:off x="5612870" y="2910183"/>
+            <a:ext cx="6008914" cy="2142308"/>
+          </a:xfrm>
+          <a:prstGeom prst="rect">
+            <a:avLst/>
+          </a:prstGeom>
+          <a:noFill/>
+          <a:extLst>
+            <a:ext uri="{909E8E84-426E-40DD-AFC4-6F175D3DCCD1}">
+              <a14:hiddenFill xmlns:a14="http://schemas.microsoft.com/office/drawing/2010/main">
+                <a:solidFill>
+                  <a:srgbClr val="FFFFFF"/>
+                </a:solidFill>
+              </a14:hiddenFill>
+            </a:ext>
+          </a:extLst>
+        </p:spPr>
+      </p:pic>
+    </p:spTree>
+    <p:extLst>
+      <p:ext uri="{BB962C8B-B14F-4D97-AF65-F5344CB8AC3E}">
+        <p14:creationId xmlns:p14="http://schemas.microsoft.com/office/powerpoint/2010/main" val="3591005089"/>
+      </p:ext>
+    </p:extLst>
+  </p:cSld>
+  <p:clrMapOvr>
+    <a:masterClrMapping/>
+  </p:clrMapOvr>
+</p:sld>
+</file>
+
+<file path=ppt/slides/slide17.xml><?xml version="1.0" encoding="utf-8"?>
+<p:sld xmlns:a="http://schemas.openxmlformats.org/drawingml/2006/main" xmlns:r="http://schemas.openxmlformats.org/officeDocument/2006/relationships" xmlns:p="http://schemas.openxmlformats.org/presentationml/2006/main">
+  <p:cSld>
+    <p:spTree>
+      <p:nvGrpSpPr>
+        <p:cNvPr id="1" name="Shape 249"/>
+        <p:cNvGrpSpPr/>
+        <p:nvPr/>
+      </p:nvGrpSpPr>
+      <p:grpSpPr>
+        <a:xfrm>
+          <a:off x="0" y="0"/>
+          <a:ext cx="0" cy="0"/>
+          <a:chOff x="0" y="0"/>
+          <a:chExt cx="0" cy="0"/>
+        </a:xfrm>
+      </p:grpSpPr>
+      <p:sp>
+        <p:nvSpPr>
+          <p:cNvPr id="250" name="Google Shape;250;p1"/>
+          <p:cNvSpPr txBox="1">
+            <a:spLocks noGrp="1"/>
+          </p:cNvSpPr>
+          <p:nvPr>
+            <p:ph type="title"/>
+          </p:nvPr>
+        </p:nvSpPr>
+        <p:spPr>
+          <a:xfrm>
+            <a:off x="838200" y="365125"/>
+            <a:ext cx="11014166" cy="1325563"/>
+          </a:xfrm>
+          <a:prstGeom prst="rect">
+            <a:avLst/>
+          </a:prstGeom>
+          <a:noFill/>
+          <a:ln>
+            <a:noFill/>
+          </a:ln>
+        </p:spPr>
+        <p:txBody>
+          <a:bodyPr spcFirstLastPara="1" wrap="square" lIns="91425" tIns="45700" rIns="91425" bIns="45700" anchor="ctr" anchorCtr="0">
+            <a:normAutofit/>
+          </a:bodyPr>
+          <a:lstStyle/>
+          <a:p>
+            <a:pPr marL="0" lvl="0" indent="0" algn="l" rtl="0">
+              <a:lnSpc>
+                <a:spcPct val="90000"/>
+              </a:lnSpc>
+              <a:spcBef>
+                <a:spcPts val="0"/>
+              </a:spcBef>
+              <a:spcAft>
+                <a:spcPts val="0"/>
+              </a:spcAft>
+              <a:buClr>
+                <a:schemeClr val="dk1"/>
+              </a:buClr>
+              <a:buSzPts val="4400"/>
+              <a:buFont typeface="Roboto Slab"/>
+              <a:buNone/>
+            </a:pPr>
+            <a:r>
+              <a:rPr lang="en-US" dirty="0"/>
+              <a:t>Principal Component Analysis</a:t>
+            </a:r>
+            <a:endParaRPr dirty="0"/>
+          </a:p>
+        </p:txBody>
+      </p:sp>
+      <p:sp>
+        <p:nvSpPr>
+          <p:cNvPr id="251" name="Google Shape;251;p1"/>
+          <p:cNvSpPr txBox="1">
+            <a:spLocks noGrp="1"/>
+          </p:cNvSpPr>
+          <p:nvPr>
+            <p:ph type="body" idx="1"/>
+          </p:nvPr>
+        </p:nvSpPr>
+        <p:spPr>
+          <a:xfrm>
+            <a:off x="940411" y="1805668"/>
+            <a:ext cx="11075633" cy="4351338"/>
+          </a:xfrm>
+          <a:prstGeom prst="rect">
+            <a:avLst/>
+          </a:prstGeom>
+          <a:noFill/>
+          <a:ln>
+            <a:noFill/>
+          </a:ln>
+        </p:spPr>
+        <p:txBody>
+          <a:bodyPr spcFirstLastPara="1" wrap="square" lIns="91425" tIns="45700" rIns="91425" bIns="45700" anchor="t" anchorCtr="0">
+            <a:normAutofit/>
+          </a:bodyPr>
+          <a:lstStyle/>
+          <a:p>
+            <a:pPr indent="-457200">
+              <a:spcBef>
+                <a:spcPts val="0"/>
+              </a:spcBef>
+              <a:buSzPts val="2800"/>
+              <a:buFont typeface="Wingdings" panose="05000000000000000000" pitchFamily="2" charset="2"/>
+              <a:buChar char="q"/>
+            </a:pPr>
+            <a:r>
+              <a:rPr lang="en-US" dirty="0"/>
+              <a:t>Create new variables (PCs) that keep high variance (information)</a:t>
+            </a:r>
+          </a:p>
+          <a:p>
+            <a:pPr indent="-457200">
+              <a:spcBef>
+                <a:spcPts val="0"/>
+              </a:spcBef>
+              <a:buSzPts val="2800"/>
+              <a:buFont typeface="Wingdings" panose="05000000000000000000" pitchFamily="2" charset="2"/>
+              <a:buChar char="q"/>
+            </a:pPr>
+            <a:r>
+              <a:rPr lang="en-US" dirty="0">
+                <a:sym typeface="Libre Franklin"/>
+              </a:rPr>
+              <a:t>PCs are linear combinations of variables (keep info about all)</a:t>
+            </a:r>
+          </a:p>
+          <a:p>
+            <a:pPr indent="-457200">
+              <a:spcBef>
+                <a:spcPts val="0"/>
+              </a:spcBef>
+              <a:buSzPts val="2800"/>
+              <a:buFont typeface="Wingdings" panose="05000000000000000000" pitchFamily="2" charset="2"/>
+              <a:buChar char="q"/>
+            </a:pPr>
+            <a:r>
+              <a:rPr lang="en-US" dirty="0">
+                <a:sym typeface="Libre Franklin"/>
+              </a:rPr>
+              <a:t>PCs must have covariances equal to zero </a:t>
+            </a:r>
+          </a:p>
+          <a:p>
+            <a:pPr indent="-457200">
+              <a:spcBef>
+                <a:spcPts val="0"/>
+              </a:spcBef>
+              <a:buSzPts val="2800"/>
+              <a:buFont typeface="Wingdings" panose="05000000000000000000" pitchFamily="2" charset="2"/>
+              <a:buChar char="q"/>
+            </a:pPr>
+            <a:endParaRPr lang="en-US" dirty="0">
+              <a:sym typeface="Libre Franklin"/>
+            </a:endParaRPr>
+          </a:p>
+          <a:p>
+            <a:pPr indent="-457200">
+              <a:spcBef>
+                <a:spcPts val="0"/>
+              </a:spcBef>
+              <a:buSzPts val="2800"/>
+              <a:buFont typeface="Wingdings" panose="05000000000000000000" pitchFamily="2" charset="2"/>
+              <a:buChar char="q"/>
+            </a:pPr>
+            <a:endParaRPr lang="en-US" dirty="0"/>
+          </a:p>
+        </p:txBody>
+      </p:sp>
+      <p:pic>
+        <p:nvPicPr>
+          <p:cNvPr id="2" name="Picture 2" descr="Interpretation of Covariance, Covariance Matrix and Eigenvalues | Towards  Data Science">
+            <a:extLst>
+              <a:ext uri="{FF2B5EF4-FFF2-40B4-BE49-F238E27FC236}">
+                <a16:creationId xmlns:a16="http://schemas.microsoft.com/office/drawing/2014/main" id="{75A71AC9-4521-BE94-5CB6-D1E9B197EF78}"/>
+              </a:ext>
+            </a:extLst>
+          </p:cNvPr>
+          <p:cNvPicPr>
+            <a:picLocks noChangeAspect="1" noChangeArrowheads="1"/>
+          </p:cNvPicPr>
+          <p:nvPr/>
+        </p:nvPicPr>
+        <p:blipFill rotWithShape="1">
+          <a:blip r:embed="rId3">
+            <a:extLst>
+              <a:ext uri="{28A0092B-C50C-407E-A947-70E740481C1C}">
+                <a14:useLocalDpi xmlns:a14="http://schemas.microsoft.com/office/drawing/2010/main" val="0"/>
+              </a:ext>
+            </a:extLst>
+          </a:blip>
+          <a:srcRect l="48128" t="24884" r="7206" b="33166"/>
+          <a:stretch/>
+        </p:blipFill>
+        <p:spPr bwMode="auto">
+          <a:xfrm>
+            <a:off x="1398814" y="3368040"/>
+            <a:ext cx="5390606" cy="1826044"/>
+          </a:xfrm>
+          <a:prstGeom prst="rect">
+            <a:avLst/>
+          </a:prstGeom>
+          <a:noFill/>
+          <a:extLst>
+            <a:ext uri="{909E8E84-426E-40DD-AFC4-6F175D3DCCD1}">
+              <a14:hiddenFill xmlns:a14="http://schemas.microsoft.com/office/drawing/2010/main">
+                <a:solidFill>
+                  <a:srgbClr val="FFFFFF"/>
+                </a:solidFill>
+              </a14:hiddenFill>
+            </a:ext>
+          </a:extLst>
+        </p:spPr>
+      </p:pic>
+    </p:spTree>
+    <p:extLst>
+      <p:ext uri="{BB962C8B-B14F-4D97-AF65-F5344CB8AC3E}">
+        <p14:creationId xmlns:p14="http://schemas.microsoft.com/office/powerpoint/2010/main" val="2939223604"/>
+      </p:ext>
+    </p:extLst>
+  </p:cSld>
+  <p:clrMapOvr>
+    <a:masterClrMapping/>
+  </p:clrMapOvr>
+</p:sld>
+</file>
+
+<file path=ppt/slides/slide18.xml><?xml version="1.0" encoding="utf-8"?>
+<p:sld xmlns:a="http://schemas.openxmlformats.org/drawingml/2006/main" xmlns:r="http://schemas.openxmlformats.org/officeDocument/2006/relationships" xmlns:p="http://schemas.openxmlformats.org/presentationml/2006/main">
+  <p:cSld>
+    <p:spTree>
+      <p:nvGrpSpPr>
+        <p:cNvPr id="1" name="Shape 249"/>
+        <p:cNvGrpSpPr/>
+        <p:nvPr/>
+      </p:nvGrpSpPr>
+      <p:grpSpPr>
+        <a:xfrm>
+          <a:off x="0" y="0"/>
+          <a:ext cx="0" cy="0"/>
+          <a:chOff x="0" y="0"/>
+          <a:chExt cx="0" cy="0"/>
+        </a:xfrm>
+      </p:grpSpPr>
+      <p:sp>
+        <p:nvSpPr>
+          <p:cNvPr id="250" name="Google Shape;250;p1"/>
+          <p:cNvSpPr txBox="1">
+            <a:spLocks noGrp="1"/>
+          </p:cNvSpPr>
+          <p:nvPr>
+            <p:ph type="title"/>
+          </p:nvPr>
+        </p:nvSpPr>
+        <p:spPr>
+          <a:xfrm>
+            <a:off x="838200" y="365125"/>
+            <a:ext cx="11014166" cy="1325563"/>
+          </a:xfrm>
+          <a:prstGeom prst="rect">
+            <a:avLst/>
+          </a:prstGeom>
+          <a:noFill/>
+          <a:ln>
+            <a:noFill/>
+          </a:ln>
+        </p:spPr>
+        <p:txBody>
+          <a:bodyPr spcFirstLastPara="1" wrap="square" lIns="91425" tIns="45700" rIns="91425" bIns="45700" anchor="ctr" anchorCtr="0">
+            <a:normAutofit/>
+          </a:bodyPr>
+          <a:lstStyle/>
+          <a:p>
+            <a:pPr marL="0" lvl="0" indent="0" algn="l" rtl="0">
+              <a:lnSpc>
+                <a:spcPct val="90000"/>
+              </a:lnSpc>
+              <a:spcBef>
+                <a:spcPts val="0"/>
+              </a:spcBef>
+              <a:spcAft>
+                <a:spcPts val="0"/>
+              </a:spcAft>
+              <a:buClr>
+                <a:schemeClr val="dk1"/>
+              </a:buClr>
+              <a:buSzPts val="4400"/>
+              <a:buFont typeface="Roboto Slab"/>
+              <a:buNone/>
+            </a:pPr>
+            <a:r>
+              <a:rPr lang="en-US" dirty="0"/>
+              <a:t>Principal Component Analysis</a:t>
+            </a:r>
+            <a:endParaRPr dirty="0"/>
+          </a:p>
+        </p:txBody>
+      </p:sp>
+      <p:sp>
+        <p:nvSpPr>
+          <p:cNvPr id="251" name="Google Shape;251;p1"/>
+          <p:cNvSpPr txBox="1">
+            <a:spLocks noGrp="1"/>
+          </p:cNvSpPr>
+          <p:nvPr>
+            <p:ph type="body" idx="1"/>
+          </p:nvPr>
+        </p:nvSpPr>
+        <p:spPr>
+          <a:xfrm>
+            <a:off x="940411" y="1805668"/>
+            <a:ext cx="11075633" cy="4351338"/>
+          </a:xfrm>
+          <a:prstGeom prst="rect">
+            <a:avLst/>
+          </a:prstGeom>
+          <a:noFill/>
+          <a:ln>
+            <a:noFill/>
+          </a:ln>
+        </p:spPr>
+        <p:txBody>
+          <a:bodyPr spcFirstLastPara="1" wrap="square" lIns="91425" tIns="45700" rIns="91425" bIns="45700" anchor="t" anchorCtr="0">
+            <a:normAutofit/>
+          </a:bodyPr>
+          <a:lstStyle/>
+          <a:p>
+            <a:pPr indent="-457200">
+              <a:spcBef>
+                <a:spcPts val="0"/>
+              </a:spcBef>
+              <a:buSzPts val="2800"/>
+              <a:buFont typeface="Wingdings" panose="05000000000000000000" pitchFamily="2" charset="2"/>
+              <a:buChar char="q"/>
+            </a:pPr>
+            <a:r>
+              <a:rPr lang="en-US" dirty="0"/>
+              <a:t>Create new variables (PCs) that keep high variance (information)</a:t>
+            </a:r>
+          </a:p>
+          <a:p>
+            <a:pPr marL="0" indent="0">
+              <a:spcBef>
+                <a:spcPts val="0"/>
+              </a:spcBef>
+              <a:buSzPts val="2800"/>
+              <a:buNone/>
+            </a:pPr>
+            <a:endParaRPr lang="en-US" dirty="0">
+              <a:sym typeface="Libre Franklin"/>
+            </a:endParaRPr>
+          </a:p>
+          <a:p>
+            <a:pPr indent="-457200">
+              <a:spcBef>
+                <a:spcPts val="0"/>
+              </a:spcBef>
+              <a:buSzPts val="2800"/>
+              <a:buFont typeface="Wingdings" panose="05000000000000000000" pitchFamily="2" charset="2"/>
+              <a:buChar char="q"/>
+            </a:pPr>
+            <a:endParaRPr lang="en-US" dirty="0"/>
+          </a:p>
+        </p:txBody>
+      </p:sp>
+      <p:pic>
+        <p:nvPicPr>
+          <p:cNvPr id="3" name="Picture 2" descr="DAY 10 :Dimensionality Reduction with PCA and t-SNE in R | by SaiGayatri  Vadali | Medium">
+            <a:extLst>
+              <a:ext uri="{FF2B5EF4-FFF2-40B4-BE49-F238E27FC236}">
+                <a16:creationId xmlns:a16="http://schemas.microsoft.com/office/drawing/2014/main" id="{4A6745C9-9473-0F58-B413-CBF8BF010DD7}"/>
+              </a:ext>
+            </a:extLst>
+          </p:cNvPr>
+          <p:cNvPicPr>
+            <a:picLocks noChangeAspect="1" noChangeArrowheads="1"/>
+          </p:cNvPicPr>
+          <p:nvPr/>
+        </p:nvPicPr>
+        <p:blipFill>
+          <a:blip r:embed="rId3">
+            <a:extLst>
+              <a:ext uri="{28A0092B-C50C-407E-A947-70E740481C1C}">
+                <a14:useLocalDpi xmlns:a14="http://schemas.microsoft.com/office/drawing/2010/main" val="0"/>
+              </a:ext>
+            </a:extLst>
+          </a:blip>
+          <a:srcRect/>
+          <a:stretch>
+            <a:fillRect/>
+          </a:stretch>
+        </p:blipFill>
+        <p:spPr bwMode="auto">
+          <a:xfrm>
+            <a:off x="1149531" y="2533197"/>
+            <a:ext cx="6876358" cy="3048997"/>
+          </a:xfrm>
+          <a:prstGeom prst="rect">
+            <a:avLst/>
+          </a:prstGeom>
+          <a:noFill/>
+          <a:extLst>
+            <a:ext uri="{909E8E84-426E-40DD-AFC4-6F175D3DCCD1}">
+              <a14:hiddenFill xmlns:a14="http://schemas.microsoft.com/office/drawing/2010/main">
+                <a:solidFill>
+                  <a:srgbClr val="FFFFFF"/>
+                </a:solidFill>
+              </a14:hiddenFill>
+            </a:ext>
+          </a:extLst>
+        </p:spPr>
+      </p:pic>
+    </p:spTree>
+    <p:extLst>
+      <p:ext uri="{BB962C8B-B14F-4D97-AF65-F5344CB8AC3E}">
+        <p14:creationId xmlns:p14="http://schemas.microsoft.com/office/powerpoint/2010/main" val="538860124"/>
+      </p:ext>
+    </p:extLst>
+  </p:cSld>
+  <p:clrMapOvr>
+    <a:masterClrMapping/>
+  </p:clrMapOvr>
+</p:sld>
+</file>
+
+<file path=ppt/slides/slide19.xml><?xml version="1.0" encoding="utf-8"?>
+<p:sld xmlns:a="http://schemas.openxmlformats.org/drawingml/2006/main" xmlns:r="http://schemas.openxmlformats.org/officeDocument/2006/relationships" xmlns:p="http://schemas.openxmlformats.org/presentationml/2006/main">
+  <p:cSld>
+    <p:spTree>
+      <p:nvGrpSpPr>
+        <p:cNvPr id="1" name="Shape 249"/>
+        <p:cNvGrpSpPr/>
+        <p:nvPr/>
+      </p:nvGrpSpPr>
+      <p:grpSpPr>
+        <a:xfrm>
+          <a:off x="0" y="0"/>
+          <a:ext cx="0" cy="0"/>
+          <a:chOff x="0" y="0"/>
+          <a:chExt cx="0" cy="0"/>
+        </a:xfrm>
+      </p:grpSpPr>
+      <p:sp>
+        <p:nvSpPr>
+          <p:cNvPr id="250" name="Google Shape;250;p1"/>
+          <p:cNvSpPr txBox="1">
+            <a:spLocks noGrp="1"/>
+          </p:cNvSpPr>
+          <p:nvPr>
+            <p:ph type="title"/>
+          </p:nvPr>
+        </p:nvSpPr>
+        <p:spPr>
+          <a:xfrm>
+            <a:off x="838200" y="365125"/>
+            <a:ext cx="11014166" cy="1325563"/>
+          </a:xfrm>
+          <a:prstGeom prst="rect">
+            <a:avLst/>
+          </a:prstGeom>
+          <a:noFill/>
+          <a:ln>
+            <a:noFill/>
+          </a:ln>
+        </p:spPr>
+        <p:txBody>
+          <a:bodyPr spcFirstLastPara="1" wrap="square" lIns="91425" tIns="45700" rIns="91425" bIns="45700" anchor="ctr" anchorCtr="0">
+            <a:normAutofit/>
+          </a:bodyPr>
+          <a:lstStyle/>
+          <a:p>
+            <a:pPr marL="0" lvl="0" indent="0" algn="l" rtl="0">
+              <a:lnSpc>
+                <a:spcPct val="90000"/>
+              </a:lnSpc>
+              <a:spcBef>
+                <a:spcPts val="0"/>
+              </a:spcBef>
+              <a:spcAft>
+                <a:spcPts val="0"/>
+              </a:spcAft>
+              <a:buClr>
+                <a:schemeClr val="dk1"/>
+              </a:buClr>
+              <a:buSzPts val="4400"/>
+              <a:buFont typeface="Roboto Slab"/>
+              <a:buNone/>
+            </a:pPr>
+            <a:r>
+              <a:rPr lang="en-US" dirty="0"/>
+              <a:t>Principal Component Analysis</a:t>
+            </a:r>
+            <a:endParaRPr dirty="0"/>
+          </a:p>
+        </p:txBody>
+      </p:sp>
+      <p:sp>
+        <p:nvSpPr>
+          <p:cNvPr id="251" name="Google Shape;251;p1"/>
+          <p:cNvSpPr txBox="1">
+            <a:spLocks noGrp="1"/>
+          </p:cNvSpPr>
+          <p:nvPr>
+            <p:ph type="body" idx="1"/>
+          </p:nvPr>
+        </p:nvSpPr>
+        <p:spPr>
+          <a:xfrm>
+            <a:off x="940411" y="1805668"/>
+            <a:ext cx="11075633" cy="4351338"/>
+          </a:xfrm>
+          <a:prstGeom prst="rect">
+            <a:avLst/>
+          </a:prstGeom>
+          <a:noFill/>
+          <a:ln>
+            <a:noFill/>
+          </a:ln>
+        </p:spPr>
+        <p:txBody>
+          <a:bodyPr spcFirstLastPara="1" wrap="square" lIns="91425" tIns="45700" rIns="91425" bIns="45700" anchor="t" anchorCtr="0">
+            <a:normAutofit/>
+          </a:bodyPr>
+          <a:lstStyle/>
+          <a:p>
+            <a:pPr indent="-457200">
+              <a:spcBef>
+                <a:spcPts val="0"/>
+              </a:spcBef>
+              <a:buSzPts val="2800"/>
+              <a:buFont typeface="Wingdings" panose="05000000000000000000" pitchFamily="2" charset="2"/>
+              <a:buChar char="q"/>
+            </a:pPr>
+            <a:r>
+              <a:rPr lang="en-US" dirty="0">
+                <a:sym typeface="Libre Franklin"/>
+              </a:rPr>
+              <a:t>PCs are linear combinations of variables (keep info about all)</a:t>
+            </a:r>
+          </a:p>
+          <a:p>
+            <a:pPr marL="0" indent="0">
+              <a:spcBef>
+                <a:spcPts val="0"/>
+              </a:spcBef>
+              <a:buSzPts val="2800"/>
+              <a:buNone/>
+            </a:pPr>
+            <a:endParaRPr lang="en-US" dirty="0"/>
+          </a:p>
+        </p:txBody>
+      </p:sp>
+      <p:pic>
+        <p:nvPicPr>
+          <p:cNvPr id="3" name="Picture 2" descr="DAY 10 :Dimensionality Reduction with PCA and t-SNE in R | by SaiGayatri  Vadali | Medium">
+            <a:extLst>
+              <a:ext uri="{FF2B5EF4-FFF2-40B4-BE49-F238E27FC236}">
+                <a16:creationId xmlns:a16="http://schemas.microsoft.com/office/drawing/2014/main" id="{4A6745C9-9473-0F58-B413-CBF8BF010DD7}"/>
+              </a:ext>
+            </a:extLst>
+          </p:cNvPr>
+          <p:cNvPicPr>
+            <a:picLocks noChangeAspect="1" noChangeArrowheads="1"/>
+          </p:cNvPicPr>
+          <p:nvPr/>
+        </p:nvPicPr>
+        <p:blipFill>
+          <a:blip r:embed="rId3">
+            <a:extLst>
+              <a:ext uri="{28A0092B-C50C-407E-A947-70E740481C1C}">
+                <a14:useLocalDpi xmlns:a14="http://schemas.microsoft.com/office/drawing/2010/main" val="0"/>
+              </a:ext>
+            </a:extLst>
+          </a:blip>
+          <a:srcRect/>
+          <a:stretch>
+            <a:fillRect/>
+          </a:stretch>
+        </p:blipFill>
+        <p:spPr bwMode="auto">
+          <a:xfrm>
+            <a:off x="1105988" y="2463528"/>
+            <a:ext cx="6205798" cy="2751669"/>
+          </a:xfrm>
+          <a:prstGeom prst="rect">
+            <a:avLst/>
+          </a:prstGeom>
+          <a:noFill/>
+          <a:extLst>
+            <a:ext uri="{909E8E84-426E-40DD-AFC4-6F175D3DCCD1}">
+              <a14:hiddenFill xmlns:a14="http://schemas.microsoft.com/office/drawing/2010/main">
+                <a:solidFill>
+                  <a:srgbClr val="FFFFFF"/>
+                </a:solidFill>
+              </a14:hiddenFill>
+            </a:ext>
+          </a:extLst>
+        </p:spPr>
+      </p:pic>
+      <p:pic>
+        <p:nvPicPr>
+          <p:cNvPr id="2" name="Picture 1">
+            <a:extLst>
+              <a:ext uri="{FF2B5EF4-FFF2-40B4-BE49-F238E27FC236}">
+                <a16:creationId xmlns:a16="http://schemas.microsoft.com/office/drawing/2014/main" id="{B5389FFE-80CE-4D5E-B6B0-5563FD856CEE}"/>
+              </a:ext>
+            </a:extLst>
+          </p:cNvPr>
+          <p:cNvPicPr>
+            <a:picLocks noChangeAspect="1"/>
+          </p:cNvPicPr>
+          <p:nvPr/>
+        </p:nvPicPr>
+        <p:blipFill>
+          <a:blip r:embed="rId4"/>
+          <a:stretch>
+            <a:fillRect/>
+          </a:stretch>
+        </p:blipFill>
+        <p:spPr>
+          <a:xfrm>
+            <a:off x="1105988" y="5616971"/>
+            <a:ext cx="4248271" cy="1080069"/>
+          </a:xfrm>
+          <a:prstGeom prst="rect">
+            <a:avLst/>
+          </a:prstGeom>
+        </p:spPr>
+      </p:pic>
+    </p:spTree>
+    <p:extLst>
+      <p:ext uri="{BB962C8B-B14F-4D97-AF65-F5344CB8AC3E}">
+        <p14:creationId xmlns:p14="http://schemas.microsoft.com/office/powerpoint/2010/main" val="3584078145"/>
+      </p:ext>
+    </p:extLst>
+  </p:cSld>
+  <p:clrMapOvr>
+    <a:masterClrMapping/>
+  </p:clrMapOvr>
+</p:sld>
+</file>
+
+<file path=ppt/slides/slide2.xml><?xml version="1.0" encoding="utf-8"?>
+<p:sld xmlns:a="http://schemas.openxmlformats.org/drawingml/2006/main" xmlns:r="http://schemas.openxmlformats.org/officeDocument/2006/relationships" xmlns:p="http://schemas.openxmlformats.org/presentationml/2006/main">
+  <p:cSld>
+    <p:spTree>
+      <p:nvGrpSpPr>
+        <p:cNvPr id="1" name="Shape 303"/>
+        <p:cNvGrpSpPr/>
+        <p:nvPr/>
+      </p:nvGrpSpPr>
+      <p:grpSpPr>
+        <a:xfrm>
+          <a:off x="0" y="0"/>
+          <a:ext cx="0" cy="0"/>
+          <a:chOff x="0" y="0"/>
+          <a:chExt cx="0" cy="0"/>
+        </a:xfrm>
+      </p:grpSpPr>
+      <p:sp>
+        <p:nvSpPr>
+          <p:cNvPr id="304" name="Google Shape;304;p9"/>
+          <p:cNvSpPr txBox="1">
+            <a:spLocks noGrp="1"/>
+          </p:cNvSpPr>
+          <p:nvPr>
+            <p:ph type="ctrTitle"/>
+          </p:nvPr>
+        </p:nvSpPr>
+        <p:spPr>
+          <a:xfrm>
+            <a:off x="878652" y="2452388"/>
+            <a:ext cx="10224778" cy="1501403"/>
+          </a:xfrm>
+          <a:prstGeom prst="rect">
+            <a:avLst/>
+          </a:prstGeom>
+          <a:noFill/>
+          <a:ln>
+            <a:noFill/>
+          </a:ln>
+        </p:spPr>
+        <p:txBody>
+          <a:bodyPr spcFirstLastPara="1" wrap="square" lIns="91425" tIns="45700" rIns="91425" bIns="45700" anchor="b" anchorCtr="0">
+            <a:normAutofit/>
+          </a:bodyPr>
+          <a:lstStyle/>
+          <a:p>
+            <a:pPr marL="0" lvl="0" indent="0" algn="ctr" rtl="0">
+              <a:lnSpc>
+                <a:spcPct val="90000"/>
+              </a:lnSpc>
+              <a:spcBef>
+                <a:spcPts val="0"/>
+              </a:spcBef>
+              <a:spcAft>
+                <a:spcPts val="0"/>
+              </a:spcAft>
+              <a:buClr>
+                <a:schemeClr val="dk1"/>
+              </a:buClr>
+              <a:buSzPts val="4800"/>
+              <a:buFont typeface="Roboto Slab"/>
+              <a:buNone/>
+            </a:pPr>
+            <a:r>
+              <a:rPr lang="en-US" dirty="0"/>
+              <a:t>Reducing Dimensionality for Numeric Variables</a:t>
+            </a:r>
+            <a:endParaRPr dirty="0"/>
+          </a:p>
+        </p:txBody>
+      </p:sp>
+      <p:pic>
+        <p:nvPicPr>
+          <p:cNvPr id="5" name="Picture 4">
+            <a:extLst>
+              <a:ext uri="{FF2B5EF4-FFF2-40B4-BE49-F238E27FC236}">
+                <a16:creationId xmlns:a16="http://schemas.microsoft.com/office/drawing/2014/main" id="{B685BD4F-166C-F898-D052-42AD8647992A}"/>
+              </a:ext>
+            </a:extLst>
+          </p:cNvPr>
+          <p:cNvPicPr>
+            <a:picLocks noChangeAspect="1"/>
+          </p:cNvPicPr>
+          <p:nvPr/>
+        </p:nvPicPr>
+        <p:blipFill>
+          <a:blip r:embed="rId3"/>
+          <a:stretch>
+            <a:fillRect/>
+          </a:stretch>
+        </p:blipFill>
+        <p:spPr>
+          <a:xfrm>
+            <a:off x="4606412" y="4325431"/>
+            <a:ext cx="2613415" cy="2286207"/>
+          </a:xfrm>
+          <a:prstGeom prst="rect">
+            <a:avLst/>
+          </a:prstGeom>
+        </p:spPr>
+      </p:pic>
+    </p:spTree>
+  </p:cSld>
+  <p:clrMapOvr>
+    <a:masterClrMapping/>
+  </p:clrMapOvr>
+</p:sld>
+</file>
+
+<file path=ppt/slides/slide20.xml><?xml version="1.0" encoding="utf-8"?>
+<p:sld xmlns:a="http://schemas.openxmlformats.org/drawingml/2006/main" xmlns:r="http://schemas.openxmlformats.org/officeDocument/2006/relationships" xmlns:p="http://schemas.openxmlformats.org/presentationml/2006/main">
+  <p:cSld>
+    <p:spTree>
+      <p:nvGrpSpPr>
+        <p:cNvPr id="1" name="Shape 249"/>
+        <p:cNvGrpSpPr/>
+        <p:nvPr/>
+      </p:nvGrpSpPr>
+      <p:grpSpPr>
+        <a:xfrm>
+          <a:off x="0" y="0"/>
+          <a:ext cx="0" cy="0"/>
+          <a:chOff x="0" y="0"/>
+          <a:chExt cx="0" cy="0"/>
+        </a:xfrm>
+      </p:grpSpPr>
+      <p:sp>
+        <p:nvSpPr>
+          <p:cNvPr id="250" name="Google Shape;250;p1"/>
+          <p:cNvSpPr txBox="1">
+            <a:spLocks noGrp="1"/>
+          </p:cNvSpPr>
+          <p:nvPr>
+            <p:ph type="title"/>
+          </p:nvPr>
+        </p:nvSpPr>
+        <p:spPr>
+          <a:xfrm>
+            <a:off x="838200" y="365125"/>
+            <a:ext cx="11014166" cy="1325563"/>
+          </a:xfrm>
+          <a:prstGeom prst="rect">
+            <a:avLst/>
+          </a:prstGeom>
+          <a:noFill/>
+          <a:ln>
+            <a:noFill/>
+          </a:ln>
+        </p:spPr>
+        <p:txBody>
+          <a:bodyPr spcFirstLastPara="1" wrap="square" lIns="91425" tIns="45700" rIns="91425" bIns="45700" anchor="ctr" anchorCtr="0">
+            <a:normAutofit/>
+          </a:bodyPr>
+          <a:lstStyle/>
+          <a:p>
+            <a:pPr marL="0" lvl="0" indent="0" algn="l" rtl="0">
+              <a:lnSpc>
+                <a:spcPct val="90000"/>
+              </a:lnSpc>
+              <a:spcBef>
+                <a:spcPts val="0"/>
+              </a:spcBef>
+              <a:spcAft>
+                <a:spcPts val="0"/>
+              </a:spcAft>
+              <a:buClr>
+                <a:schemeClr val="dk1"/>
+              </a:buClr>
+              <a:buSzPts val="4400"/>
+              <a:buFont typeface="Roboto Slab"/>
+              <a:buNone/>
+            </a:pPr>
+            <a:r>
+              <a:rPr lang="en-US" dirty="0"/>
+              <a:t>Principal Component Analysis</a:t>
+            </a:r>
+            <a:endParaRPr dirty="0"/>
+          </a:p>
+        </p:txBody>
+      </p:sp>
+      <p:sp>
+        <p:nvSpPr>
+          <p:cNvPr id="251" name="Google Shape;251;p1"/>
+          <p:cNvSpPr txBox="1">
+            <a:spLocks noGrp="1"/>
+          </p:cNvSpPr>
+          <p:nvPr>
+            <p:ph type="body" idx="1"/>
+          </p:nvPr>
+        </p:nvSpPr>
+        <p:spPr>
+          <a:xfrm>
+            <a:off x="940411" y="1805668"/>
+            <a:ext cx="11075633" cy="4351338"/>
+          </a:xfrm>
+          <a:prstGeom prst="rect">
+            <a:avLst/>
+          </a:prstGeom>
+          <a:noFill/>
+          <a:ln>
+            <a:noFill/>
+          </a:ln>
+        </p:spPr>
+        <p:txBody>
+          <a:bodyPr spcFirstLastPara="1" wrap="square" lIns="91425" tIns="45700" rIns="91425" bIns="45700" anchor="t" anchorCtr="0">
+            <a:normAutofit/>
+          </a:bodyPr>
+          <a:lstStyle/>
+          <a:p>
+            <a:pPr indent="-457200">
+              <a:spcBef>
+                <a:spcPts val="0"/>
+              </a:spcBef>
+              <a:buSzPts val="2800"/>
+              <a:buFont typeface="Wingdings" panose="05000000000000000000" pitchFamily="2" charset="2"/>
+              <a:buChar char="q"/>
+            </a:pPr>
+            <a:r>
+              <a:rPr lang="en-US" dirty="0">
+                <a:sym typeface="Libre Franklin"/>
+              </a:rPr>
+              <a:t>Cereals data example</a:t>
+            </a:r>
+          </a:p>
+          <a:p>
+            <a:pPr marL="0" indent="0">
+              <a:spcBef>
+                <a:spcPts val="0"/>
+              </a:spcBef>
+              <a:buSzPts val="2800"/>
+              <a:buNone/>
+            </a:pPr>
+            <a:endParaRPr lang="en-US" dirty="0"/>
+          </a:p>
+        </p:txBody>
+      </p:sp>
+      <p:pic>
+        <p:nvPicPr>
+          <p:cNvPr id="4" name="Picture 3">
+            <a:extLst>
+              <a:ext uri="{FF2B5EF4-FFF2-40B4-BE49-F238E27FC236}">
+                <a16:creationId xmlns:a16="http://schemas.microsoft.com/office/drawing/2014/main" id="{61BA83C6-48B8-457F-293B-88E759C0765E}"/>
+              </a:ext>
+            </a:extLst>
+          </p:cNvPr>
+          <p:cNvPicPr>
+            <a:picLocks noChangeAspect="1"/>
+          </p:cNvPicPr>
+          <p:nvPr/>
+        </p:nvPicPr>
+        <p:blipFill>
+          <a:blip r:embed="rId3"/>
+          <a:stretch>
+            <a:fillRect/>
+          </a:stretch>
+        </p:blipFill>
+        <p:spPr>
+          <a:xfrm>
+            <a:off x="1004209" y="2458752"/>
+            <a:ext cx="10098016" cy="2505134"/>
+          </a:xfrm>
+          <a:prstGeom prst="rect">
+            <a:avLst/>
+          </a:prstGeom>
+        </p:spPr>
+      </p:pic>
+    </p:spTree>
+    <p:extLst>
+      <p:ext uri="{BB962C8B-B14F-4D97-AF65-F5344CB8AC3E}">
+        <p14:creationId xmlns:p14="http://schemas.microsoft.com/office/powerpoint/2010/main" val="2067868958"/>
+      </p:ext>
+    </p:extLst>
+  </p:cSld>
+  <p:clrMapOvr>
+    <a:masterClrMapping/>
+  </p:clrMapOvr>
+</p:sld>
+</file>
+
+<file path=ppt/slides/slide21.xml><?xml version="1.0" encoding="utf-8"?>
+<p:sld xmlns:a="http://schemas.openxmlformats.org/drawingml/2006/main" xmlns:r="http://schemas.openxmlformats.org/officeDocument/2006/relationships" xmlns:p="http://schemas.openxmlformats.org/presentationml/2006/main">
+  <p:cSld>
+    <p:spTree>
+      <p:nvGrpSpPr>
+        <p:cNvPr id="1" name="Shape 249"/>
+        <p:cNvGrpSpPr/>
+        <p:nvPr/>
+      </p:nvGrpSpPr>
+      <p:grpSpPr>
+        <a:xfrm>
+          <a:off x="0" y="0"/>
+          <a:ext cx="0" cy="0"/>
+          <a:chOff x="0" y="0"/>
+          <a:chExt cx="0" cy="0"/>
+        </a:xfrm>
+      </p:grpSpPr>
+      <p:sp>
+        <p:nvSpPr>
+          <p:cNvPr id="250" name="Google Shape;250;p1"/>
+          <p:cNvSpPr txBox="1">
+            <a:spLocks noGrp="1"/>
+          </p:cNvSpPr>
+          <p:nvPr>
+            <p:ph type="title"/>
+          </p:nvPr>
+        </p:nvSpPr>
+        <p:spPr>
+          <a:xfrm>
+            <a:off x="838200" y="365125"/>
+            <a:ext cx="11014166" cy="1325563"/>
+          </a:xfrm>
+          <a:prstGeom prst="rect">
+            <a:avLst/>
+          </a:prstGeom>
+          <a:noFill/>
+          <a:ln>
+            <a:noFill/>
+          </a:ln>
+        </p:spPr>
+        <p:txBody>
+          <a:bodyPr spcFirstLastPara="1" wrap="square" lIns="91425" tIns="45700" rIns="91425" bIns="45700" anchor="ctr" anchorCtr="0">
+            <a:normAutofit/>
+          </a:bodyPr>
+          <a:lstStyle/>
+          <a:p>
+            <a:pPr marL="0" lvl="0" indent="0" algn="l" rtl="0">
+              <a:lnSpc>
+                <a:spcPct val="90000"/>
+              </a:lnSpc>
+              <a:spcBef>
+                <a:spcPts val="0"/>
+              </a:spcBef>
+              <a:spcAft>
+                <a:spcPts val="0"/>
+              </a:spcAft>
+              <a:buClr>
+                <a:schemeClr val="dk1"/>
+              </a:buClr>
+              <a:buSzPts val="4400"/>
+              <a:buFont typeface="Roboto Slab"/>
+              <a:buNone/>
+            </a:pPr>
+            <a:r>
+              <a:rPr lang="en-US" dirty="0"/>
+              <a:t>Principal Component Analysis</a:t>
+            </a:r>
+            <a:endParaRPr dirty="0"/>
+          </a:p>
+        </p:txBody>
+      </p:sp>
+      <p:sp>
+        <p:nvSpPr>
+          <p:cNvPr id="251" name="Google Shape;251;p1"/>
+          <p:cNvSpPr txBox="1">
+            <a:spLocks noGrp="1"/>
+          </p:cNvSpPr>
+          <p:nvPr>
+            <p:ph type="body" idx="1"/>
+          </p:nvPr>
+        </p:nvSpPr>
+        <p:spPr>
+          <a:xfrm>
+            <a:off x="940411" y="1805668"/>
+            <a:ext cx="11075633" cy="4351338"/>
+          </a:xfrm>
+          <a:prstGeom prst="rect">
+            <a:avLst/>
+          </a:prstGeom>
+          <a:noFill/>
+          <a:ln>
+            <a:noFill/>
+          </a:ln>
+        </p:spPr>
+        <p:txBody>
+          <a:bodyPr spcFirstLastPara="1" wrap="square" lIns="91425" tIns="45700" rIns="91425" bIns="45700" anchor="t" anchorCtr="0">
+            <a:normAutofit/>
+          </a:bodyPr>
+          <a:lstStyle/>
+          <a:p>
+            <a:pPr indent="-457200">
+              <a:spcBef>
+                <a:spcPts val="0"/>
+              </a:spcBef>
+              <a:buSzPts val="2800"/>
+              <a:buFont typeface="Wingdings" panose="05000000000000000000" pitchFamily="2" charset="2"/>
+              <a:buChar char="q"/>
+            </a:pPr>
+            <a:r>
+              <a:rPr lang="en-US" dirty="0">
+                <a:sym typeface="Libre Franklin"/>
+              </a:rPr>
+              <a:t>Cereals data example</a:t>
+            </a:r>
+          </a:p>
+          <a:p>
+            <a:pPr marL="0" indent="0">
+              <a:spcBef>
+                <a:spcPts val="0"/>
+              </a:spcBef>
+              <a:buSzPts val="2800"/>
+              <a:buNone/>
+            </a:pPr>
+            <a:endParaRPr lang="en-US" dirty="0"/>
+          </a:p>
+        </p:txBody>
+      </p:sp>
+      <p:pic>
+        <p:nvPicPr>
+          <p:cNvPr id="4" name="Picture 3">
+            <a:extLst>
+              <a:ext uri="{FF2B5EF4-FFF2-40B4-BE49-F238E27FC236}">
+                <a16:creationId xmlns:a16="http://schemas.microsoft.com/office/drawing/2014/main" id="{61BA83C6-48B8-457F-293B-88E759C0765E}"/>
+              </a:ext>
+            </a:extLst>
+          </p:cNvPr>
+          <p:cNvPicPr>
+            <a:picLocks noChangeAspect="1"/>
+          </p:cNvPicPr>
+          <p:nvPr/>
+        </p:nvPicPr>
+        <p:blipFill>
+          <a:blip r:embed="rId3"/>
+          <a:stretch>
+            <a:fillRect/>
+          </a:stretch>
+        </p:blipFill>
+        <p:spPr>
+          <a:xfrm>
+            <a:off x="1004209" y="2458752"/>
+            <a:ext cx="10098016" cy="2505134"/>
+          </a:xfrm>
+          <a:prstGeom prst="rect">
+            <a:avLst/>
+          </a:prstGeom>
+        </p:spPr>
+      </p:pic>
+      <p:pic>
+        <p:nvPicPr>
+          <p:cNvPr id="2" name="Google Shape;222;p28">
+            <a:extLst>
+              <a:ext uri="{FF2B5EF4-FFF2-40B4-BE49-F238E27FC236}">
+                <a16:creationId xmlns:a16="http://schemas.microsoft.com/office/drawing/2014/main" id="{CDF4B9B6-D3B1-63C6-3B3E-BF15AE82E577}"/>
+              </a:ext>
+            </a:extLst>
+          </p:cNvPr>
+          <p:cNvPicPr preferRelativeResize="0">
+            <a:picLocks/>
+          </p:cNvPicPr>
+          <p:nvPr/>
+        </p:nvPicPr>
+        <p:blipFill rotWithShape="1">
+          <a:blip r:embed="rId4">
+            <a:alphaModFix/>
+          </a:blip>
+          <a:srcRect/>
+          <a:stretch/>
+        </p:blipFill>
+        <p:spPr bwMode="auto">
+          <a:xfrm>
+            <a:off x="1301931" y="5424490"/>
+            <a:ext cx="2407920" cy="593134"/>
+          </a:xfrm>
+          <a:prstGeom prst="rect">
+            <a:avLst/>
+          </a:prstGeom>
+          <a:noFill/>
+          <a:ln>
+            <a:noFill/>
+          </a:ln>
+          <a:extLst>
+            <a:ext uri="{909E8E84-426E-40DD-AFC4-6F175D3DCCD1}">
+              <a14:hiddenFill xmlns:a14="http://schemas.microsoft.com/office/drawing/2010/main">
+                <a:solidFill>
+                  <a:srgbClr val="FFFFFF"/>
+                </a:solidFill>
+              </a14:hiddenFill>
+            </a:ext>
+            <a:ext uri="{91240B29-F687-4F45-9708-019B960494DF}">
+              <a14:hiddenLine xmlns:a14="http://schemas.microsoft.com/office/drawing/2010/main" w="9525">
+                <a:solidFill>
+                  <a:srgbClr val="000000"/>
+                </a:solidFill>
+                <a:miter lim="800000"/>
+                <a:headEnd/>
+                <a:tailEnd/>
+              </a14:hiddenLine>
+            </a:ext>
+          </a:extLst>
+        </p:spPr>
+      </p:pic>
+    </p:spTree>
+    <p:extLst>
+      <p:ext uri="{BB962C8B-B14F-4D97-AF65-F5344CB8AC3E}">
+        <p14:creationId xmlns:p14="http://schemas.microsoft.com/office/powerpoint/2010/main" val="2248871392"/>
+      </p:ext>
+    </p:extLst>
+  </p:cSld>
+  <p:clrMapOvr>
+    <a:masterClrMapping/>
+  </p:clrMapOvr>
+</p:sld>
+</file>
+
+<file path=ppt/slides/slide22.xml><?xml version="1.0" encoding="utf-8"?>
+<p:sld xmlns:a="http://schemas.openxmlformats.org/drawingml/2006/main" xmlns:r="http://schemas.openxmlformats.org/officeDocument/2006/relationships" xmlns:p="http://schemas.openxmlformats.org/presentationml/2006/main">
+  <p:cSld>
+    <p:spTree>
+      <p:nvGrpSpPr>
+        <p:cNvPr id="1" name="Shape 249"/>
+        <p:cNvGrpSpPr/>
+        <p:nvPr/>
+      </p:nvGrpSpPr>
+      <p:grpSpPr>
+        <a:xfrm>
+          <a:off x="0" y="0"/>
+          <a:ext cx="0" cy="0"/>
+          <a:chOff x="0" y="0"/>
+          <a:chExt cx="0" cy="0"/>
+        </a:xfrm>
+      </p:grpSpPr>
+      <p:sp>
+        <p:nvSpPr>
+          <p:cNvPr id="250" name="Google Shape;250;p1"/>
+          <p:cNvSpPr txBox="1">
+            <a:spLocks noGrp="1"/>
+          </p:cNvSpPr>
+          <p:nvPr>
+            <p:ph type="title"/>
+          </p:nvPr>
+        </p:nvSpPr>
+        <p:spPr>
+          <a:xfrm>
+            <a:off x="838200" y="365125"/>
+            <a:ext cx="11014166" cy="1325563"/>
+          </a:xfrm>
+          <a:prstGeom prst="rect">
+            <a:avLst/>
+          </a:prstGeom>
+          <a:noFill/>
+          <a:ln>
+            <a:noFill/>
+          </a:ln>
+        </p:spPr>
+        <p:txBody>
+          <a:bodyPr spcFirstLastPara="1" wrap="square" lIns="91425" tIns="45700" rIns="91425" bIns="45700" anchor="ctr" anchorCtr="0">
+            <a:normAutofit/>
+          </a:bodyPr>
+          <a:lstStyle/>
+          <a:p>
+            <a:pPr marL="0" lvl="0" indent="0" algn="l" rtl="0">
+              <a:lnSpc>
+                <a:spcPct val="90000"/>
+              </a:lnSpc>
+              <a:spcBef>
+                <a:spcPts val="0"/>
+              </a:spcBef>
+              <a:spcAft>
+                <a:spcPts val="0"/>
+              </a:spcAft>
+              <a:buClr>
+                <a:schemeClr val="dk1"/>
+              </a:buClr>
+              <a:buSzPts val="4400"/>
+              <a:buFont typeface="Roboto Slab"/>
+              <a:buNone/>
+            </a:pPr>
+            <a:r>
+              <a:rPr lang="en-US" dirty="0"/>
+              <a:t>Principal Component Analysis</a:t>
+            </a:r>
+            <a:endParaRPr dirty="0"/>
+          </a:p>
+        </p:txBody>
+      </p:sp>
+      <p:sp>
+        <p:nvSpPr>
+          <p:cNvPr id="251" name="Google Shape;251;p1"/>
+          <p:cNvSpPr txBox="1">
+            <a:spLocks noGrp="1"/>
+          </p:cNvSpPr>
+          <p:nvPr>
+            <p:ph type="body" idx="1"/>
+          </p:nvPr>
+        </p:nvSpPr>
+        <p:spPr>
+          <a:xfrm>
+            <a:off x="940411" y="1805668"/>
+            <a:ext cx="11075633" cy="4351338"/>
+          </a:xfrm>
+          <a:prstGeom prst="rect">
+            <a:avLst/>
+          </a:prstGeom>
+          <a:noFill/>
+          <a:ln>
+            <a:noFill/>
+          </a:ln>
+        </p:spPr>
+        <p:txBody>
+          <a:bodyPr spcFirstLastPara="1" wrap="square" lIns="91425" tIns="45700" rIns="91425" bIns="45700" anchor="t" anchorCtr="0">
+            <a:normAutofit/>
+          </a:bodyPr>
+          <a:lstStyle/>
+          <a:p>
+            <a:pPr lvl="0" indent="-457200">
+              <a:spcBef>
+                <a:spcPts val="0"/>
+              </a:spcBef>
+              <a:buSzPts val="2800"/>
+              <a:buFont typeface="Wingdings" panose="05000000000000000000" pitchFamily="2" charset="2"/>
+              <a:buChar char="q"/>
+            </a:pPr>
+            <a:r>
+              <a:rPr lang="en-US" dirty="0">
+                <a:sym typeface="Libre Franklin"/>
+              </a:rPr>
+              <a:t>Total variance (“information”) is sum of individual variances</a:t>
+            </a:r>
+            <a:endParaRPr lang="en-US" dirty="0"/>
+          </a:p>
+          <a:p>
+            <a:pPr lvl="0" indent="-457200">
+              <a:spcBef>
+                <a:spcPts val="0"/>
+              </a:spcBef>
+              <a:buSzPts val="2800"/>
+              <a:buFont typeface="Wingdings" panose="05000000000000000000" pitchFamily="2" charset="2"/>
+              <a:buChar char="q"/>
+            </a:pPr>
+            <a:r>
+              <a:rPr lang="en-US" dirty="0">
+                <a:sym typeface="Libre Franklin"/>
+              </a:rPr>
+              <a:t>Calories accounts for 379.63/577 = 66% of information</a:t>
+            </a:r>
+            <a:endParaRPr lang="en-US" dirty="0"/>
+          </a:p>
+          <a:p>
+            <a:pPr lvl="0" indent="-457200">
+              <a:spcBef>
+                <a:spcPts val="0"/>
+              </a:spcBef>
+              <a:buSzPts val="2800"/>
+              <a:buFont typeface="Wingdings" panose="05000000000000000000" pitchFamily="2" charset="2"/>
+              <a:buChar char="q"/>
+            </a:pPr>
+            <a:r>
+              <a:rPr lang="en-US" dirty="0">
+                <a:sym typeface="Libre Franklin"/>
+              </a:rPr>
+              <a:t>34% of the variation information is contributed by Ratings</a:t>
+            </a:r>
+            <a:endParaRPr lang="en-US" dirty="0"/>
+          </a:p>
+          <a:p>
+            <a:pPr indent="-457200">
+              <a:spcBef>
+                <a:spcPts val="0"/>
+              </a:spcBef>
+              <a:buSzPts val="2800"/>
+              <a:buFont typeface="Wingdings" panose="05000000000000000000" pitchFamily="2" charset="2"/>
+              <a:buChar char="q"/>
+            </a:pPr>
+            <a:endParaRPr lang="en-US" dirty="0">
+              <a:sym typeface="Libre Franklin"/>
+            </a:endParaRPr>
+          </a:p>
+          <a:p>
+            <a:pPr marL="0" indent="0">
+              <a:spcBef>
+                <a:spcPts val="0"/>
+              </a:spcBef>
+              <a:buSzPts val="2800"/>
+              <a:buNone/>
+            </a:pPr>
+            <a:endParaRPr lang="en-US" dirty="0"/>
+          </a:p>
+        </p:txBody>
+      </p:sp>
+      <p:pic>
+        <p:nvPicPr>
+          <p:cNvPr id="2" name="Google Shape;222;p28">
+            <a:extLst>
+              <a:ext uri="{FF2B5EF4-FFF2-40B4-BE49-F238E27FC236}">
+                <a16:creationId xmlns:a16="http://schemas.microsoft.com/office/drawing/2014/main" id="{CDF4B9B6-D3B1-63C6-3B3E-BF15AE82E577}"/>
+              </a:ext>
+            </a:extLst>
+          </p:cNvPr>
+          <p:cNvPicPr preferRelativeResize="0">
+            <a:picLocks/>
+          </p:cNvPicPr>
+          <p:nvPr/>
+        </p:nvPicPr>
+        <p:blipFill rotWithShape="1">
+          <a:blip r:embed="rId3">
+            <a:alphaModFix/>
+          </a:blip>
+          <a:srcRect/>
+          <a:stretch/>
+        </p:blipFill>
+        <p:spPr bwMode="auto">
+          <a:xfrm>
+            <a:off x="940411" y="3768634"/>
+            <a:ext cx="5029202" cy="1134291"/>
+          </a:xfrm>
+          <a:prstGeom prst="rect">
+            <a:avLst/>
+          </a:prstGeom>
+          <a:noFill/>
+          <a:ln>
+            <a:noFill/>
+          </a:ln>
+          <a:extLst>
+            <a:ext uri="{909E8E84-426E-40DD-AFC4-6F175D3DCCD1}">
+              <a14:hiddenFill xmlns:a14="http://schemas.microsoft.com/office/drawing/2010/main">
+                <a:solidFill>
+                  <a:srgbClr val="FFFFFF"/>
+                </a:solidFill>
+              </a14:hiddenFill>
+            </a:ext>
+            <a:ext uri="{91240B29-F687-4F45-9708-019B960494DF}">
+              <a14:hiddenLine xmlns:a14="http://schemas.microsoft.com/office/drawing/2010/main" w="9525">
+                <a:solidFill>
+                  <a:srgbClr val="000000"/>
+                </a:solidFill>
+                <a:miter lim="800000"/>
+                <a:headEnd/>
+                <a:tailEnd/>
+              </a14:hiddenLine>
+            </a:ext>
+          </a:extLst>
+        </p:spPr>
+      </p:pic>
+    </p:spTree>
+    <p:extLst>
+      <p:ext uri="{BB962C8B-B14F-4D97-AF65-F5344CB8AC3E}">
+        <p14:creationId xmlns:p14="http://schemas.microsoft.com/office/powerpoint/2010/main" val="540515327"/>
+      </p:ext>
+    </p:extLst>
+  </p:cSld>
+  <p:clrMapOvr>
+    <a:masterClrMapping/>
+  </p:clrMapOvr>
+</p:sld>
+</file>
+
+<file path=ppt/slides/slide23.xml><?xml version="1.0" encoding="utf-8"?>
+<p:sld xmlns:a="http://schemas.openxmlformats.org/drawingml/2006/main" xmlns:r="http://schemas.openxmlformats.org/officeDocument/2006/relationships" xmlns:p="http://schemas.openxmlformats.org/presentationml/2006/main">
+  <p:cSld>
+    <p:spTree>
+      <p:nvGrpSpPr>
+        <p:cNvPr id="1" name="Shape 249"/>
+        <p:cNvGrpSpPr/>
+        <p:nvPr/>
+      </p:nvGrpSpPr>
+      <p:grpSpPr>
+        <a:xfrm>
+          <a:off x="0" y="0"/>
+          <a:ext cx="0" cy="0"/>
+          <a:chOff x="0" y="0"/>
+          <a:chExt cx="0" cy="0"/>
+        </a:xfrm>
+      </p:grpSpPr>
+      <p:sp>
+        <p:nvSpPr>
+          <p:cNvPr id="250" name="Google Shape;250;p1"/>
+          <p:cNvSpPr txBox="1">
+            <a:spLocks noGrp="1"/>
+          </p:cNvSpPr>
+          <p:nvPr>
+            <p:ph type="title"/>
+          </p:nvPr>
+        </p:nvSpPr>
+        <p:spPr>
+          <a:xfrm>
+            <a:off x="838200" y="365125"/>
+            <a:ext cx="11014166" cy="1325563"/>
+          </a:xfrm>
+          <a:prstGeom prst="rect">
+            <a:avLst/>
+          </a:prstGeom>
+          <a:noFill/>
+          <a:ln>
+            <a:noFill/>
+          </a:ln>
+        </p:spPr>
+        <p:txBody>
+          <a:bodyPr spcFirstLastPara="1" wrap="square" lIns="91425" tIns="45700" rIns="91425" bIns="45700" anchor="ctr" anchorCtr="0">
+            <a:normAutofit/>
+          </a:bodyPr>
+          <a:lstStyle/>
+          <a:p>
+            <a:pPr marL="0" lvl="0" indent="0" algn="l" rtl="0">
+              <a:lnSpc>
+                <a:spcPct val="90000"/>
+              </a:lnSpc>
+              <a:spcBef>
+                <a:spcPts val="0"/>
+              </a:spcBef>
+              <a:spcAft>
+                <a:spcPts val="0"/>
+              </a:spcAft>
+              <a:buClr>
+                <a:schemeClr val="dk1"/>
+              </a:buClr>
+              <a:buSzPts val="4400"/>
+              <a:buFont typeface="Roboto Slab"/>
+              <a:buNone/>
+            </a:pPr>
+            <a:r>
+              <a:rPr lang="en-US" dirty="0"/>
+              <a:t>Principal Component Analysis</a:t>
+            </a:r>
+            <a:endParaRPr dirty="0"/>
+          </a:p>
+        </p:txBody>
+      </p:sp>
+      <p:sp>
+        <p:nvSpPr>
+          <p:cNvPr id="251" name="Google Shape;251;p1"/>
+          <p:cNvSpPr txBox="1">
+            <a:spLocks noGrp="1"/>
+          </p:cNvSpPr>
+          <p:nvPr>
+            <p:ph type="body" idx="1"/>
+          </p:nvPr>
+        </p:nvSpPr>
+        <p:spPr>
+          <a:xfrm>
+            <a:off x="940411" y="1805668"/>
+            <a:ext cx="11075633" cy="4351338"/>
+          </a:xfrm>
+          <a:prstGeom prst="rect">
+            <a:avLst/>
+          </a:prstGeom>
+          <a:noFill/>
+          <a:ln>
+            <a:noFill/>
+          </a:ln>
+        </p:spPr>
+        <p:txBody>
+          <a:bodyPr spcFirstLastPara="1" wrap="square" lIns="91425" tIns="45700" rIns="91425" bIns="45700" anchor="t" anchorCtr="0">
+            <a:normAutofit/>
+          </a:bodyPr>
+          <a:lstStyle/>
+          <a:p>
+            <a:pPr indent="-457200">
+              <a:spcBef>
+                <a:spcPts val="0"/>
+              </a:spcBef>
+              <a:buSzPts val="2800"/>
+              <a:buFont typeface="Wingdings" panose="05000000000000000000" pitchFamily="2" charset="2"/>
+              <a:buChar char="q"/>
+            </a:pPr>
+            <a:r>
               <a:rPr lang="en-US" dirty="0">
                 <a:sym typeface="Libre Franklin"/>
               </a:rPr>
@@ -9471,7 +11530,7 @@
 </p:sld>
 </file>
 
-<file path=ppt/slides/slide17.xml><?xml version="1.0" encoding="utf-8"?>
+<file path=ppt/slides/slide24.xml><?xml version="1.0" encoding="utf-8"?>
 <p:sld xmlns:a="http://schemas.openxmlformats.org/drawingml/2006/main" xmlns:r="http://schemas.openxmlformats.org/officeDocument/2006/relationships" xmlns:p="http://schemas.openxmlformats.org/presentationml/2006/main">
   <p:cSld>
     <p:spTree>
@@ -9555,7 +11614,7 @@
 </p:sld>
 </file>
 
-<file path=ppt/slides/slide18.xml><?xml version="1.0" encoding="utf-8"?>
+<file path=ppt/slides/slide25.xml><?xml version="1.0" encoding="utf-8"?>
 <p:sld xmlns:a="http://schemas.openxmlformats.org/drawingml/2006/main" xmlns:r="http://schemas.openxmlformats.org/officeDocument/2006/relationships" xmlns:p="http://schemas.openxmlformats.org/presentationml/2006/main">
   <p:cSld>
     <p:spTree>
@@ -10150,7 +12209,7 @@
 </p:sld>
 </file>
 
-<file path=ppt/slides/slide19.xml><?xml version="1.0" encoding="utf-8"?>
+<file path=ppt/slides/slide26.xml><?xml version="1.0" encoding="utf-8"?>
 <p:sld xmlns:a="http://schemas.openxmlformats.org/drawingml/2006/main" xmlns:r="http://schemas.openxmlformats.org/officeDocument/2006/relationships" xmlns:p="http://schemas.openxmlformats.org/presentationml/2006/main">
   <p:cSld>
     <p:spTree>
@@ -10234,116 +12293,7 @@
 </p:sld>
 </file>
 
-<file path=ppt/slides/slide2.xml><?xml version="1.0" encoding="utf-8"?>
-<p:sld xmlns:a="http://schemas.openxmlformats.org/drawingml/2006/main" xmlns:r="http://schemas.openxmlformats.org/officeDocument/2006/relationships" xmlns:p="http://schemas.openxmlformats.org/presentationml/2006/main">
-  <p:cSld>
-    <p:spTree>
-      <p:nvGrpSpPr>
-        <p:cNvPr id="1" name="Shape 303"/>
-        <p:cNvGrpSpPr/>
-        <p:nvPr/>
-      </p:nvGrpSpPr>
-      <p:grpSpPr>
-        <a:xfrm>
-          <a:off x="0" y="0"/>
-          <a:ext cx="0" cy="0"/>
-          <a:chOff x="0" y="0"/>
-          <a:chExt cx="0" cy="0"/>
-        </a:xfrm>
-      </p:grpSpPr>
-      <p:sp>
-        <p:nvSpPr>
-          <p:cNvPr id="304" name="Google Shape;304;p9"/>
-          <p:cNvSpPr txBox="1">
-            <a:spLocks noGrp="1"/>
-          </p:cNvSpPr>
-          <p:nvPr>
-            <p:ph type="ctrTitle"/>
-          </p:nvPr>
-        </p:nvSpPr>
-        <p:spPr>
-          <a:xfrm>
-            <a:off x="878652" y="2452388"/>
-            <a:ext cx="10224778" cy="1501403"/>
-          </a:xfrm>
-          <a:prstGeom prst="rect">
-            <a:avLst/>
-          </a:prstGeom>
-          <a:noFill/>
-          <a:ln>
-            <a:noFill/>
-          </a:ln>
-        </p:spPr>
-        <p:txBody>
-          <a:bodyPr spcFirstLastPara="1" wrap="square" lIns="91425" tIns="45700" rIns="91425" bIns="45700" anchor="b" anchorCtr="0">
-            <a:normAutofit/>
-          </a:bodyPr>
-          <a:lstStyle/>
-          <a:p>
-            <a:pPr marL="0" lvl="0" indent="0" algn="ctr" rtl="0">
-              <a:lnSpc>
-                <a:spcPct val="90000"/>
-              </a:lnSpc>
-              <a:spcBef>
-                <a:spcPts val="0"/>
-              </a:spcBef>
-              <a:spcAft>
-                <a:spcPts val="0"/>
-              </a:spcAft>
-              <a:buClr>
-                <a:schemeClr val="dk1"/>
-              </a:buClr>
-              <a:buSzPts val="4800"/>
-              <a:buFont typeface="Roboto Slab"/>
-              <a:buNone/>
-            </a:pPr>
-            <a:r>
-              <a:rPr lang="en-US" dirty="0"/>
-              <a:t>Reducing Dimensionality for Numeric Variables</a:t>
-            </a:r>
-            <a:endParaRPr dirty="0"/>
-          </a:p>
-        </p:txBody>
-      </p:sp>
-      <p:pic>
-        <p:nvPicPr>
-          <p:cNvPr id="5" name="Picture 4">
-            <a:extLst>
-              <a:ext uri="{FF2B5EF4-FFF2-40B4-BE49-F238E27FC236}">
-                <a16:creationId xmlns:a16="http://schemas.microsoft.com/office/drawing/2014/main" id="{B685BD4F-166C-F898-D052-42AD8647992A}"/>
-              </a:ext>
-            </a:extLst>
-          </p:cNvPr>
-          <p:cNvPicPr>
-            <a:picLocks noChangeAspect="1"/>
-          </p:cNvPicPr>
-          <p:nvPr/>
-        </p:nvPicPr>
-        <p:blipFill>
-          <a:blip r:embed="rId3"/>
-          <a:stretch>
-            <a:fillRect/>
-          </a:stretch>
-        </p:blipFill>
-        <p:spPr>
-          <a:xfrm>
-            <a:off x="4606412" y="4325431"/>
-            <a:ext cx="2613415" cy="2286207"/>
-          </a:xfrm>
-          <a:prstGeom prst="rect">
-            <a:avLst/>
-          </a:prstGeom>
-        </p:spPr>
-      </p:pic>
-    </p:spTree>
-  </p:cSld>
-  <p:clrMapOvr>
-    <a:masterClrMapping/>
-  </p:clrMapOvr>
-</p:sld>
-</file>
-
-<file path=ppt/slides/slide20.xml><?xml version="1.0" encoding="utf-8"?>
+<file path=ppt/slides/slide27.xml><?xml version="1.0" encoding="utf-8"?>
 <p:sld xmlns:a="http://schemas.openxmlformats.org/drawingml/2006/main" xmlns:r="http://schemas.openxmlformats.org/officeDocument/2006/relationships" xmlns:p="http://schemas.openxmlformats.org/presentationml/2006/main">
   <p:cSld>
     <p:spTree>
@@ -10746,7 +12696,7 @@
 </p:sld>
 </file>
 
-<file path=ppt/slides/slide21.xml><?xml version="1.0" encoding="utf-8"?>
+<file path=ppt/slides/slide28.xml><?xml version="1.0" encoding="utf-8"?>
 <p:sld xmlns:a="http://schemas.openxmlformats.org/drawingml/2006/main" xmlns:r="http://schemas.openxmlformats.org/officeDocument/2006/relationships" xmlns:p="http://schemas.openxmlformats.org/presentationml/2006/main">
   <p:cSld>
     <p:spTree>
@@ -10947,7 +12897,7 @@
 </p:sld>
 </file>
 
-<file path=ppt/slides/slide22.xml><?xml version="1.0" encoding="utf-8"?>
+<file path=ppt/slides/slide29.xml><?xml version="1.0" encoding="utf-8"?>
 <p:sld xmlns:a="http://schemas.openxmlformats.org/drawingml/2006/main" xmlns:r="http://schemas.openxmlformats.org/officeDocument/2006/relationships" xmlns:p="http://schemas.openxmlformats.org/presentationml/2006/main">
   <p:cSld>
     <p:spTree>
@@ -11416,7 +13366,7 @@
   <p:cSld>
     <p:spTree>
       <p:nvGrpSpPr>
-        <p:cNvPr id="1" name="Shape 249"/>
+        <p:cNvPr id="1" name="Shape 315"/>
         <p:cNvGrpSpPr/>
         <p:nvPr/>
       </p:nvGrpSpPr>
@@ -11430,18 +13380,18 @@
       </p:grpSpPr>
       <p:sp>
         <p:nvSpPr>
-          <p:cNvPr id="250" name="Google Shape;250;p1"/>
+          <p:cNvPr id="316" name="Google Shape;316;p11"/>
           <p:cNvSpPr txBox="1">
             <a:spLocks noGrp="1"/>
           </p:cNvSpPr>
           <p:nvPr>
-            <p:ph type="title"/>
+            <p:ph type="ctrTitle"/>
           </p:nvPr>
         </p:nvSpPr>
         <p:spPr>
           <a:xfrm>
-            <a:off x="838200" y="365125"/>
-            <a:ext cx="11014166" cy="1325563"/>
+            <a:off x="1524000" y="2971059"/>
+            <a:ext cx="9144000" cy="1501403"/>
           </a:xfrm>
           <a:prstGeom prst="rect">
             <a:avLst/>
@@ -11452,12 +13402,12 @@
           </a:ln>
         </p:spPr>
         <p:txBody>
-          <a:bodyPr spcFirstLastPara="1" wrap="square" lIns="91425" tIns="45700" rIns="91425" bIns="45700" anchor="ctr" anchorCtr="0">
+          <a:bodyPr spcFirstLastPara="1" wrap="square" lIns="91425" tIns="45700" rIns="91425" bIns="45700" anchor="b" anchorCtr="0">
             <a:normAutofit/>
           </a:bodyPr>
           <a:lstStyle/>
           <a:p>
-            <a:pPr marL="0" lvl="0" indent="0" algn="l" rtl="0">
+            <a:pPr marL="0" lvl="0" indent="0" algn="ctr" rtl="0">
               <a:lnSpc>
                 <a:spcPct val="90000"/>
               </a:lnSpc>
@@ -11468,155 +13418,24 @@
                 <a:spcPts val="0"/>
               </a:spcAft>
               <a:buClr>
-                <a:schemeClr val="dk1"/>
+                <a:schemeClr val="accent6"/>
               </a:buClr>
-              <a:buSzPts val="4400"/>
+              <a:buSzPts val="4800"/>
               <a:buFont typeface="Roboto Slab"/>
               <a:buNone/>
             </a:pPr>
             <a:r>
               <a:rPr lang="en-US" dirty="0"/>
-              <a:t>Principal Component Analysis</a:t>
+              <a:t>Python</a:t>
             </a:r>
             <a:endParaRPr dirty="0"/>
           </a:p>
         </p:txBody>
       </p:sp>
-      <p:sp>
-        <p:nvSpPr>
-          <p:cNvPr id="251" name="Google Shape;251;p1"/>
-          <p:cNvSpPr txBox="1">
-            <a:spLocks noGrp="1"/>
-          </p:cNvSpPr>
-          <p:nvPr>
-            <p:ph type="body" idx="1"/>
-          </p:nvPr>
-        </p:nvSpPr>
-        <p:spPr>
-          <a:xfrm>
-            <a:off x="940411" y="1805668"/>
-            <a:ext cx="11075633" cy="4351338"/>
-          </a:xfrm>
-          <a:prstGeom prst="rect">
-            <a:avLst/>
-          </a:prstGeom>
-          <a:noFill/>
-          <a:ln>
-            <a:noFill/>
-          </a:ln>
-        </p:spPr>
-        <p:txBody>
-          <a:bodyPr spcFirstLastPara="1" wrap="square" lIns="91425" tIns="45700" rIns="91425" bIns="45700" anchor="t" anchorCtr="0">
-            <a:normAutofit/>
-          </a:bodyPr>
-          <a:lstStyle/>
-          <a:p>
-            <a:pPr indent="-457200">
-              <a:spcBef>
-                <a:spcPts val="0"/>
-              </a:spcBef>
-              <a:buSzPts val="2800"/>
-              <a:buFont typeface="Wingdings" panose="05000000000000000000" pitchFamily="2" charset="2"/>
-              <a:buChar char="q"/>
-            </a:pPr>
-            <a:r>
-              <a:rPr lang="en-US" dirty="0"/>
-              <a:t>Used to remove redundancy (high collinearity) of predictors</a:t>
-            </a:r>
-          </a:p>
-          <a:p>
-            <a:pPr indent="-457200">
-              <a:spcBef>
-                <a:spcPts val="0"/>
-              </a:spcBef>
-              <a:buSzPts val="2800"/>
-              <a:buFont typeface="Wingdings" panose="05000000000000000000" pitchFamily="2" charset="2"/>
-              <a:buChar char="q"/>
-            </a:pPr>
-            <a:r>
-              <a:rPr lang="en-US" dirty="0">
-                <a:sym typeface="Libre Franklin"/>
-              </a:rPr>
-              <a:t>Based on covariance and variance </a:t>
-            </a:r>
-          </a:p>
-          <a:p>
-            <a:pPr indent="-457200">
-              <a:spcBef>
-                <a:spcPts val="0"/>
-              </a:spcBef>
-              <a:buSzPts val="2800"/>
-              <a:buFont typeface="Wingdings" panose="05000000000000000000" pitchFamily="2" charset="2"/>
-              <a:buChar char="q"/>
-            </a:pPr>
-            <a:endParaRPr lang="en-US" dirty="0">
-              <a:sym typeface="Libre Franklin"/>
-            </a:endParaRPr>
-          </a:p>
-          <a:p>
-            <a:pPr indent="-457200">
-              <a:spcBef>
-                <a:spcPts val="0"/>
-              </a:spcBef>
-              <a:buSzPts val="2800"/>
-              <a:buFont typeface="Wingdings" panose="05000000000000000000" pitchFamily="2" charset="2"/>
-              <a:buChar char="q"/>
-            </a:pPr>
-            <a:endParaRPr lang="en-US" dirty="0"/>
-          </a:p>
-        </p:txBody>
-      </p:sp>
-      <p:pic>
-        <p:nvPicPr>
-          <p:cNvPr id="2" name="Picture 2" descr="Principal Component Analysis (PCA) Explained Visually with Zero Math | by  Casey Cheng | Towards Data Science">
-            <a:extLst>
-              <a:ext uri="{FF2B5EF4-FFF2-40B4-BE49-F238E27FC236}">
-                <a16:creationId xmlns:a16="http://schemas.microsoft.com/office/drawing/2014/main" id="{DE8E73F1-48F5-A2C7-5590-FA04FFD4A9E3}"/>
-              </a:ext>
-            </a:extLst>
-          </p:cNvPr>
-          <p:cNvPicPr>
-            <a:picLocks noChangeAspect="1" noChangeArrowheads="1"/>
-          </p:cNvPicPr>
-          <p:nvPr/>
-        </p:nvPicPr>
-        <p:blipFill>
-          <a:blip r:embed="rId3">
-            <a:extLst>
-              <a:ext uri="{28A0092B-C50C-407E-A947-70E740481C1C}">
-                <a14:useLocalDpi xmlns:a14="http://schemas.microsoft.com/office/drawing/2010/main" val="0"/>
-              </a:ext>
-            </a:extLst>
-          </a:blip>
-          <a:srcRect/>
-          <a:stretch>
-            <a:fillRect/>
-          </a:stretch>
-        </p:blipFill>
-        <p:spPr bwMode="auto">
-          <a:xfrm>
-            <a:off x="711807" y="2737339"/>
-            <a:ext cx="5029886" cy="3755536"/>
-          </a:xfrm>
-          <a:prstGeom prst="rect">
-            <a:avLst/>
-          </a:prstGeom>
-          <a:noFill/>
-          <a:extLst>
-            <a:ext uri="{909E8E84-426E-40DD-AFC4-6F175D3DCCD1}">
-              <a14:hiddenFill xmlns:a14="http://schemas.microsoft.com/office/drawing/2010/main">
-                <a:solidFill>
-                  <a:srgbClr val="FFFFFF"/>
-                </a:solidFill>
-              </a14:hiddenFill>
-            </a:ext>
-          </a:extLst>
-        </p:spPr>
-      </p:pic>
     </p:spTree>
     <p:extLst>
       <p:ext uri="{BB962C8B-B14F-4D97-AF65-F5344CB8AC3E}">
-        <p14:creationId xmlns:p14="http://schemas.microsoft.com/office/powerpoint/2010/main" val="3294802757"/>
+        <p14:creationId xmlns:p14="http://schemas.microsoft.com/office/powerpoint/2010/main" val="1286610507"/>
       </p:ext>
     </p:extLst>
   </p:cSld>
@@ -11655,8 +13474,8 @@
         </p:nvSpPr>
         <p:spPr>
           <a:xfrm>
-            <a:off x="838200" y="365125"/>
-            <a:ext cx="11014166" cy="1325563"/>
+            <a:off x="838199" y="365125"/>
+            <a:ext cx="10904989" cy="1325563"/>
           </a:xfrm>
           <a:prstGeom prst="rect">
             <a:avLst/>
@@ -11691,102 +13510,18 @@
             </a:pPr>
             <a:r>
               <a:rPr lang="en-US" dirty="0"/>
-              <a:t>Principal Component Analysis</a:t>
+              <a:t>Reducing Redundancy in Numeric Vars</a:t>
             </a:r>
             <a:endParaRPr dirty="0"/>
-          </a:p>
-        </p:txBody>
-      </p:sp>
-      <p:sp>
-        <p:nvSpPr>
-          <p:cNvPr id="251" name="Google Shape;251;p1"/>
-          <p:cNvSpPr txBox="1">
-            <a:spLocks noGrp="1"/>
-          </p:cNvSpPr>
-          <p:nvPr>
-            <p:ph type="body" idx="1"/>
-          </p:nvPr>
-        </p:nvSpPr>
-        <p:spPr>
-          <a:xfrm>
-            <a:off x="940411" y="1805668"/>
-            <a:ext cx="11075633" cy="4351338"/>
-          </a:xfrm>
-          <a:prstGeom prst="rect">
-            <a:avLst/>
-          </a:prstGeom>
-          <a:noFill/>
-          <a:ln>
-            <a:noFill/>
-          </a:ln>
-        </p:spPr>
-        <p:txBody>
-          <a:bodyPr spcFirstLastPara="1" wrap="square" lIns="91425" tIns="45700" rIns="91425" bIns="45700" anchor="t" anchorCtr="0">
-            <a:normAutofit/>
-          </a:bodyPr>
-          <a:lstStyle/>
-          <a:p>
-            <a:pPr indent="-457200">
-              <a:spcBef>
-                <a:spcPts val="0"/>
-              </a:spcBef>
-              <a:buSzPts val="2800"/>
-              <a:buFont typeface="Wingdings" panose="05000000000000000000" pitchFamily="2" charset="2"/>
-              <a:buChar char="q"/>
-            </a:pPr>
-            <a:r>
-              <a:rPr lang="en-US" dirty="0"/>
-              <a:t>Variance is an estimate of variability</a:t>
-            </a:r>
-          </a:p>
-          <a:p>
-            <a:pPr indent="-457200">
-              <a:spcBef>
-                <a:spcPts val="0"/>
-              </a:spcBef>
-              <a:buSzPts val="2800"/>
-              <a:buFont typeface="Wingdings" panose="05000000000000000000" pitchFamily="2" charset="2"/>
-              <a:buChar char="q"/>
-            </a:pPr>
-            <a:r>
-              <a:rPr lang="en-US" dirty="0">
-                <a:sym typeface="Libre Franklin"/>
-              </a:rPr>
-              <a:t>More variability implies more information</a:t>
-            </a:r>
-          </a:p>
-          <a:p>
-            <a:pPr indent="-457200">
-              <a:spcBef>
-                <a:spcPts val="0"/>
-              </a:spcBef>
-              <a:buSzPts val="2800"/>
-              <a:buFont typeface="Wingdings" panose="05000000000000000000" pitchFamily="2" charset="2"/>
-              <a:buChar char="q"/>
-            </a:pPr>
-            <a:endParaRPr lang="en-US" dirty="0">
-              <a:sym typeface="Libre Franklin"/>
-            </a:endParaRPr>
-          </a:p>
-          <a:p>
-            <a:pPr indent="-457200">
-              <a:spcBef>
-                <a:spcPts val="0"/>
-              </a:spcBef>
-              <a:buSzPts val="2800"/>
-              <a:buFont typeface="Wingdings" panose="05000000000000000000" pitchFamily="2" charset="2"/>
-              <a:buChar char="q"/>
-            </a:pPr>
-            <a:endParaRPr lang="en-US" dirty="0"/>
           </a:p>
         </p:txBody>
       </p:sp>
       <p:pic>
         <p:nvPicPr>
-          <p:cNvPr id="6146" name="Picture 2" descr="Interpretation of Covariance, Covariance Matrix and Eigenvalues | Towards  Data Science">
+          <p:cNvPr id="1026" name="Picture 2">
             <a:extLst>
               <a:ext uri="{FF2B5EF4-FFF2-40B4-BE49-F238E27FC236}">
-                <a16:creationId xmlns:a16="http://schemas.microsoft.com/office/drawing/2014/main" id="{548D850D-C323-5A0B-19B5-815BDEEF7371}"/>
+                <a16:creationId xmlns:a16="http://schemas.microsoft.com/office/drawing/2014/main" id="{1787BA6A-61AC-4495-A8D6-D9A336493EAC}"/>
               </a:ext>
             </a:extLst>
           </p:cNvPr>
@@ -11795,7 +13530,7 @@
           </p:cNvPicPr>
           <p:nvPr/>
         </p:nvPicPr>
-        <p:blipFill rotWithShape="1">
+        <p:blipFill>
           <a:blip r:embed="rId3">
             <a:extLst>
               <a:ext uri="{28A0092B-C50C-407E-A947-70E740481C1C}">
@@ -11803,13 +13538,15 @@
               </a:ext>
             </a:extLst>
           </a:blip>
-          <a:srcRect l="54341" t="35697" r="3215" b="25192"/>
-          <a:stretch/>
+          <a:srcRect/>
+          <a:stretch>
+            <a:fillRect/>
+          </a:stretch>
         </p:blipFill>
         <p:spPr bwMode="auto">
           <a:xfrm>
-            <a:off x="940411" y="2969624"/>
-            <a:ext cx="4437724" cy="1445622"/>
+            <a:off x="949585" y="1456180"/>
+            <a:ext cx="4570334" cy="5036695"/>
           </a:xfrm>
           <a:prstGeom prst="rect">
             <a:avLst/>
@@ -11829,7 +13566,7 @@
     </p:spTree>
     <p:extLst>
       <p:ext uri="{BB962C8B-B14F-4D97-AF65-F5344CB8AC3E}">
-        <p14:creationId xmlns:p14="http://schemas.microsoft.com/office/powerpoint/2010/main" val="1396921207"/>
+        <p14:creationId xmlns:p14="http://schemas.microsoft.com/office/powerpoint/2010/main" val="1437546846"/>
       </p:ext>
     </p:extLst>
   </p:cSld>
@@ -11868,8 +13605,8 @@
         </p:nvSpPr>
         <p:spPr>
           <a:xfrm>
-            <a:off x="838200" y="365125"/>
-            <a:ext cx="11014166" cy="1325563"/>
+            <a:off x="838199" y="365125"/>
+            <a:ext cx="10904989" cy="1325563"/>
           </a:xfrm>
           <a:prstGeom prst="rect">
             <a:avLst/>
@@ -11904,138 +13641,63 @@
             </a:pPr>
             <a:r>
               <a:rPr lang="en-US" dirty="0"/>
-              <a:t>Principal Component Analysis</a:t>
+              <a:t>Reducing Redundancy in Numeric Vars</a:t>
             </a:r>
             <a:endParaRPr dirty="0"/>
-          </a:p>
-        </p:txBody>
-      </p:sp>
-      <p:sp>
-        <p:nvSpPr>
-          <p:cNvPr id="251" name="Google Shape;251;p1"/>
-          <p:cNvSpPr txBox="1">
-            <a:spLocks noGrp="1"/>
-          </p:cNvSpPr>
-          <p:nvPr>
-            <p:ph type="body" idx="1"/>
-          </p:nvPr>
-        </p:nvSpPr>
-        <p:spPr>
-          <a:xfrm>
-            <a:off x="940411" y="1805668"/>
-            <a:ext cx="11075633" cy="4351338"/>
-          </a:xfrm>
-          <a:prstGeom prst="rect">
-            <a:avLst/>
-          </a:prstGeom>
-          <a:noFill/>
-          <a:ln>
-            <a:noFill/>
-          </a:ln>
-        </p:spPr>
-        <p:txBody>
-          <a:bodyPr spcFirstLastPara="1" wrap="square" lIns="91425" tIns="45700" rIns="91425" bIns="45700" anchor="t" anchorCtr="0">
-            <a:normAutofit/>
-          </a:bodyPr>
-          <a:lstStyle/>
-          <a:p>
-            <a:pPr indent="-457200">
-              <a:spcBef>
-                <a:spcPts val="0"/>
-              </a:spcBef>
-              <a:buSzPts val="2800"/>
-              <a:buFont typeface="Wingdings" panose="05000000000000000000" pitchFamily="2" charset="2"/>
-              <a:buChar char="q"/>
-            </a:pPr>
-            <a:r>
-              <a:rPr lang="en-US" dirty="0"/>
-              <a:t>Covariance is an estimate of joint variability of </a:t>
-            </a:r>
-            <a:r>
-              <a:rPr lang="en-US" b="1" u="sng" dirty="0"/>
-              <a:t>two</a:t>
-            </a:r>
-            <a:r>
-              <a:rPr lang="en-US" dirty="0"/>
-              <a:t> variables</a:t>
-            </a:r>
-          </a:p>
-          <a:p>
-            <a:pPr indent="-457200">
-              <a:spcBef>
-                <a:spcPts val="0"/>
-              </a:spcBef>
-              <a:buSzPts val="2800"/>
-              <a:buFont typeface="Wingdings" panose="05000000000000000000" pitchFamily="2" charset="2"/>
-              <a:buChar char="q"/>
-            </a:pPr>
-            <a:r>
-              <a:rPr lang="en-US" dirty="0">
-                <a:sym typeface="Libre Franklin"/>
-              </a:rPr>
-              <a:t>Higher covariance implies a higher relationship between vars</a:t>
-            </a:r>
-          </a:p>
-          <a:p>
-            <a:pPr indent="-457200">
-              <a:spcBef>
-                <a:spcPts val="0"/>
-              </a:spcBef>
-              <a:buSzPts val="2800"/>
-              <a:buFont typeface="Wingdings" panose="05000000000000000000" pitchFamily="2" charset="2"/>
-              <a:buChar char="q"/>
-            </a:pPr>
-            <a:endParaRPr lang="en-US" dirty="0">
-              <a:sym typeface="Libre Franklin"/>
-            </a:endParaRPr>
-          </a:p>
-          <a:p>
-            <a:pPr indent="-457200">
-              <a:spcBef>
-                <a:spcPts val="0"/>
-              </a:spcBef>
-              <a:buSzPts val="2800"/>
-              <a:buFont typeface="Wingdings" panose="05000000000000000000" pitchFamily="2" charset="2"/>
-              <a:buChar char="q"/>
-            </a:pPr>
-            <a:endParaRPr lang="en-US" dirty="0"/>
           </a:p>
         </p:txBody>
       </p:sp>
       <p:pic>
         <p:nvPicPr>
-          <p:cNvPr id="5" name="Picture 4">
+          <p:cNvPr id="1026" name="Picture 2">
             <a:extLst>
               <a:ext uri="{FF2B5EF4-FFF2-40B4-BE49-F238E27FC236}">
-                <a16:creationId xmlns:a16="http://schemas.microsoft.com/office/drawing/2014/main" id="{AAD82D04-B86E-BE24-0A53-9043F90FAC4F}"/>
+                <a16:creationId xmlns:a16="http://schemas.microsoft.com/office/drawing/2014/main" id="{1787BA6A-61AC-4495-A8D6-D9A336493EAC}"/>
               </a:ext>
             </a:extLst>
           </p:cNvPr>
           <p:cNvPicPr>
-            <a:picLocks noChangeAspect="1"/>
+            <a:picLocks noChangeAspect="1" noChangeArrowheads="1"/>
           </p:cNvPicPr>
           <p:nvPr/>
         </p:nvPicPr>
         <p:blipFill>
-          <a:blip r:embed="rId3"/>
+          <a:blip r:embed="rId3">
+            <a:extLst>
+              <a:ext uri="{28A0092B-C50C-407E-A947-70E740481C1C}">
+                <a14:useLocalDpi xmlns:a14="http://schemas.microsoft.com/office/drawing/2010/main" val="0"/>
+              </a:ext>
+            </a:extLst>
+          </a:blip>
+          <a:srcRect/>
           <a:stretch>
             <a:fillRect/>
           </a:stretch>
         </p:blipFill>
-        <p:spPr>
-          <a:xfrm>
-            <a:off x="1123587" y="3052898"/>
-            <a:ext cx="4737100" cy="1257300"/>
+        <p:spPr bwMode="auto">
+          <a:xfrm>
+            <a:off x="949585" y="1456180"/>
+            <a:ext cx="4570334" cy="5036695"/>
           </a:xfrm>
           <a:prstGeom prst="rect">
             <a:avLst/>
           </a:prstGeom>
+          <a:noFill/>
+          <a:extLst>
+            <a:ext uri="{909E8E84-426E-40DD-AFC4-6F175D3DCCD1}">
+              <a14:hiddenFill xmlns:a14="http://schemas.microsoft.com/office/drawing/2010/main">
+                <a:solidFill>
+                  <a:srgbClr val="FFFFFF"/>
+                </a:solidFill>
+              </a14:hiddenFill>
+            </a:ext>
+          </a:extLst>
         </p:spPr>
       </p:pic>
     </p:spTree>
     <p:extLst>
       <p:ext uri="{BB962C8B-B14F-4D97-AF65-F5344CB8AC3E}">
-        <p14:creationId xmlns:p14="http://schemas.microsoft.com/office/powerpoint/2010/main" val="2630921567"/>
+        <p14:creationId xmlns:p14="http://schemas.microsoft.com/office/powerpoint/2010/main" val="1602081581"/>
       </p:ext>
     </p:extLst>
   </p:cSld>
@@ -12074,8 +13736,8 @@
         </p:nvSpPr>
         <p:spPr>
           <a:xfrm>
-            <a:off x="838200" y="365125"/>
-            <a:ext cx="11014166" cy="1325563"/>
+            <a:off x="838199" y="365125"/>
+            <a:ext cx="10904989" cy="1325563"/>
           </a:xfrm>
           <a:prstGeom prst="rect">
             <a:avLst/>
@@ -12110,117 +13772,61 @@
             </a:pPr>
             <a:r>
               <a:rPr lang="en-US" dirty="0"/>
-              <a:t>Principal Component Analysis</a:t>
+              <a:t>Selecting Variables (Var Importance)</a:t>
             </a:r>
             <a:endParaRPr dirty="0"/>
-          </a:p>
-        </p:txBody>
-      </p:sp>
-      <p:sp>
-        <p:nvSpPr>
-          <p:cNvPr id="251" name="Google Shape;251;p1"/>
-          <p:cNvSpPr txBox="1">
-            <a:spLocks noGrp="1"/>
-          </p:cNvSpPr>
-          <p:nvPr>
-            <p:ph type="body" idx="1"/>
-          </p:nvPr>
-        </p:nvSpPr>
-        <p:spPr>
-          <a:xfrm>
-            <a:off x="940411" y="1805668"/>
-            <a:ext cx="11075633" cy="4351338"/>
-          </a:xfrm>
-          <a:prstGeom prst="rect">
-            <a:avLst/>
-          </a:prstGeom>
-          <a:noFill/>
-          <a:ln>
-            <a:noFill/>
-          </a:ln>
-        </p:spPr>
-        <p:txBody>
-          <a:bodyPr spcFirstLastPara="1" wrap="square" lIns="91425" tIns="45700" rIns="91425" bIns="45700" anchor="t" anchorCtr="0">
-            <a:normAutofit/>
-          </a:bodyPr>
-          <a:lstStyle/>
-          <a:p>
-            <a:pPr indent="-457200">
-              <a:spcBef>
-                <a:spcPts val="0"/>
-              </a:spcBef>
-              <a:buSzPts val="2800"/>
-              <a:buFont typeface="Wingdings" panose="05000000000000000000" pitchFamily="2" charset="2"/>
-              <a:buChar char="q"/>
-            </a:pPr>
-            <a:r>
-              <a:rPr lang="en-US" dirty="0"/>
-              <a:t>The correlation coefficient is related to the covariance</a:t>
-            </a:r>
-            <a:endParaRPr lang="en-US" dirty="0">
-              <a:sym typeface="Libre Franklin"/>
-            </a:endParaRPr>
-          </a:p>
-          <a:p>
-            <a:pPr indent="-457200">
-              <a:spcBef>
-                <a:spcPts val="0"/>
-              </a:spcBef>
-              <a:buSzPts val="2800"/>
-              <a:buFont typeface="Wingdings" panose="05000000000000000000" pitchFamily="2" charset="2"/>
-              <a:buChar char="q"/>
-            </a:pPr>
-            <a:endParaRPr lang="en-US" dirty="0">
-              <a:sym typeface="Libre Franklin"/>
-            </a:endParaRPr>
-          </a:p>
-          <a:p>
-            <a:pPr indent="-457200">
-              <a:spcBef>
-                <a:spcPts val="0"/>
-              </a:spcBef>
-              <a:buSzPts val="2800"/>
-              <a:buFont typeface="Wingdings" panose="05000000000000000000" pitchFamily="2" charset="2"/>
-              <a:buChar char="q"/>
-            </a:pPr>
-            <a:endParaRPr lang="en-US" dirty="0"/>
           </a:p>
         </p:txBody>
       </p:sp>
       <p:pic>
         <p:nvPicPr>
-          <p:cNvPr id="3" name="Picture 2">
+          <p:cNvPr id="2050" name="Picture 2" descr="An example Decision Tree Using the Gini Index">
             <a:extLst>
               <a:ext uri="{FF2B5EF4-FFF2-40B4-BE49-F238E27FC236}">
-                <a16:creationId xmlns:a16="http://schemas.microsoft.com/office/drawing/2014/main" id="{54710F44-E85C-8B40-9CB6-508405CD1072}"/>
+                <a16:creationId xmlns:a16="http://schemas.microsoft.com/office/drawing/2014/main" id="{509173BB-AB16-4D81-AF13-7E5F325789B3}"/>
               </a:ext>
             </a:extLst>
           </p:cNvPr>
           <p:cNvPicPr>
-            <a:picLocks noChangeAspect="1"/>
+            <a:picLocks noChangeAspect="1" noChangeArrowheads="1"/>
           </p:cNvPicPr>
           <p:nvPr/>
         </p:nvPicPr>
-        <p:blipFill>
-          <a:blip r:embed="rId3"/>
-          <a:stretch>
-            <a:fillRect/>
-          </a:stretch>
+        <p:blipFill rotWithShape="1">
+          <a:blip r:embed="rId3">
+            <a:extLst>
+              <a:ext uri="{28A0092B-C50C-407E-A947-70E740481C1C}">
+                <a14:useLocalDpi xmlns:a14="http://schemas.microsoft.com/office/drawing/2010/main" val="0"/>
+              </a:ext>
+            </a:extLst>
+          </a:blip>
+          <a:srcRect t="20128"/>
+          <a:stretch/>
         </p:blipFill>
-        <p:spPr>
-          <a:xfrm>
-            <a:off x="618194" y="2679303"/>
-            <a:ext cx="3344802" cy="1499394"/>
+        <p:spPr bwMode="auto">
+          <a:xfrm>
+            <a:off x="455481" y="1871195"/>
+            <a:ext cx="6155181" cy="3330394"/>
           </a:xfrm>
           <a:prstGeom prst="rect">
             <a:avLst/>
           </a:prstGeom>
+          <a:noFill/>
+          <a:extLst>
+            <a:ext uri="{909E8E84-426E-40DD-AFC4-6F175D3DCCD1}">
+              <a14:hiddenFill xmlns:a14="http://schemas.microsoft.com/office/drawing/2010/main">
+                <a:solidFill>
+                  <a:srgbClr val="FFFFFF"/>
+                </a:solidFill>
+              </a14:hiddenFill>
+            </a:ext>
+          </a:extLst>
         </p:spPr>
       </p:pic>
     </p:spTree>
     <p:extLst>
       <p:ext uri="{BB962C8B-B14F-4D97-AF65-F5344CB8AC3E}">
-        <p14:creationId xmlns:p14="http://schemas.microsoft.com/office/powerpoint/2010/main" val="362335725"/>
+        <p14:creationId xmlns:p14="http://schemas.microsoft.com/office/powerpoint/2010/main" val="547305200"/>
       </p:ext>
     </p:extLst>
   </p:cSld>
@@ -12259,8 +13865,8 @@
         </p:nvSpPr>
         <p:spPr>
           <a:xfrm>
-            <a:off x="838200" y="365125"/>
-            <a:ext cx="11014166" cy="1325563"/>
+            <a:off x="838199" y="365125"/>
+            <a:ext cx="10904989" cy="1325563"/>
           </a:xfrm>
           <a:prstGeom prst="rect">
             <a:avLst/>
@@ -12295,7 +13901,7 @@
             </a:pPr>
             <a:r>
               <a:rPr lang="en-US" dirty="0"/>
-              <a:t>Principal Component Analysis</a:t>
+              <a:t>Singular Value Decomposition</a:t>
             </a:r>
             <a:endParaRPr dirty="0"/>
           </a:p>
@@ -12303,7 +13909,13 @@
       </p:sp>
       <p:sp>
         <p:nvSpPr>
-          <p:cNvPr id="251" name="Google Shape;251;p1"/>
+          <p:cNvPr id="4" name="Google Shape;251;p1">
+            <a:extLst>
+              <a:ext uri="{FF2B5EF4-FFF2-40B4-BE49-F238E27FC236}">
+                <a16:creationId xmlns:a16="http://schemas.microsoft.com/office/drawing/2014/main" id="{0774F0BE-9679-4782-BBF1-D363D6993ECD}"/>
+              </a:ext>
+            </a:extLst>
+          </p:cNvPr>
           <p:cNvSpPr txBox="1">
             <a:spLocks noGrp="1"/>
           </p:cNvSpPr>
@@ -12340,7 +13952,21 @@
             </a:pPr>
             <a:r>
               <a:rPr lang="en-US" dirty="0"/>
-              <a:t>The covariance matrix allows us to see both variances and covariances</a:t>
+              <a:t>Factorization of a given matrix into three different matrices.</a:t>
+            </a:r>
+          </a:p>
+          <a:p>
+            <a:pPr indent="-457200">
+              <a:spcBef>
+                <a:spcPts val="0"/>
+              </a:spcBef>
+              <a:buSzPts val="2800"/>
+              <a:buFont typeface="Wingdings" panose="05000000000000000000" pitchFamily="2" charset="2"/>
+              <a:buChar char="q"/>
+            </a:pPr>
+            <a:r>
+              <a:rPr lang="en-US" dirty="0"/>
+              <a:t>Important applications in data science</a:t>
             </a:r>
             <a:endParaRPr lang="en-US" dirty="0">
               <a:sym typeface="Libre Franklin"/>
@@ -12355,29 +13981,16 @@
               <a:buFont typeface="Wingdings" panose="05000000000000000000" pitchFamily="2" charset="2"/>
               <a:buChar char="q"/>
             </a:pPr>
-            <a:endParaRPr lang="en-US" dirty="0">
-              <a:sym typeface="Libre Franklin"/>
-            </a:endParaRPr>
-          </a:p>
-          <a:p>
-            <a:pPr indent="-457200">
-              <a:spcBef>
-                <a:spcPts val="0"/>
-              </a:spcBef>
-              <a:buSzPts val="2800"/>
-              <a:buFont typeface="Wingdings" panose="05000000000000000000" pitchFamily="2" charset="2"/>
-              <a:buChar char="q"/>
-            </a:pPr>
             <a:endParaRPr lang="en-US" dirty="0"/>
           </a:p>
         </p:txBody>
       </p:sp>
       <p:pic>
         <p:nvPicPr>
-          <p:cNvPr id="9218" name="Picture 2" descr="Interpretation of Covariance, Covariance Matrix and Eigenvalues | Towards  Data Science">
+          <p:cNvPr id="3074" name="Picture 2" descr="The Singular Value Decomposition (SVD) of an m × n rectangular matrix A |  Download Scientific Diagram">
             <a:extLst>
               <a:ext uri="{FF2B5EF4-FFF2-40B4-BE49-F238E27FC236}">
-                <a16:creationId xmlns:a16="http://schemas.microsoft.com/office/drawing/2014/main" id="{18ABFB3C-82C5-1004-89D8-8EC7085E735C}"/>
+                <a16:creationId xmlns:a16="http://schemas.microsoft.com/office/drawing/2014/main" id="{C2CA6190-D658-4BD4-BF03-0437E1EFD2C6}"/>
               </a:ext>
             </a:extLst>
           </p:cNvPr>
@@ -12386,7 +13999,7 @@
           </p:cNvPicPr>
           <p:nvPr/>
         </p:nvPicPr>
-        <p:blipFill rotWithShape="1">
+        <p:blipFill>
           <a:blip r:embed="rId3">
             <a:extLst>
               <a:ext uri="{28A0092B-C50C-407E-A947-70E740481C1C}">
@@ -12394,13 +14007,15 @@
               </a:ext>
             </a:extLst>
           </a:blip>
-          <a:srcRect l="5215" t="27473" r="58857" b="35889"/>
-          <a:stretch/>
+          <a:srcRect/>
+          <a:stretch>
+            <a:fillRect/>
+          </a:stretch>
         </p:blipFill>
         <p:spPr bwMode="auto">
           <a:xfrm>
-            <a:off x="838200" y="2804160"/>
-            <a:ext cx="4380411" cy="1611086"/>
+            <a:off x="940411" y="3011697"/>
+            <a:ext cx="8277899" cy="2969378"/>
           </a:xfrm>
           <a:prstGeom prst="rect">
             <a:avLst/>
@@ -12417,55 +14032,10 @@
           </a:extLst>
         </p:spPr>
       </p:pic>
-      <p:pic>
-        <p:nvPicPr>
-          <p:cNvPr id="2" name="Picture 2" descr="Interpretation of Covariance, Covariance Matrix and Eigenvalues | Towards  Data Science">
-            <a:extLst>
-              <a:ext uri="{FF2B5EF4-FFF2-40B4-BE49-F238E27FC236}">
-                <a16:creationId xmlns:a16="http://schemas.microsoft.com/office/drawing/2014/main" id="{75A71AC9-4521-BE94-5CB6-D1E9B197EF78}"/>
-              </a:ext>
-            </a:extLst>
-          </p:cNvPr>
-          <p:cNvPicPr>
-            <a:picLocks noChangeAspect="1" noChangeArrowheads="1"/>
-          </p:cNvPicPr>
-          <p:nvPr/>
-        </p:nvPicPr>
-        <p:blipFill rotWithShape="1">
-          <a:blip r:embed="rId3">
-            <a:extLst>
-              <a:ext uri="{28A0092B-C50C-407E-A947-70E740481C1C}">
-                <a14:useLocalDpi xmlns:a14="http://schemas.microsoft.com/office/drawing/2010/main" val="0"/>
-              </a:ext>
-            </a:extLst>
-          </a:blip>
-          <a:srcRect l="43509" t="18116" r="7206" b="33166"/>
-          <a:stretch/>
-        </p:blipFill>
-        <p:spPr bwMode="auto">
-          <a:xfrm>
-            <a:off x="5612870" y="2910183"/>
-            <a:ext cx="6008914" cy="2142308"/>
-          </a:xfrm>
-          <a:prstGeom prst="rect">
-            <a:avLst/>
-          </a:prstGeom>
-          <a:noFill/>
-          <a:extLst>
-            <a:ext uri="{909E8E84-426E-40DD-AFC4-6F175D3DCCD1}">
-              <a14:hiddenFill xmlns:a14="http://schemas.microsoft.com/office/drawing/2010/main">
-                <a:solidFill>
-                  <a:srgbClr val="FFFFFF"/>
-                </a:solidFill>
-              </a14:hiddenFill>
-            </a:ext>
-          </a:extLst>
-        </p:spPr>
-      </p:pic>
     </p:spTree>
     <p:extLst>
       <p:ext uri="{BB962C8B-B14F-4D97-AF65-F5344CB8AC3E}">
-        <p14:creationId xmlns:p14="http://schemas.microsoft.com/office/powerpoint/2010/main" val="3591005089"/>
+        <p14:creationId xmlns:p14="http://schemas.microsoft.com/office/powerpoint/2010/main" val="4027506934"/>
       </p:ext>
     </p:extLst>
   </p:cSld>
